--- a/AD_classifier.pptx
+++ b/AD_classifier.pptx
@@ -18654,7 +18654,7 @@
         </p:nvSpPr>
         <p:spPr>
           <a:xfrm>
-            <a:off x="5765409" y="4996114"/>
+            <a:off x="4920999" y="4996114"/>
             <a:ext cx="1927860" cy="307777"/>
           </a:xfrm>
           <a:prstGeom prst="rect">
@@ -21309,7 +21309,7 @@
         </p:nvSpPr>
         <p:spPr>
           <a:xfrm>
-            <a:off x="5765409" y="4996114"/>
+            <a:off x="4920999" y="4996114"/>
             <a:ext cx="1927860" cy="307777"/>
           </a:xfrm>
           <a:prstGeom prst="rect">

--- a/AD_classifier.pptx
+++ b/AD_classifier.pptx
@@ -5,27 +5,28 @@
     <p:sldMasterId id="2147483696" r:id="rId1"/>
   </p:sldMasterIdLst>
   <p:notesMasterIdLst>
-    <p:notesMasterId r:id="rId20"/>
+    <p:notesMasterId r:id="rId21"/>
   </p:notesMasterIdLst>
   <p:sldIdLst>
     <p:sldId id="263" r:id="rId2"/>
-    <p:sldId id="259" r:id="rId3"/>
-    <p:sldId id="274" r:id="rId4"/>
-    <p:sldId id="257" r:id="rId5"/>
-    <p:sldId id="260" r:id="rId6"/>
-    <p:sldId id="272" r:id="rId7"/>
-    <p:sldId id="261" r:id="rId8"/>
-    <p:sldId id="264" r:id="rId9"/>
-    <p:sldId id="265" r:id="rId10"/>
-    <p:sldId id="266" r:id="rId11"/>
-    <p:sldId id="269" r:id="rId12"/>
+    <p:sldId id="281" r:id="rId3"/>
+    <p:sldId id="259" r:id="rId4"/>
+    <p:sldId id="274" r:id="rId5"/>
+    <p:sldId id="257" r:id="rId6"/>
+    <p:sldId id="260" r:id="rId7"/>
+    <p:sldId id="272" r:id="rId8"/>
+    <p:sldId id="261" r:id="rId9"/>
+    <p:sldId id="264" r:id="rId10"/>
+    <p:sldId id="265" r:id="rId11"/>
+    <p:sldId id="266" r:id="rId12"/>
     <p:sldId id="273" r:id="rId13"/>
     <p:sldId id="277" r:id="rId14"/>
     <p:sldId id="267" r:id="rId15"/>
-    <p:sldId id="279" r:id="rId16"/>
-    <p:sldId id="275" r:id="rId17"/>
-    <p:sldId id="276" r:id="rId18"/>
-    <p:sldId id="270" r:id="rId19"/>
+    <p:sldId id="275" r:id="rId16"/>
+    <p:sldId id="276" r:id="rId17"/>
+    <p:sldId id="280" r:id="rId18"/>
+    <p:sldId id="279" r:id="rId19"/>
+    <p:sldId id="270" r:id="rId20"/>
   </p:sldIdLst>
   <p:sldSz cx="12192000" cy="6858000"/>
   <p:notesSz cx="6858000" cy="9144000"/>
@@ -4032,146 +4033,6 @@
           <a:p>
             <a:fld id="{43B8D7CD-161D-4CED-AB68-23A6F2D337E7}" type="slidenum">
               <a:rPr lang="zh-TW" altLang="en-US" smtClean="0"/>
-              <a:t>11</a:t>
-            </a:fld>
-            <a:endParaRPr lang="zh-TW" altLang="en-US"/>
-          </a:p>
-        </p:txBody>
-      </p:sp>
-    </p:spTree>
-    <p:extLst>
-      <p:ext uri="{BB962C8B-B14F-4D97-AF65-F5344CB8AC3E}">
-        <p14:creationId xmlns:p14="http://schemas.microsoft.com/office/powerpoint/2010/main" val="1932079895"/>
-      </p:ext>
-    </p:extLst>
-  </p:cSld>
-  <p:clrMapOvr>
-    <a:masterClrMapping/>
-  </p:clrMapOvr>
-</p:notes>
-</file>
-
-<file path=ppt/notesSlides/notesSlide2.xml><?xml version="1.0" encoding="utf-8"?>
-<p:notes xmlns:a="http://schemas.openxmlformats.org/drawingml/2006/main" xmlns:r="http://schemas.openxmlformats.org/officeDocument/2006/relationships" xmlns:p="http://schemas.openxmlformats.org/presentationml/2006/main">
-  <p:cSld>
-    <p:spTree>
-      <p:nvGrpSpPr>
-        <p:cNvPr id="1" name=""/>
-        <p:cNvGrpSpPr/>
-        <p:nvPr/>
-      </p:nvGrpSpPr>
-      <p:grpSpPr>
-        <a:xfrm>
-          <a:off x="0" y="0"/>
-          <a:ext cx="0" cy="0"/>
-          <a:chOff x="0" y="0"/>
-          <a:chExt cx="0" cy="0"/>
-        </a:xfrm>
-      </p:grpSpPr>
-      <p:sp>
-        <p:nvSpPr>
-          <p:cNvPr id="2" name="投影片圖像版面配置區 1"/>
-          <p:cNvSpPr>
-            <a:spLocks noGrp="1" noRot="1" noChangeAspect="1"/>
-          </p:cNvSpPr>
-          <p:nvPr>
-            <p:ph type="sldImg"/>
-          </p:nvPr>
-        </p:nvSpPr>
-        <p:spPr/>
-      </p:sp>
-      <p:sp>
-        <p:nvSpPr>
-          <p:cNvPr id="3" name="備忘稿版面配置區 2"/>
-          <p:cNvSpPr>
-            <a:spLocks noGrp="1"/>
-          </p:cNvSpPr>
-          <p:nvPr>
-            <p:ph type="body" idx="1"/>
-          </p:nvPr>
-        </p:nvSpPr>
-        <p:spPr/>
-        <p:txBody>
-          <a:bodyPr/>
-          <a:lstStyle/>
-          <a:p>
-            <a:r>
-              <a:rPr lang="en-US" altLang="zh-TW" dirty="0" smtClean="0"/>
-              <a:t>Class 0 recall is low : </a:t>
-            </a:r>
-            <a:r>
-              <a:rPr lang="zh-TW" altLang="en-US" dirty="0" smtClean="0"/>
-              <a:t>非廣告文資料中，非廣告文卻被誤判為廣告文的比例相對高 </a:t>
-            </a:r>
-            <a:r>
-              <a:rPr lang="en-US" altLang="zh-TW" dirty="0" smtClean="0"/>
-              <a:t>(FN)</a:t>
-            </a:r>
-          </a:p>
-          <a:p>
-            <a:r>
-              <a:rPr lang="en-US" altLang="zh-TW" dirty="0" smtClean="0"/>
-              <a:t>Class 1 precision is low : </a:t>
-            </a:r>
-            <a:r>
-              <a:rPr lang="zh-TW" altLang="en-US" dirty="0" smtClean="0"/>
-              <a:t>預測結果為廣告文的 </a:t>
-            </a:r>
-            <a:r>
-              <a:rPr lang="en-US" altLang="zh-TW" dirty="0" smtClean="0"/>
-              <a:t>“</a:t>
-            </a:r>
-            <a:r>
-              <a:rPr lang="zh-TW" altLang="en-US" dirty="0" smtClean="0"/>
-              <a:t>非</a:t>
-            </a:r>
-            <a:r>
-              <a:rPr lang="en-US" altLang="zh-TW" dirty="0" smtClean="0"/>
-              <a:t>”</a:t>
-            </a:r>
-            <a:r>
-              <a:rPr lang="zh-TW" altLang="en-US" dirty="0" smtClean="0"/>
-              <a:t>廣告文比例大，相較預測結果為非廣告文的廣告文比例 </a:t>
-            </a:r>
-            <a:r>
-              <a:rPr lang="en-US" altLang="zh-TW" dirty="0" smtClean="0"/>
-              <a:t>(FP)</a:t>
-            </a:r>
-          </a:p>
-          <a:p>
-            <a:r>
-              <a:rPr lang="zh-TW" altLang="en-US" dirty="0" smtClean="0"/>
-              <a:t>結論是我們希望過濾掉廣告文，以利於後續情緒分析或是下游的</a:t>
-            </a:r>
-            <a:r>
-              <a:rPr lang="en-US" altLang="zh-TW" dirty="0" smtClean="0"/>
-              <a:t>NLP</a:t>
-            </a:r>
-            <a:r>
-              <a:rPr lang="zh-TW" altLang="en-US" dirty="0" smtClean="0"/>
-              <a:t>任務，所以我們不希望相關資料中的廣告文存在</a:t>
-            </a:r>
-            <a:endParaRPr lang="zh-TW" altLang="en-US" dirty="0"/>
-          </a:p>
-        </p:txBody>
-      </p:sp>
-      <p:sp>
-        <p:nvSpPr>
-          <p:cNvPr id="4" name="投影片編號版面配置區 3"/>
-          <p:cNvSpPr>
-            <a:spLocks noGrp="1"/>
-          </p:cNvSpPr>
-          <p:nvPr>
-            <p:ph type="sldNum" sz="quarter" idx="10"/>
-          </p:nvPr>
-        </p:nvSpPr>
-        <p:spPr/>
-        <p:txBody>
-          <a:bodyPr/>
-          <a:lstStyle/>
-          <a:p>
-            <a:fld id="{43B8D7CD-161D-4CED-AB68-23A6F2D337E7}" type="slidenum">
-              <a:rPr lang="zh-TW" altLang="en-US" smtClean="0"/>
               <a:t>12</a:t>
             </a:fld>
             <a:endParaRPr lang="zh-TW" altLang="en-US"/>
@@ -7674,6 +7535,993 @@
           <a:bodyPr/>
           <a:lstStyle/>
           <a:p>
+            <a:fld id="{C1B04989-C204-4BB3-A496-31B7A8842197}" type="datetime1">
+              <a:rPr lang="en-US" altLang="zh-TW" smtClean="0"/>
+              <a:t>8/5/2021</a:t>
+            </a:fld>
+            <a:endParaRPr lang="en-US" dirty="0"/>
+          </a:p>
+        </p:txBody>
+      </p:sp>
+      <p:sp>
+        <p:nvSpPr>
+          <p:cNvPr id="6" name="投影片編號版面配置區 5"/>
+          <p:cNvSpPr>
+            <a:spLocks noGrp="1"/>
+          </p:cNvSpPr>
+          <p:nvPr>
+            <p:ph type="sldNum" sz="quarter" idx="12"/>
+          </p:nvPr>
+        </p:nvSpPr>
+        <p:spPr/>
+        <p:txBody>
+          <a:bodyPr/>
+          <a:lstStyle/>
+          <a:p>
+            <a:fld id="{8A7A6979-0714-4377-B894-6BE4C2D6E202}" type="slidenum">
+              <a:rPr lang="en-US" smtClean="0"/>
+              <a:pPr/>
+              <a:t>10</a:t>
+            </a:fld>
+            <a:endParaRPr lang="en-US" dirty="0"/>
+          </a:p>
+        </p:txBody>
+      </p:sp>
+      <p:sp>
+        <p:nvSpPr>
+          <p:cNvPr id="9" name="文字方塊 8"/>
+          <p:cNvSpPr txBox="1"/>
+          <p:nvPr/>
+        </p:nvSpPr>
+        <p:spPr>
+          <a:xfrm>
+            <a:off x="669299" y="1666749"/>
+            <a:ext cx="4186263" cy="3693319"/>
+          </a:xfrm>
+          <a:prstGeom prst="rect">
+            <a:avLst/>
+          </a:prstGeom>
+          <a:noFill/>
+        </p:spPr>
+        <p:txBody>
+          <a:bodyPr wrap="square" rtlCol="0">
+            <a:spAutoFit/>
+          </a:bodyPr>
+          <a:lstStyle/>
+          <a:p>
+            <a:pPr marL="342900" indent="-342900">
+              <a:lnSpc>
+                <a:spcPct val="150000"/>
+              </a:lnSpc>
+              <a:buFont typeface="+mj-lt"/>
+              <a:buAutoNum type="arabicPeriod"/>
+            </a:pPr>
+            <a:r>
+              <a:rPr lang="en-US" altLang="zh-TW" sz="1600" dirty="0" smtClean="0">
+                <a:latin typeface="微軟正黑體" panose="020B0604030504040204" pitchFamily="34" charset="-120"/>
+                <a:ea typeface="微軟正黑體" panose="020B0604030504040204" pitchFamily="34" charset="-120"/>
+              </a:rPr>
+              <a:t>In this application, I apply </a:t>
+            </a:r>
+            <a:r>
+              <a:rPr lang="en-US" altLang="zh-TW" sz="1600" b="1" dirty="0" smtClean="0">
+                <a:latin typeface="微軟正黑體" panose="020B0604030504040204" pitchFamily="34" charset="-120"/>
+                <a:ea typeface="微軟正黑體" panose="020B0604030504040204" pitchFamily="34" charset="-120"/>
+              </a:rPr>
+              <a:t>fast API, html, css </a:t>
+            </a:r>
+            <a:r>
+              <a:rPr lang="en-US" altLang="zh-TW" sz="1600" dirty="0" smtClean="0">
+                <a:latin typeface="微軟正黑體" panose="020B0604030504040204" pitchFamily="34" charset="-120"/>
+                <a:ea typeface="微軟正黑體" panose="020B0604030504040204" pitchFamily="34" charset="-120"/>
+              </a:rPr>
+              <a:t>and </a:t>
+            </a:r>
+            <a:r>
+              <a:rPr lang="en-US" altLang="zh-TW" sz="1600" b="1" dirty="0" smtClean="0">
+                <a:latin typeface="微軟正黑體" panose="020B0604030504040204" pitchFamily="34" charset="-120"/>
+                <a:ea typeface="微軟正黑體" panose="020B0604030504040204" pitchFamily="34" charset="-120"/>
+              </a:rPr>
+              <a:t>jinja2</a:t>
+            </a:r>
+            <a:r>
+              <a:rPr lang="en-US" altLang="zh-TW" sz="1600" dirty="0" smtClean="0">
+                <a:latin typeface="微軟正黑體" panose="020B0604030504040204" pitchFamily="34" charset="-120"/>
+                <a:ea typeface="微軟正黑體" panose="020B0604030504040204" pitchFamily="34" charset="-120"/>
+              </a:rPr>
+              <a:t> to build a WEB service of classifier. </a:t>
+            </a:r>
+          </a:p>
+          <a:p>
+            <a:pPr marL="342900" indent="-342900">
+              <a:lnSpc>
+                <a:spcPct val="150000"/>
+              </a:lnSpc>
+              <a:buFont typeface="+mj-lt"/>
+              <a:buAutoNum type="arabicPeriod"/>
+            </a:pPr>
+            <a:r>
+              <a:rPr lang="en-US" altLang="zh-TW" sz="1600" dirty="0">
+                <a:latin typeface="微軟正黑體" panose="020B0604030504040204" pitchFamily="34" charset="-120"/>
+                <a:ea typeface="微軟正黑體" panose="020B0604030504040204" pitchFamily="34" charset="-120"/>
+              </a:rPr>
+              <a:t>U</a:t>
+            </a:r>
+            <a:r>
+              <a:rPr lang="en-US" altLang="zh-TW" sz="1600" dirty="0" smtClean="0">
+                <a:latin typeface="微軟正黑體" panose="020B0604030504040204" pitchFamily="34" charset="-120"/>
+                <a:ea typeface="微軟正黑體" panose="020B0604030504040204" pitchFamily="34" charset="-120"/>
+              </a:rPr>
+              <a:t>sers can type the </a:t>
+            </a:r>
+            <a:r>
+              <a:rPr lang="en-US" altLang="zh-TW" sz="1600" b="1" u="sng" dirty="0" smtClean="0">
+                <a:latin typeface="微軟正黑體" panose="020B0604030504040204" pitchFamily="34" charset="-120"/>
+                <a:ea typeface="微軟正黑體" panose="020B0604030504040204" pitchFamily="34" charset="-120"/>
+              </a:rPr>
+              <a:t>content</a:t>
+            </a:r>
+            <a:r>
+              <a:rPr lang="en-US" altLang="zh-TW" sz="1600" dirty="0" smtClean="0">
+                <a:latin typeface="微軟正黑體" panose="020B0604030504040204" pitchFamily="34" charset="-120"/>
+                <a:ea typeface="微軟正黑體" panose="020B0604030504040204" pitchFamily="34" charset="-120"/>
+              </a:rPr>
+              <a:t> inside the </a:t>
+            </a:r>
+            <a:r>
+              <a:rPr lang="en-US" altLang="zh-TW" sz="1600" b="1" dirty="0" smtClean="0">
+                <a:latin typeface="微軟正黑體" panose="020B0604030504040204" pitchFamily="34" charset="-120"/>
+                <a:ea typeface="微軟正黑體" panose="020B0604030504040204" pitchFamily="34" charset="-120"/>
+              </a:rPr>
+              <a:t>text area </a:t>
+            </a:r>
+            <a:r>
+              <a:rPr lang="en-US" altLang="zh-TW" sz="1600" dirty="0" smtClean="0">
+                <a:latin typeface="微軟正黑體" panose="020B0604030504040204" pitchFamily="34" charset="-120"/>
+                <a:ea typeface="微軟正黑體" panose="020B0604030504040204" pitchFamily="34" charset="-120"/>
+              </a:rPr>
+              <a:t>and add the new content by pressing </a:t>
+            </a:r>
+            <a:r>
+              <a:rPr lang="en-US" altLang="zh-TW" sz="1600" u="sng" dirty="0" smtClean="0">
+                <a:latin typeface="微軟正黑體" panose="020B0604030504040204" pitchFamily="34" charset="-120"/>
+                <a:ea typeface="微軟正黑體" panose="020B0604030504040204" pitchFamily="34" charset="-120"/>
+              </a:rPr>
+              <a:t>ENTER</a:t>
+            </a:r>
+            <a:r>
+              <a:rPr lang="en-US" altLang="zh-TW" sz="1600" dirty="0" smtClean="0">
+                <a:latin typeface="微軟正黑體" panose="020B0604030504040204" pitchFamily="34" charset="-120"/>
+                <a:ea typeface="微軟正黑體" panose="020B0604030504040204" pitchFamily="34" charset="-120"/>
+              </a:rPr>
+              <a:t>.</a:t>
+            </a:r>
+          </a:p>
+          <a:p>
+            <a:pPr marL="342900" indent="-342900">
+              <a:lnSpc>
+                <a:spcPct val="150000"/>
+              </a:lnSpc>
+              <a:buFont typeface="+mj-lt"/>
+              <a:buAutoNum type="arabicPeriod"/>
+            </a:pPr>
+            <a:r>
+              <a:rPr lang="en-US" altLang="zh-TW" sz="1600" dirty="0" smtClean="0">
+                <a:latin typeface="微軟正黑體" panose="020B0604030504040204" pitchFamily="34" charset="-120"/>
+                <a:ea typeface="微軟正黑體" panose="020B0604030504040204" pitchFamily="34" charset="-120"/>
+              </a:rPr>
+              <a:t>The WEB service will calculate and show the result.</a:t>
+            </a:r>
+          </a:p>
+          <a:p>
+            <a:pPr marL="342900" indent="-342900">
+              <a:lnSpc>
+                <a:spcPct val="150000"/>
+              </a:lnSpc>
+              <a:buFont typeface="+mj-lt"/>
+              <a:buAutoNum type="arabicPeriod"/>
+            </a:pPr>
+            <a:endParaRPr lang="en-US" altLang="zh-TW" sz="1600" dirty="0" smtClean="0">
+              <a:latin typeface="微軟正黑體" panose="020B0604030504040204" pitchFamily="34" charset="-120"/>
+              <a:ea typeface="微軟正黑體" panose="020B0604030504040204" pitchFamily="34" charset="-120"/>
+            </a:endParaRPr>
+          </a:p>
+          <a:p>
+            <a:pPr marL="342900" indent="-342900">
+              <a:lnSpc>
+                <a:spcPct val="150000"/>
+              </a:lnSpc>
+              <a:buFont typeface="+mj-lt"/>
+              <a:buAutoNum type="arabicPeriod"/>
+            </a:pPr>
+            <a:endParaRPr lang="zh-TW" altLang="en-US" sz="1200" dirty="0">
+              <a:latin typeface="微軟正黑體" panose="020B0604030504040204" pitchFamily="34" charset="-120"/>
+              <a:ea typeface="微軟正黑體" panose="020B0604030504040204" pitchFamily="34" charset="-120"/>
+            </a:endParaRPr>
+          </a:p>
+        </p:txBody>
+      </p:sp>
+      <p:sp>
+        <p:nvSpPr>
+          <p:cNvPr id="8" name="文字方塊 7"/>
+          <p:cNvSpPr txBox="1"/>
+          <p:nvPr/>
+        </p:nvSpPr>
+        <p:spPr>
+          <a:xfrm>
+            <a:off x="6566345" y="364060"/>
+            <a:ext cx="4008830" cy="584775"/>
+          </a:xfrm>
+          <a:prstGeom prst="rect">
+            <a:avLst/>
+          </a:prstGeom>
+          <a:noFill/>
+        </p:spPr>
+        <p:txBody>
+          <a:bodyPr wrap="square" rtlCol="0">
+            <a:spAutoFit/>
+          </a:bodyPr>
+          <a:lstStyle/>
+          <a:p>
+            <a:r>
+              <a:rPr lang="en-US" altLang="zh-TW" sz="3200" dirty="0" smtClean="0">
+                <a:latin typeface="Arial Black" panose="020B0A04020102020204" pitchFamily="34" charset="0"/>
+              </a:rPr>
+              <a:t>WEB application</a:t>
+            </a:r>
+            <a:endParaRPr lang="zh-TW" altLang="en-US" sz="3200" dirty="0">
+              <a:latin typeface="Arial Black" panose="020B0A04020102020204" pitchFamily="34" charset="0"/>
+            </a:endParaRPr>
+          </a:p>
+        </p:txBody>
+      </p:sp>
+      <p:grpSp>
+        <p:nvGrpSpPr>
+          <p:cNvPr id="2" name="群組 1"/>
+          <p:cNvGrpSpPr/>
+          <p:nvPr/>
+        </p:nvGrpSpPr>
+        <p:grpSpPr>
+          <a:xfrm>
+            <a:off x="723269" y="97571"/>
+            <a:ext cx="2859089" cy="2003367"/>
+            <a:chOff x="5897531" y="3183100"/>
+            <a:chExt cx="2859089" cy="2003367"/>
+          </a:xfrm>
+        </p:grpSpPr>
+        <p:pic>
+          <p:nvPicPr>
+            <p:cNvPr id="32" name="圖片 31"/>
+            <p:cNvPicPr>
+              <a:picLocks noChangeAspect="1"/>
+            </p:cNvPicPr>
+            <p:nvPr/>
+          </p:nvPicPr>
+          <p:blipFill>
+            <a:blip r:embed="rId2">
+              <a:extLst>
+                <a:ext uri="{28A0092B-C50C-407E-A947-70E740481C1C}">
+                  <a14:useLocalDpi xmlns:a14="http://schemas.microsoft.com/office/drawing/2010/main" val="0"/>
+                </a:ext>
+              </a:extLst>
+            </a:blip>
+            <a:stretch>
+              <a:fillRect/>
+            </a:stretch>
+          </p:blipFill>
+          <p:spPr>
+            <a:xfrm>
+              <a:off x="5897531" y="3602410"/>
+              <a:ext cx="1001596" cy="1001596"/>
+            </a:xfrm>
+            <a:prstGeom prst="rect">
+              <a:avLst/>
+            </a:prstGeom>
+          </p:spPr>
+        </p:pic>
+        <p:pic>
+          <p:nvPicPr>
+            <p:cNvPr id="33" name="圖片 32"/>
+            <p:cNvPicPr>
+              <a:picLocks noChangeAspect="1"/>
+            </p:cNvPicPr>
+            <p:nvPr/>
+          </p:nvPicPr>
+          <p:blipFill>
+            <a:blip r:embed="rId3">
+              <a:extLst>
+                <a:ext uri="{28A0092B-C50C-407E-A947-70E740481C1C}">
+                  <a14:useLocalDpi xmlns:a14="http://schemas.microsoft.com/office/drawing/2010/main" val="0"/>
+                </a:ext>
+              </a:extLst>
+            </a:blip>
+            <a:stretch>
+              <a:fillRect/>
+            </a:stretch>
+          </p:blipFill>
+          <p:spPr>
+            <a:xfrm>
+              <a:off x="6886670" y="3183100"/>
+              <a:ext cx="1869950" cy="2003367"/>
+            </a:xfrm>
+            <a:prstGeom prst="rect">
+              <a:avLst/>
+            </a:prstGeom>
+          </p:spPr>
+        </p:pic>
+      </p:grpSp>
+      <p:pic>
+        <p:nvPicPr>
+          <p:cNvPr id="29" name="圖片 28"/>
+          <p:cNvPicPr>
+            <a:picLocks noChangeAspect="1"/>
+          </p:cNvPicPr>
+          <p:nvPr/>
+        </p:nvPicPr>
+        <p:blipFill>
+          <a:blip r:embed="rId4">
+            <a:extLst>
+              <a:ext uri="{28A0092B-C50C-407E-A947-70E740481C1C}">
+                <a14:useLocalDpi xmlns:a14="http://schemas.microsoft.com/office/drawing/2010/main" val="0"/>
+              </a:ext>
+            </a:extLst>
+          </a:blip>
+          <a:stretch>
+            <a:fillRect/>
+          </a:stretch>
+        </p:blipFill>
+        <p:spPr>
+          <a:xfrm>
+            <a:off x="3593961" y="546854"/>
+            <a:ext cx="1104800" cy="1104800"/>
+          </a:xfrm>
+          <a:prstGeom prst="rect">
+            <a:avLst/>
+          </a:prstGeom>
+        </p:spPr>
+      </p:pic>
+      <p:grpSp>
+        <p:nvGrpSpPr>
+          <p:cNvPr id="5" name="群組 4"/>
+          <p:cNvGrpSpPr/>
+          <p:nvPr/>
+        </p:nvGrpSpPr>
+        <p:grpSpPr>
+          <a:xfrm>
+            <a:off x="5804537" y="956660"/>
+            <a:ext cx="5320145" cy="5101240"/>
+            <a:chOff x="5804537" y="956660"/>
+            <a:chExt cx="5320145" cy="5101240"/>
+          </a:xfrm>
+        </p:grpSpPr>
+        <p:pic>
+          <p:nvPicPr>
+            <p:cNvPr id="30" name="圖片 29"/>
+            <p:cNvPicPr>
+              <a:picLocks noChangeAspect="1"/>
+            </p:cNvPicPr>
+            <p:nvPr/>
+          </p:nvPicPr>
+          <p:blipFill>
+            <a:blip r:embed="rId5">
+              <a:extLst>
+                <a:ext uri="{28A0092B-C50C-407E-A947-70E740481C1C}">
+                  <a14:useLocalDpi xmlns:a14="http://schemas.microsoft.com/office/drawing/2010/main" val="0"/>
+                </a:ext>
+              </a:extLst>
+            </a:blip>
+            <a:stretch>
+              <a:fillRect/>
+            </a:stretch>
+          </p:blipFill>
+          <p:spPr>
+            <a:xfrm>
+              <a:off x="6118301" y="1433280"/>
+              <a:ext cx="835475" cy="835475"/>
+            </a:xfrm>
+            <a:prstGeom prst="rect">
+              <a:avLst/>
+            </a:prstGeom>
+          </p:spPr>
+        </p:pic>
+        <p:pic>
+          <p:nvPicPr>
+            <p:cNvPr id="35" name="圖片 34"/>
+            <p:cNvPicPr>
+              <a:picLocks noChangeAspect="1"/>
+            </p:cNvPicPr>
+            <p:nvPr/>
+          </p:nvPicPr>
+          <p:blipFill>
+            <a:blip r:embed="rId6">
+              <a:extLst>
+                <a:ext uri="{28A0092B-C50C-407E-A947-70E740481C1C}">
+                  <a14:useLocalDpi xmlns:a14="http://schemas.microsoft.com/office/drawing/2010/main" val="0"/>
+                </a:ext>
+              </a:extLst>
+            </a:blip>
+            <a:stretch>
+              <a:fillRect/>
+            </a:stretch>
+          </p:blipFill>
+          <p:spPr>
+            <a:xfrm rot="1562202" flipV="1">
+              <a:off x="6952886" y="1104690"/>
+              <a:ext cx="723363" cy="773214"/>
+            </a:xfrm>
+            <a:prstGeom prst="rect">
+              <a:avLst/>
+            </a:prstGeom>
+          </p:spPr>
+        </p:pic>
+        <p:pic>
+          <p:nvPicPr>
+            <p:cNvPr id="37" name="圖片 36"/>
+            <p:cNvPicPr>
+              <a:picLocks noChangeAspect="1"/>
+            </p:cNvPicPr>
+            <p:nvPr/>
+          </p:nvPicPr>
+          <p:blipFill>
+            <a:blip r:embed="rId6">
+              <a:extLst>
+                <a:ext uri="{28A0092B-C50C-407E-A947-70E740481C1C}">
+                  <a14:useLocalDpi xmlns:a14="http://schemas.microsoft.com/office/drawing/2010/main" val="0"/>
+                </a:ext>
+              </a:extLst>
+            </a:blip>
+            <a:stretch>
+              <a:fillRect/>
+            </a:stretch>
+          </p:blipFill>
+          <p:spPr>
+            <a:xfrm rot="4210709" flipV="1">
+              <a:off x="9055368" y="1104690"/>
+              <a:ext cx="723363" cy="773214"/>
+            </a:xfrm>
+            <a:prstGeom prst="rect">
+              <a:avLst/>
+            </a:prstGeom>
+          </p:spPr>
+        </p:pic>
+        <p:pic>
+          <p:nvPicPr>
+            <p:cNvPr id="38" name="圖片 37"/>
+            <p:cNvPicPr>
+              <a:picLocks noChangeAspect="1"/>
+            </p:cNvPicPr>
+            <p:nvPr/>
+          </p:nvPicPr>
+          <p:blipFill>
+            <a:blip r:embed="rId4">
+              <a:extLst>
+                <a:ext uri="{28A0092B-C50C-407E-A947-70E740481C1C}">
+                  <a14:useLocalDpi xmlns:a14="http://schemas.microsoft.com/office/drawing/2010/main" val="0"/>
+                </a:ext>
+              </a:extLst>
+            </a:blip>
+            <a:stretch>
+              <a:fillRect/>
+            </a:stretch>
+          </p:blipFill>
+          <p:spPr>
+            <a:xfrm>
+              <a:off x="7809243" y="956660"/>
+              <a:ext cx="1104800" cy="1104800"/>
+            </a:xfrm>
+            <a:prstGeom prst="rect">
+              <a:avLst/>
+            </a:prstGeom>
+          </p:spPr>
+        </p:pic>
+        <p:pic>
+          <p:nvPicPr>
+            <p:cNvPr id="10" name="圖片 9"/>
+            <p:cNvPicPr>
+              <a:picLocks noChangeAspect="1"/>
+            </p:cNvPicPr>
+            <p:nvPr/>
+          </p:nvPicPr>
+          <p:blipFill>
+            <a:blip r:embed="rId7">
+              <a:extLst>
+                <a:ext uri="{28A0092B-C50C-407E-A947-70E740481C1C}">
+                  <a14:useLocalDpi xmlns:a14="http://schemas.microsoft.com/office/drawing/2010/main" val="0"/>
+                </a:ext>
+              </a:extLst>
+            </a:blip>
+            <a:stretch>
+              <a:fillRect/>
+            </a:stretch>
+          </p:blipFill>
+          <p:spPr>
+            <a:xfrm>
+              <a:off x="9904780" y="1382875"/>
+              <a:ext cx="936284" cy="936284"/>
+            </a:xfrm>
+            <a:prstGeom prst="rect">
+              <a:avLst/>
+            </a:prstGeom>
+          </p:spPr>
+        </p:pic>
+        <p:sp>
+          <p:nvSpPr>
+            <p:cNvPr id="11" name="圓角矩形 10"/>
+            <p:cNvSpPr/>
+            <p:nvPr/>
+          </p:nvSpPr>
+          <p:spPr>
+            <a:xfrm>
+              <a:off x="5804537" y="2342305"/>
+              <a:ext cx="5320145" cy="3715595"/>
+            </a:xfrm>
+            <a:prstGeom prst="roundRect">
+              <a:avLst/>
+            </a:prstGeom>
+            <a:solidFill>
+              <a:schemeClr val="accent2">
+                <a:lumMod val="20000"/>
+                <a:lumOff val="80000"/>
+              </a:schemeClr>
+            </a:solidFill>
+            <a:ln>
+              <a:prstDash val="lgDashDot"/>
+            </a:ln>
+          </p:spPr>
+          <p:style>
+            <a:lnRef idx="2">
+              <a:schemeClr val="accent3"/>
+            </a:lnRef>
+            <a:fillRef idx="1">
+              <a:schemeClr val="lt1"/>
+            </a:fillRef>
+            <a:effectRef idx="0">
+              <a:schemeClr val="accent3"/>
+            </a:effectRef>
+            <a:fontRef idx="minor">
+              <a:schemeClr val="dk1"/>
+            </a:fontRef>
+          </p:style>
+          <p:txBody>
+            <a:bodyPr rtlCol="0" anchor="ctr"/>
+            <a:lstStyle/>
+            <a:p>
+              <a:pPr algn="ctr"/>
+              <a:endParaRPr lang="zh-TW" altLang="en-US"/>
+            </a:p>
+          </p:txBody>
+        </p:sp>
+        <p:sp>
+          <p:nvSpPr>
+            <p:cNvPr id="12" name="文字方塊 11"/>
+            <p:cNvSpPr txBox="1"/>
+            <p:nvPr/>
+          </p:nvSpPr>
+          <p:spPr>
+            <a:xfrm>
+              <a:off x="7127729" y="2450927"/>
+              <a:ext cx="2846005" cy="369332"/>
+            </a:xfrm>
+            <a:prstGeom prst="rect">
+              <a:avLst/>
+            </a:prstGeom>
+            <a:noFill/>
+          </p:spPr>
+          <p:txBody>
+            <a:bodyPr wrap="square" rtlCol="0">
+              <a:spAutoFit/>
+            </a:bodyPr>
+            <a:lstStyle/>
+            <a:p>
+              <a:r>
+                <a:rPr lang="en-US" altLang="zh-TW" dirty="0"/>
+                <a:t>Advertisement Classifier</a:t>
+              </a:r>
+              <a:endParaRPr lang="zh-TW" altLang="en-US" dirty="0"/>
+            </a:p>
+          </p:txBody>
+        </p:sp>
+        <p:sp>
+          <p:nvSpPr>
+            <p:cNvPr id="14" name="文字方塊 13"/>
+            <p:cNvSpPr txBox="1"/>
+            <p:nvPr/>
+          </p:nvSpPr>
+          <p:spPr>
+            <a:xfrm>
+              <a:off x="6550639" y="2922732"/>
+              <a:ext cx="4000184" cy="276999"/>
+            </a:xfrm>
+            <a:prstGeom prst="rect">
+              <a:avLst/>
+            </a:prstGeom>
+            <a:noFill/>
+          </p:spPr>
+          <p:txBody>
+            <a:bodyPr wrap="square" rtlCol="0">
+              <a:spAutoFit/>
+            </a:bodyPr>
+            <a:lstStyle/>
+            <a:p>
+              <a:r>
+                <a:rPr lang="en-US" altLang="zh-TW" sz="1200" dirty="0"/>
+                <a:t>Hint: Input string and return the result (label &amp; probability)</a:t>
+              </a:r>
+              <a:endParaRPr lang="zh-TW" altLang="en-US" sz="1200" dirty="0"/>
+            </a:p>
+          </p:txBody>
+        </p:sp>
+        <p:sp>
+          <p:nvSpPr>
+            <p:cNvPr id="16" name="矩形 15"/>
+            <p:cNvSpPr/>
+            <p:nvPr/>
+          </p:nvSpPr>
+          <p:spPr>
+            <a:xfrm>
+              <a:off x="6587875" y="3290953"/>
+              <a:ext cx="3957302" cy="1780780"/>
+            </a:xfrm>
+            <a:prstGeom prst="rect">
+              <a:avLst/>
+            </a:prstGeom>
+            <a:solidFill>
+              <a:schemeClr val="bg1"/>
+            </a:solidFill>
+            <a:ln>
+              <a:solidFill>
+                <a:schemeClr val="bg1">
+                  <a:lumMod val="50000"/>
+                </a:schemeClr>
+              </a:solidFill>
+            </a:ln>
+          </p:spPr>
+          <p:style>
+            <a:lnRef idx="2">
+              <a:schemeClr val="accent1">
+                <a:shade val="50000"/>
+              </a:schemeClr>
+            </a:lnRef>
+            <a:fillRef idx="1">
+              <a:schemeClr val="accent1"/>
+            </a:fillRef>
+            <a:effectRef idx="0">
+              <a:schemeClr val="accent1"/>
+            </a:effectRef>
+            <a:fontRef idx="minor">
+              <a:schemeClr val="lt1"/>
+            </a:fontRef>
+          </p:style>
+          <p:txBody>
+            <a:bodyPr rtlCol="0" anchor="ctr"/>
+            <a:lstStyle/>
+            <a:p>
+              <a:pPr algn="ctr"/>
+              <a:endParaRPr lang="zh-TW" altLang="en-US"/>
+            </a:p>
+          </p:txBody>
+        </p:sp>
+        <p:sp>
+          <p:nvSpPr>
+            <p:cNvPr id="17" name="文字方塊 16"/>
+            <p:cNvSpPr txBox="1"/>
+            <p:nvPr/>
+          </p:nvSpPr>
+          <p:spPr>
+            <a:xfrm>
+              <a:off x="6544993" y="3238958"/>
+              <a:ext cx="4076808" cy="461665"/>
+            </a:xfrm>
+            <a:prstGeom prst="rect">
+              <a:avLst/>
+            </a:prstGeom>
+            <a:noFill/>
+          </p:spPr>
+          <p:txBody>
+            <a:bodyPr wrap="square" rtlCol="0">
+              <a:spAutoFit/>
+            </a:bodyPr>
+            <a:lstStyle/>
+            <a:p>
+              <a:r>
+                <a:rPr lang="en-US" altLang="zh-TW" sz="1200" dirty="0">
+                  <a:solidFill>
+                    <a:schemeClr val="bg1">
+                      <a:lumMod val="65000"/>
+                    </a:schemeClr>
+                  </a:solidFill>
+                </a:rPr>
+                <a:t>Type here, change line (press ENTER) if you want to add new content</a:t>
+              </a:r>
+              <a:endParaRPr lang="zh-TW" altLang="en-US" sz="1200" dirty="0">
+                <a:solidFill>
+                  <a:schemeClr val="bg1">
+                    <a:lumMod val="65000"/>
+                  </a:schemeClr>
+                </a:solidFill>
+              </a:endParaRPr>
+            </a:p>
+          </p:txBody>
+        </p:sp>
+        <p:sp>
+          <p:nvSpPr>
+            <p:cNvPr id="45" name="矩形 44"/>
+            <p:cNvSpPr/>
+            <p:nvPr/>
+          </p:nvSpPr>
+          <p:spPr>
+            <a:xfrm>
+              <a:off x="7833364" y="5159895"/>
+              <a:ext cx="639480" cy="241069"/>
+            </a:xfrm>
+            <a:prstGeom prst="rect">
+              <a:avLst/>
+            </a:prstGeom>
+            <a:gradFill flip="none" rotWithShape="1">
+              <a:gsLst>
+                <a:gs pos="0">
+                  <a:schemeClr val="bg1">
+                    <a:lumMod val="85000"/>
+                    <a:shade val="30000"/>
+                    <a:satMod val="115000"/>
+                  </a:schemeClr>
+                </a:gs>
+                <a:gs pos="50000">
+                  <a:schemeClr val="bg1">
+                    <a:lumMod val="85000"/>
+                    <a:shade val="67500"/>
+                    <a:satMod val="115000"/>
+                  </a:schemeClr>
+                </a:gs>
+                <a:gs pos="100000">
+                  <a:schemeClr val="bg1">
+                    <a:lumMod val="85000"/>
+                    <a:shade val="100000"/>
+                    <a:satMod val="115000"/>
+                  </a:schemeClr>
+                </a:gs>
+              </a:gsLst>
+              <a:lin ang="5400000" scaled="1"/>
+              <a:tileRect/>
+            </a:gradFill>
+            <a:ln/>
+          </p:spPr>
+          <p:style>
+            <a:lnRef idx="1">
+              <a:schemeClr val="dk1"/>
+            </a:lnRef>
+            <a:fillRef idx="2">
+              <a:schemeClr val="dk1"/>
+            </a:fillRef>
+            <a:effectRef idx="1">
+              <a:schemeClr val="dk1"/>
+            </a:effectRef>
+            <a:fontRef idx="minor">
+              <a:schemeClr val="dk1"/>
+            </a:fontRef>
+          </p:style>
+          <p:txBody>
+            <a:bodyPr rtlCol="0" anchor="ctr"/>
+            <a:lstStyle/>
+            <a:p>
+              <a:pPr algn="ctr"/>
+              <a:endParaRPr lang="zh-TW" altLang="en-US"/>
+            </a:p>
+          </p:txBody>
+        </p:sp>
+        <p:sp>
+          <p:nvSpPr>
+            <p:cNvPr id="46" name="文字方塊 45"/>
+            <p:cNvSpPr txBox="1"/>
+            <p:nvPr/>
+          </p:nvSpPr>
+          <p:spPr>
+            <a:xfrm>
+              <a:off x="7845692" y="5139497"/>
+              <a:ext cx="627152" cy="276999"/>
+            </a:xfrm>
+            <a:prstGeom prst="rect">
+              <a:avLst/>
+            </a:prstGeom>
+            <a:noFill/>
+          </p:spPr>
+          <p:txBody>
+            <a:bodyPr wrap="square" rtlCol="0">
+              <a:spAutoFit/>
+            </a:bodyPr>
+            <a:lstStyle/>
+            <a:p>
+              <a:r>
+                <a:rPr lang="en-US" altLang="zh-TW" sz="1200" dirty="0"/>
+                <a:t>S</a:t>
+              </a:r>
+              <a:r>
+                <a:rPr lang="en-US" altLang="zh-TW" sz="1200" dirty="0" smtClean="0"/>
+                <a:t>ubmit</a:t>
+              </a:r>
+              <a:endParaRPr lang="zh-TW" altLang="en-US" sz="1200" dirty="0"/>
+            </a:p>
+          </p:txBody>
+        </p:sp>
+        <p:sp>
+          <p:nvSpPr>
+            <p:cNvPr id="50" name="矩形 49"/>
+            <p:cNvSpPr/>
+            <p:nvPr/>
+          </p:nvSpPr>
+          <p:spPr>
+            <a:xfrm>
+              <a:off x="8512203" y="5159895"/>
+              <a:ext cx="639480" cy="241069"/>
+            </a:xfrm>
+            <a:prstGeom prst="rect">
+              <a:avLst/>
+            </a:prstGeom>
+            <a:gradFill flip="none" rotWithShape="1">
+              <a:gsLst>
+                <a:gs pos="0">
+                  <a:schemeClr val="bg1">
+                    <a:lumMod val="85000"/>
+                    <a:shade val="30000"/>
+                    <a:satMod val="115000"/>
+                  </a:schemeClr>
+                </a:gs>
+                <a:gs pos="50000">
+                  <a:schemeClr val="bg1">
+                    <a:lumMod val="85000"/>
+                    <a:shade val="67500"/>
+                    <a:satMod val="115000"/>
+                  </a:schemeClr>
+                </a:gs>
+                <a:gs pos="100000">
+                  <a:schemeClr val="bg1">
+                    <a:lumMod val="85000"/>
+                    <a:shade val="100000"/>
+                    <a:satMod val="115000"/>
+                  </a:schemeClr>
+                </a:gs>
+              </a:gsLst>
+              <a:lin ang="5400000" scaled="1"/>
+              <a:tileRect/>
+            </a:gradFill>
+            <a:ln/>
+          </p:spPr>
+          <p:style>
+            <a:lnRef idx="1">
+              <a:schemeClr val="dk1"/>
+            </a:lnRef>
+            <a:fillRef idx="2">
+              <a:schemeClr val="dk1"/>
+            </a:fillRef>
+            <a:effectRef idx="1">
+              <a:schemeClr val="dk1"/>
+            </a:effectRef>
+            <a:fontRef idx="minor">
+              <a:schemeClr val="dk1"/>
+            </a:fontRef>
+          </p:style>
+          <p:txBody>
+            <a:bodyPr rtlCol="0" anchor="ctr"/>
+            <a:lstStyle/>
+            <a:p>
+              <a:pPr algn="ctr"/>
+              <a:endParaRPr lang="zh-TW" altLang="en-US"/>
+            </a:p>
+          </p:txBody>
+        </p:sp>
+        <p:sp>
+          <p:nvSpPr>
+            <p:cNvPr id="47" name="文字方塊 46"/>
+            <p:cNvSpPr txBox="1"/>
+            <p:nvPr/>
+          </p:nvSpPr>
+          <p:spPr>
+            <a:xfrm>
+              <a:off x="8550731" y="5135501"/>
+              <a:ext cx="562424" cy="276999"/>
+            </a:xfrm>
+            <a:prstGeom prst="rect">
+              <a:avLst/>
+            </a:prstGeom>
+            <a:noFill/>
+          </p:spPr>
+          <p:txBody>
+            <a:bodyPr wrap="square" rtlCol="0">
+              <a:spAutoFit/>
+            </a:bodyPr>
+            <a:lstStyle/>
+            <a:p>
+              <a:r>
+                <a:rPr lang="en-US" altLang="zh-TW" sz="1200" dirty="0" smtClean="0"/>
+                <a:t>Reset</a:t>
+              </a:r>
+              <a:endParaRPr lang="zh-TW" altLang="en-US" sz="1200" dirty="0"/>
+            </a:p>
+          </p:txBody>
+        </p:sp>
+        <p:sp>
+          <p:nvSpPr>
+            <p:cNvPr id="58" name="文字方塊 57"/>
+            <p:cNvSpPr txBox="1"/>
+            <p:nvPr/>
+          </p:nvSpPr>
+          <p:spPr>
+            <a:xfrm>
+              <a:off x="7747158" y="5558719"/>
+              <a:ext cx="1404525" cy="307777"/>
+            </a:xfrm>
+            <a:prstGeom prst="rect">
+              <a:avLst/>
+            </a:prstGeom>
+            <a:noFill/>
+          </p:spPr>
+          <p:txBody>
+            <a:bodyPr wrap="square" rtlCol="0">
+              <a:spAutoFit/>
+            </a:bodyPr>
+            <a:lstStyle/>
+            <a:p>
+              <a:r>
+                <a:rPr lang="en-US" altLang="zh-TW" sz="1400" dirty="0" smtClean="0"/>
+                <a:t>No result yet …</a:t>
+              </a:r>
+              <a:endParaRPr lang="zh-TW" altLang="en-US" sz="1400" dirty="0"/>
+            </a:p>
+          </p:txBody>
+        </p:sp>
+      </p:grpSp>
+    </p:spTree>
+    <p:extLst>
+      <p:ext uri="{BB962C8B-B14F-4D97-AF65-F5344CB8AC3E}">
+        <p14:creationId xmlns:p14="http://schemas.microsoft.com/office/powerpoint/2010/main" val="1624299322"/>
+      </p:ext>
+    </p:extLst>
+  </p:cSld>
+  <p:clrMapOvr>
+    <a:masterClrMapping/>
+  </p:clrMapOvr>
+  <p:timing>
+    <p:tnLst>
+      <p:par>
+        <p:cTn id="1" dur="indefinite" restart="never" nodeType="tmRoot"/>
+      </p:par>
+    </p:tnLst>
+  </p:timing>
+</p:sld>
+</file>
+
+<file path=ppt/slides/slide11.xml><?xml version="1.0" encoding="utf-8"?>
+<p:sld xmlns:a="http://schemas.openxmlformats.org/drawingml/2006/main" xmlns:r="http://schemas.openxmlformats.org/officeDocument/2006/relationships" xmlns:p="http://schemas.openxmlformats.org/presentationml/2006/main">
+  <p:cSld>
+    <p:spTree>
+      <p:nvGrpSpPr>
+        <p:cNvPr id="1" name=""/>
+        <p:cNvGrpSpPr/>
+        <p:nvPr/>
+      </p:nvGrpSpPr>
+      <p:grpSpPr>
+        <a:xfrm>
+          <a:off x="0" y="0"/>
+          <a:ext cx="0" cy="0"/>
+          <a:chOff x="0" y="0"/>
+          <a:chExt cx="0" cy="0"/>
+        </a:xfrm>
+      </p:grpSpPr>
+      <p:sp>
+        <p:nvSpPr>
+          <p:cNvPr id="4" name="日期版面配置區 3"/>
+          <p:cNvSpPr>
+            <a:spLocks noGrp="1"/>
+          </p:cNvSpPr>
+          <p:nvPr>
+            <p:ph type="dt" sz="half" idx="10"/>
+          </p:nvPr>
+        </p:nvSpPr>
+        <p:spPr/>
+        <p:txBody>
+          <a:bodyPr/>
+          <a:lstStyle/>
+          <a:p>
             <a:fld id="{43023D66-1F54-4A2C-B8B3-E783838D9F71}" type="datetime1">
               <a:rPr lang="en-US" altLang="zh-TW" smtClean="0"/>
               <a:t>8/5/2021</a:t>
@@ -7700,7 +8548,7 @@
             <a:fld id="{8A7A6979-0714-4377-B894-6BE4C2D6E202}" type="slidenum">
               <a:rPr lang="en-US" smtClean="0"/>
               <a:pPr/>
-              <a:t>10</a:t>
+              <a:t>11</a:t>
             </a:fld>
             <a:endParaRPr lang="en-US" dirty="0"/>
           </a:p>
@@ -7868,2655 +8716,6 @@
     <p:extLst>
       <p:ext uri="{BB962C8B-B14F-4D97-AF65-F5344CB8AC3E}">
         <p14:creationId xmlns:p14="http://schemas.microsoft.com/office/powerpoint/2010/main" val="498940651"/>
-      </p:ext>
-    </p:extLst>
-  </p:cSld>
-  <p:clrMapOvr>
-    <a:masterClrMapping/>
-  </p:clrMapOvr>
-  <p:timing>
-    <p:tnLst>
-      <p:par>
-        <p:cTn id="1" dur="indefinite" restart="never" nodeType="tmRoot"/>
-      </p:par>
-    </p:tnLst>
-  </p:timing>
-</p:sld>
-</file>
-
-<file path=ppt/slides/slide11.xml><?xml version="1.0" encoding="utf-8"?>
-<p:sld xmlns:a="http://schemas.openxmlformats.org/drawingml/2006/main" xmlns:r="http://schemas.openxmlformats.org/officeDocument/2006/relationships" xmlns:p="http://schemas.openxmlformats.org/presentationml/2006/main">
-  <p:cSld>
-    <p:spTree>
-      <p:nvGrpSpPr>
-        <p:cNvPr id="1" name=""/>
-        <p:cNvGrpSpPr/>
-        <p:nvPr/>
-      </p:nvGrpSpPr>
-      <p:grpSpPr>
-        <a:xfrm>
-          <a:off x="0" y="0"/>
-          <a:ext cx="0" cy="0"/>
-          <a:chOff x="0" y="0"/>
-          <a:chExt cx="0" cy="0"/>
-        </a:xfrm>
-      </p:grpSpPr>
-      <p:sp>
-        <p:nvSpPr>
-          <p:cNvPr id="4" name="日期版面配置區 3"/>
-          <p:cNvSpPr>
-            <a:spLocks noGrp="1"/>
-          </p:cNvSpPr>
-          <p:nvPr>
-            <p:ph type="dt" sz="half" idx="10"/>
-          </p:nvPr>
-        </p:nvSpPr>
-        <p:spPr/>
-        <p:txBody>
-          <a:bodyPr/>
-          <a:lstStyle/>
-          <a:p>
-            <a:fld id="{65EC49B6-912D-422E-9B13-57875C19BCB6}" type="datetime1">
-              <a:rPr lang="en-US" altLang="zh-TW" smtClean="0"/>
-              <a:t>8/5/2021</a:t>
-            </a:fld>
-            <a:endParaRPr lang="en-US" dirty="0"/>
-          </a:p>
-        </p:txBody>
-      </p:sp>
-      <p:sp>
-        <p:nvSpPr>
-          <p:cNvPr id="6" name="投影片編號版面配置區 5"/>
-          <p:cNvSpPr>
-            <a:spLocks noGrp="1"/>
-          </p:cNvSpPr>
-          <p:nvPr>
-            <p:ph type="sldNum" sz="quarter" idx="12"/>
-          </p:nvPr>
-        </p:nvSpPr>
-        <p:spPr/>
-        <p:txBody>
-          <a:bodyPr/>
-          <a:lstStyle/>
-          <a:p>
-            <a:fld id="{8A7A6979-0714-4377-B894-6BE4C2D6E202}" type="slidenum">
-              <a:rPr lang="en-US" smtClean="0"/>
-              <a:pPr/>
-              <a:t>11</a:t>
-            </a:fld>
-            <a:endParaRPr lang="en-US" dirty="0"/>
-          </a:p>
-        </p:txBody>
-      </p:sp>
-      <p:sp>
-        <p:nvSpPr>
-          <p:cNvPr id="8" name="文字方塊 7"/>
-          <p:cNvSpPr txBox="1"/>
-          <p:nvPr/>
-        </p:nvSpPr>
-        <p:spPr>
-          <a:xfrm>
-            <a:off x="4076588" y="1955806"/>
-            <a:ext cx="1688821" cy="584775"/>
-          </a:xfrm>
-          <a:prstGeom prst="rect">
-            <a:avLst/>
-          </a:prstGeom>
-          <a:noFill/>
-        </p:spPr>
-        <p:txBody>
-          <a:bodyPr wrap="square" rtlCol="0">
-            <a:spAutoFit/>
-          </a:bodyPr>
-          <a:lstStyle/>
-          <a:p>
-            <a:r>
-              <a:rPr lang="en-US" altLang="zh-TW" sz="3200" dirty="0" smtClean="0">
-                <a:latin typeface="Arial Black" panose="020B0A04020102020204" pitchFamily="34" charset="0"/>
-              </a:rPr>
-              <a:t>Result</a:t>
-            </a:r>
-            <a:endParaRPr lang="zh-TW" altLang="en-US" sz="3200" dirty="0">
-              <a:latin typeface="Arial Black" panose="020B0A04020102020204" pitchFamily="34" charset="0"/>
-            </a:endParaRPr>
-          </a:p>
-        </p:txBody>
-      </p:sp>
-      <p:pic>
-        <p:nvPicPr>
-          <p:cNvPr id="3" name="圖片 2"/>
-          <p:cNvPicPr>
-            <a:picLocks noChangeAspect="1"/>
-          </p:cNvPicPr>
-          <p:nvPr/>
-        </p:nvPicPr>
-        <p:blipFill>
-          <a:blip r:embed="rId3">
-            <a:extLst>
-              <a:ext uri="{28A0092B-C50C-407E-A947-70E740481C1C}">
-                <a14:useLocalDpi xmlns:a14="http://schemas.microsoft.com/office/drawing/2010/main" val="0"/>
-              </a:ext>
-            </a:extLst>
-          </a:blip>
-          <a:stretch>
-            <a:fillRect/>
-          </a:stretch>
-        </p:blipFill>
-        <p:spPr>
-          <a:xfrm>
-            <a:off x="2421941" y="3449889"/>
-            <a:ext cx="1062993" cy="1062993"/>
-          </a:xfrm>
-          <a:prstGeom prst="rect">
-            <a:avLst/>
-          </a:prstGeom>
-        </p:spPr>
-      </p:pic>
-      <p:pic>
-        <p:nvPicPr>
-          <p:cNvPr id="7" name="圖片 6"/>
-          <p:cNvPicPr>
-            <a:picLocks noChangeAspect="1"/>
-          </p:cNvPicPr>
-          <p:nvPr/>
-        </p:nvPicPr>
-        <p:blipFill>
-          <a:blip r:embed="rId4">
-            <a:extLst>
-              <a:ext uri="{28A0092B-C50C-407E-A947-70E740481C1C}">
-                <a14:useLocalDpi xmlns:a14="http://schemas.microsoft.com/office/drawing/2010/main" val="0"/>
-              </a:ext>
-            </a:extLst>
-          </a:blip>
-          <a:stretch>
-            <a:fillRect/>
-          </a:stretch>
-        </p:blipFill>
-        <p:spPr>
-          <a:xfrm>
-            <a:off x="2450519" y="1813559"/>
-            <a:ext cx="1005839" cy="1005839"/>
-          </a:xfrm>
-          <a:prstGeom prst="rect">
-            <a:avLst/>
-          </a:prstGeom>
-        </p:spPr>
-      </p:pic>
-      <p:pic>
-        <p:nvPicPr>
-          <p:cNvPr id="13" name="圖片 12"/>
-          <p:cNvPicPr>
-            <a:picLocks noChangeAspect="1"/>
-          </p:cNvPicPr>
-          <p:nvPr/>
-        </p:nvPicPr>
-        <p:blipFill>
-          <a:blip r:embed="rId5">
-            <a:extLst>
-              <a:ext uri="{28A0092B-C50C-407E-A947-70E740481C1C}">
-                <a14:useLocalDpi xmlns:a14="http://schemas.microsoft.com/office/drawing/2010/main" val="0"/>
-              </a:ext>
-            </a:extLst>
-          </a:blip>
-          <a:stretch>
-            <a:fillRect/>
-          </a:stretch>
-        </p:blipFill>
-        <p:spPr>
-          <a:xfrm flipH="1">
-            <a:off x="2617469" y="2777945"/>
-            <a:ext cx="671944" cy="671944"/>
-          </a:xfrm>
-          <a:prstGeom prst="rect">
-            <a:avLst/>
-          </a:prstGeom>
-        </p:spPr>
-      </p:pic>
-      <p:sp>
-        <p:nvSpPr>
-          <p:cNvPr id="14" name="文字方塊 13"/>
-          <p:cNvSpPr txBox="1"/>
-          <p:nvPr/>
-        </p:nvSpPr>
-        <p:spPr>
-          <a:xfrm>
-            <a:off x="4920999" y="4996114"/>
-            <a:ext cx="1927860" cy="307777"/>
-          </a:xfrm>
-          <a:prstGeom prst="rect">
-            <a:avLst/>
-          </a:prstGeom>
-          <a:noFill/>
-        </p:spPr>
-        <p:txBody>
-          <a:bodyPr wrap="square" rtlCol="0">
-            <a:spAutoFit/>
-          </a:bodyPr>
-          <a:lstStyle/>
-          <a:p>
-            <a:r>
-              <a:rPr lang="en-US" altLang="zh-TW" sz="1400" dirty="0" smtClean="0">
-                <a:latin typeface="Times New Roman" panose="02020603050405020304" pitchFamily="18" charset="0"/>
-                <a:cs typeface="Times New Roman" panose="02020603050405020304" pitchFamily="18" charset="0"/>
-              </a:rPr>
-              <a:t>{0: negative, 1: positive}</a:t>
-            </a:r>
-            <a:endParaRPr lang="zh-TW" altLang="en-US" sz="1400" dirty="0">
-              <a:latin typeface="Times New Roman" panose="02020603050405020304" pitchFamily="18" charset="0"/>
-              <a:cs typeface="Times New Roman" panose="02020603050405020304" pitchFamily="18" charset="0"/>
-            </a:endParaRPr>
-          </a:p>
-        </p:txBody>
-      </p:sp>
-      <p:graphicFrame>
-        <p:nvGraphicFramePr>
-          <p:cNvPr id="16" name="表格 15"/>
-          <p:cNvGraphicFramePr>
-            <a:graphicFrameLocks noGrp="1"/>
-          </p:cNvGraphicFramePr>
-          <p:nvPr>
-            <p:extLst>
-              <p:ext uri="{D42A27DB-BD31-4B8C-83A1-F6EECF244321}">
-                <p14:modId xmlns:p14="http://schemas.microsoft.com/office/powerpoint/2010/main" val="3716378778"/>
-              </p:ext>
-            </p:extLst>
-          </p:nvPr>
-        </p:nvGraphicFramePr>
-        <p:xfrm>
-          <a:off x="4076589" y="3035584"/>
-          <a:ext cx="3616680" cy="1888107"/>
-        </p:xfrm>
-        <a:graphic>
-          <a:graphicData uri="http://schemas.openxmlformats.org/drawingml/2006/table">
-            <a:tbl>
-              <a:tblPr/>
-              <a:tblGrid>
-                <a:gridCol w="959528">
-                  <a:extLst>
-                    <a:ext uri="{9D8B030D-6E8A-4147-A177-3AD203B41FA5}">
-                      <a16:colId xmlns:a16="http://schemas.microsoft.com/office/drawing/2014/main" val="4066617796"/>
-                    </a:ext>
-                  </a:extLst>
-                </a:gridCol>
-                <a:gridCol w="664288">
-                  <a:extLst>
-                    <a:ext uri="{9D8B030D-6E8A-4147-A177-3AD203B41FA5}">
-                      <a16:colId xmlns:a16="http://schemas.microsoft.com/office/drawing/2014/main" val="2879640172"/>
-                    </a:ext>
-                  </a:extLst>
-                </a:gridCol>
-                <a:gridCol w="664288">
-                  <a:extLst>
-                    <a:ext uri="{9D8B030D-6E8A-4147-A177-3AD203B41FA5}">
-                      <a16:colId xmlns:a16="http://schemas.microsoft.com/office/drawing/2014/main" val="697613498"/>
-                    </a:ext>
-                  </a:extLst>
-                </a:gridCol>
-                <a:gridCol w="664288">
-                  <a:extLst>
-                    <a:ext uri="{9D8B030D-6E8A-4147-A177-3AD203B41FA5}">
-                      <a16:colId xmlns:a16="http://schemas.microsoft.com/office/drawing/2014/main" val="2443587854"/>
-                    </a:ext>
-                  </a:extLst>
-                </a:gridCol>
-                <a:gridCol w="664288">
-                  <a:extLst>
-                    <a:ext uri="{9D8B030D-6E8A-4147-A177-3AD203B41FA5}">
-                      <a16:colId xmlns:a16="http://schemas.microsoft.com/office/drawing/2014/main" val="2737841557"/>
-                    </a:ext>
-                  </a:extLst>
-                </a:gridCol>
-              </a:tblGrid>
-              <a:tr h="330763">
-                <a:tc>
-                  <a:txBody>
-                    <a:bodyPr/>
-                    <a:lstStyle/>
-                    <a:p>
-                      <a:pPr algn="l" rtl="0" fontAlgn="ctr"/>
-                      <a:r>
-                        <a:rPr lang="zh-TW" altLang="en-US" sz="1200" b="0" i="0" u="none" strike="noStrike" dirty="0">
-                          <a:solidFill>
-                            <a:srgbClr val="000000"/>
-                          </a:solidFill>
-                          <a:effectLst/>
-                          <a:latin typeface="新細明體" panose="02020500000000000000" pitchFamily="18" charset="-120"/>
-                          <a:ea typeface="新細明體" panose="02020500000000000000" pitchFamily="18" charset="-120"/>
-                        </a:rPr>
-                        <a:t>　</a:t>
-                      </a:r>
-                    </a:p>
-                  </a:txBody>
-                  <a:tcPr marL="9525" marR="9525" marT="9525" marB="0" anchor="ctr">
-                    <a:lnL>
-                      <a:noFill/>
-                    </a:lnL>
-                    <a:lnR w="6350" cap="flat" cmpd="sng" algn="ctr">
-                      <a:solidFill>
-                        <a:srgbClr val="000000"/>
-                      </a:solidFill>
-                      <a:prstDash val="solid"/>
-                      <a:round/>
-                      <a:headEnd type="none" w="med" len="med"/>
-                      <a:tailEnd type="none" w="med" len="med"/>
-                    </a:lnR>
-                    <a:lnT w="25400" cap="flat" cmpd="dbl" algn="ctr">
-                      <a:solidFill>
-                        <a:srgbClr val="000000"/>
-                      </a:solidFill>
-                      <a:prstDash val="solid"/>
-                      <a:round/>
-                      <a:headEnd type="none" w="med" len="med"/>
-                      <a:tailEnd type="none" w="med" len="med"/>
-                    </a:lnT>
-                    <a:lnB w="25400" cap="flat" cmpd="dbl" algn="ctr">
-                      <a:solidFill>
-                        <a:srgbClr val="000000"/>
-                      </a:solidFill>
-                      <a:prstDash val="solid"/>
-                      <a:round/>
-                      <a:headEnd type="none" w="med" len="med"/>
-                      <a:tailEnd type="none" w="med" len="med"/>
-                    </a:lnB>
-                    <a:solidFill>
-                      <a:schemeClr val="accent1">
-                        <a:lumMod val="40000"/>
-                        <a:lumOff val="60000"/>
-                      </a:schemeClr>
-                    </a:solidFill>
-                  </a:tcPr>
-                </a:tc>
-                <a:tc>
-                  <a:txBody>
-                    <a:bodyPr/>
-                    <a:lstStyle/>
-                    <a:p>
-                      <a:pPr algn="ctr" rtl="0" fontAlgn="ctr"/>
-                      <a:r>
-                        <a:rPr lang="en-US" sz="1200" b="1" i="0" u="none" strike="noStrike" dirty="0">
-                          <a:solidFill>
-                            <a:srgbClr val="000000"/>
-                          </a:solidFill>
-                          <a:effectLst/>
-                          <a:latin typeface="Times New Roman" panose="02020603050405020304" pitchFamily="18" charset="0"/>
-                          <a:ea typeface="新細明體" panose="02020500000000000000" pitchFamily="18" charset="-120"/>
-                        </a:rPr>
-                        <a:t>precision</a:t>
-                      </a:r>
-                    </a:p>
-                  </a:txBody>
-                  <a:tcPr marL="9525" marR="9525" marT="9525" marB="0" anchor="ctr">
-                    <a:lnL w="6350" cap="flat" cmpd="sng" algn="ctr">
-                      <a:solidFill>
-                        <a:srgbClr val="000000"/>
-                      </a:solidFill>
-                      <a:prstDash val="solid"/>
-                      <a:round/>
-                      <a:headEnd type="none" w="med" len="med"/>
-                      <a:tailEnd type="none" w="med" len="med"/>
-                    </a:lnL>
-                    <a:lnR w="6350" cap="flat" cmpd="sng" algn="ctr">
-                      <a:solidFill>
-                        <a:srgbClr val="000000"/>
-                      </a:solidFill>
-                      <a:prstDash val="solid"/>
-                      <a:round/>
-                      <a:headEnd type="none" w="med" len="med"/>
-                      <a:tailEnd type="none" w="med" len="med"/>
-                    </a:lnR>
-                    <a:lnT w="25400" cap="flat" cmpd="dbl" algn="ctr">
-                      <a:solidFill>
-                        <a:srgbClr val="000000"/>
-                      </a:solidFill>
-                      <a:prstDash val="solid"/>
-                      <a:round/>
-                      <a:headEnd type="none" w="med" len="med"/>
-                      <a:tailEnd type="none" w="med" len="med"/>
-                    </a:lnT>
-                    <a:lnB w="25400" cap="flat" cmpd="dbl" algn="ctr">
-                      <a:solidFill>
-                        <a:srgbClr val="000000"/>
-                      </a:solidFill>
-                      <a:prstDash val="solid"/>
-                      <a:round/>
-                      <a:headEnd type="none" w="med" len="med"/>
-                      <a:tailEnd type="none" w="med" len="med"/>
-                    </a:lnB>
-                    <a:solidFill>
-                      <a:schemeClr val="accent1">
-                        <a:lumMod val="40000"/>
-                        <a:lumOff val="60000"/>
-                      </a:schemeClr>
-                    </a:solidFill>
-                  </a:tcPr>
-                </a:tc>
-                <a:tc>
-                  <a:txBody>
-                    <a:bodyPr/>
-                    <a:lstStyle/>
-                    <a:p>
-                      <a:pPr algn="ctr" rtl="0" fontAlgn="ctr"/>
-                      <a:r>
-                        <a:rPr lang="en-US" sz="1200" b="1" i="0" u="none" strike="noStrike" dirty="0">
-                          <a:solidFill>
-                            <a:srgbClr val="000000"/>
-                          </a:solidFill>
-                          <a:effectLst/>
-                          <a:latin typeface="Times New Roman" panose="02020603050405020304" pitchFamily="18" charset="0"/>
-                          <a:ea typeface="新細明體" panose="02020500000000000000" pitchFamily="18" charset="-120"/>
-                        </a:rPr>
-                        <a:t>recall</a:t>
-                      </a:r>
-                    </a:p>
-                  </a:txBody>
-                  <a:tcPr marL="9525" marR="9525" marT="9525" marB="0" anchor="ctr">
-                    <a:lnL w="6350" cap="flat" cmpd="sng" algn="ctr">
-                      <a:solidFill>
-                        <a:srgbClr val="000000"/>
-                      </a:solidFill>
-                      <a:prstDash val="solid"/>
-                      <a:round/>
-                      <a:headEnd type="none" w="med" len="med"/>
-                      <a:tailEnd type="none" w="med" len="med"/>
-                    </a:lnL>
-                    <a:lnR w="6350" cap="flat" cmpd="sng" algn="ctr">
-                      <a:solidFill>
-                        <a:srgbClr val="000000"/>
-                      </a:solidFill>
-                      <a:prstDash val="solid"/>
-                      <a:round/>
-                      <a:headEnd type="none" w="med" len="med"/>
-                      <a:tailEnd type="none" w="med" len="med"/>
-                    </a:lnR>
-                    <a:lnT w="25400" cap="flat" cmpd="dbl" algn="ctr">
-                      <a:solidFill>
-                        <a:srgbClr val="000000"/>
-                      </a:solidFill>
-                      <a:prstDash val="solid"/>
-                      <a:round/>
-                      <a:headEnd type="none" w="med" len="med"/>
-                      <a:tailEnd type="none" w="med" len="med"/>
-                    </a:lnT>
-                    <a:lnB w="25400" cap="flat" cmpd="dbl" algn="ctr">
-                      <a:solidFill>
-                        <a:srgbClr val="000000"/>
-                      </a:solidFill>
-                      <a:prstDash val="solid"/>
-                      <a:round/>
-                      <a:headEnd type="none" w="med" len="med"/>
-                      <a:tailEnd type="none" w="med" len="med"/>
-                    </a:lnB>
-                    <a:solidFill>
-                      <a:schemeClr val="accent1">
-                        <a:lumMod val="40000"/>
-                        <a:lumOff val="60000"/>
-                      </a:schemeClr>
-                    </a:solidFill>
-                  </a:tcPr>
-                </a:tc>
-                <a:tc>
-                  <a:txBody>
-                    <a:bodyPr/>
-                    <a:lstStyle/>
-                    <a:p>
-                      <a:pPr algn="ctr" rtl="0" fontAlgn="ctr"/>
-                      <a:r>
-                        <a:rPr lang="en-US" sz="1200" b="1" i="0" u="none" strike="noStrike" dirty="0">
-                          <a:solidFill>
-                            <a:srgbClr val="000000"/>
-                          </a:solidFill>
-                          <a:effectLst/>
-                          <a:latin typeface="Times New Roman" panose="02020603050405020304" pitchFamily="18" charset="0"/>
-                          <a:ea typeface="新細明體" panose="02020500000000000000" pitchFamily="18" charset="-120"/>
-                        </a:rPr>
-                        <a:t>f1-score</a:t>
-                      </a:r>
-                    </a:p>
-                  </a:txBody>
-                  <a:tcPr marL="9525" marR="9525" marT="9525" marB="0" anchor="ctr">
-                    <a:lnL w="6350" cap="flat" cmpd="sng" algn="ctr">
-                      <a:solidFill>
-                        <a:srgbClr val="000000"/>
-                      </a:solidFill>
-                      <a:prstDash val="solid"/>
-                      <a:round/>
-                      <a:headEnd type="none" w="med" len="med"/>
-                      <a:tailEnd type="none" w="med" len="med"/>
-                    </a:lnL>
-                    <a:lnR w="6350" cap="flat" cmpd="sng" algn="ctr">
-                      <a:solidFill>
-                        <a:srgbClr val="000000"/>
-                      </a:solidFill>
-                      <a:prstDash val="solid"/>
-                      <a:round/>
-                      <a:headEnd type="none" w="med" len="med"/>
-                      <a:tailEnd type="none" w="med" len="med"/>
-                    </a:lnR>
-                    <a:lnT w="25400" cap="flat" cmpd="dbl" algn="ctr">
-                      <a:solidFill>
-                        <a:srgbClr val="000000"/>
-                      </a:solidFill>
-                      <a:prstDash val="solid"/>
-                      <a:round/>
-                      <a:headEnd type="none" w="med" len="med"/>
-                      <a:tailEnd type="none" w="med" len="med"/>
-                    </a:lnT>
-                    <a:lnB w="25400" cap="flat" cmpd="dbl" algn="ctr">
-                      <a:solidFill>
-                        <a:srgbClr val="000000"/>
-                      </a:solidFill>
-                      <a:prstDash val="solid"/>
-                      <a:round/>
-                      <a:headEnd type="none" w="med" len="med"/>
-                      <a:tailEnd type="none" w="med" len="med"/>
-                    </a:lnB>
-                    <a:solidFill>
-                      <a:schemeClr val="accent1">
-                        <a:lumMod val="40000"/>
-                        <a:lumOff val="60000"/>
-                      </a:schemeClr>
-                    </a:solidFill>
-                  </a:tcPr>
-                </a:tc>
-                <a:tc>
-                  <a:txBody>
-                    <a:bodyPr/>
-                    <a:lstStyle/>
-                    <a:p>
-                      <a:pPr algn="ctr" rtl="0" fontAlgn="ctr"/>
-                      <a:r>
-                        <a:rPr lang="en-US" sz="1200" b="1" i="0" u="none" strike="noStrike" dirty="0">
-                          <a:solidFill>
-                            <a:srgbClr val="000000"/>
-                          </a:solidFill>
-                          <a:effectLst/>
-                          <a:latin typeface="Times New Roman" panose="02020603050405020304" pitchFamily="18" charset="0"/>
-                          <a:ea typeface="新細明體" panose="02020500000000000000" pitchFamily="18" charset="-120"/>
-                        </a:rPr>
-                        <a:t>support</a:t>
-                      </a:r>
-                    </a:p>
-                  </a:txBody>
-                  <a:tcPr marL="9525" marR="9525" marT="9525" marB="0" anchor="ctr">
-                    <a:lnL w="6350" cap="flat" cmpd="sng" algn="ctr">
-                      <a:solidFill>
-                        <a:srgbClr val="000000"/>
-                      </a:solidFill>
-                      <a:prstDash val="solid"/>
-                      <a:round/>
-                      <a:headEnd type="none" w="med" len="med"/>
-                      <a:tailEnd type="none" w="med" len="med"/>
-                    </a:lnL>
-                    <a:lnR>
-                      <a:noFill/>
-                    </a:lnR>
-                    <a:lnT w="25400" cap="flat" cmpd="dbl" algn="ctr">
-                      <a:solidFill>
-                        <a:srgbClr val="000000"/>
-                      </a:solidFill>
-                      <a:prstDash val="solid"/>
-                      <a:round/>
-                      <a:headEnd type="none" w="med" len="med"/>
-                      <a:tailEnd type="none" w="med" len="med"/>
-                    </a:lnT>
-                    <a:lnB w="25400" cap="flat" cmpd="dbl" algn="ctr">
-                      <a:solidFill>
-                        <a:srgbClr val="000000"/>
-                      </a:solidFill>
-                      <a:prstDash val="solid"/>
-                      <a:round/>
-                      <a:headEnd type="none" w="med" len="med"/>
-                      <a:tailEnd type="none" w="med" len="med"/>
-                    </a:lnB>
-                    <a:solidFill>
-                      <a:schemeClr val="accent1">
-                        <a:lumMod val="40000"/>
-                        <a:lumOff val="60000"/>
-                      </a:schemeClr>
-                    </a:solidFill>
-                  </a:tcPr>
-                </a:tc>
-                <a:extLst>
-                  <a:ext uri="{0D108BD9-81ED-4DB2-BD59-A6C34878D82A}">
-                    <a16:rowId xmlns:a16="http://schemas.microsoft.com/office/drawing/2014/main" val="656510381"/>
-                  </a:ext>
-                </a:extLst>
-              </a:tr>
-              <a:tr h="316981">
-                <a:tc>
-                  <a:txBody>
-                    <a:bodyPr/>
-                    <a:lstStyle/>
-                    <a:p>
-                      <a:pPr algn="ctr" rtl="0" fontAlgn="ctr"/>
-                      <a:r>
-                        <a:rPr lang="en-US" altLang="zh-TW" sz="1200" b="0" i="0" u="none" strike="noStrike" dirty="0">
-                          <a:solidFill>
-                            <a:srgbClr val="000000"/>
-                          </a:solidFill>
-                          <a:effectLst/>
-                          <a:latin typeface="Times New Roman" panose="02020603050405020304" pitchFamily="18" charset="0"/>
-                          <a:ea typeface="新細明體" panose="02020500000000000000" pitchFamily="18" charset="-120"/>
-                        </a:rPr>
-                        <a:t>0</a:t>
-                      </a:r>
-                    </a:p>
-                  </a:txBody>
-                  <a:tcPr marL="9525" marR="9525" marT="9525" marB="0" anchor="ctr">
-                    <a:lnL>
-                      <a:noFill/>
-                    </a:lnL>
-                    <a:lnR w="6350" cap="flat" cmpd="sng" algn="ctr">
-                      <a:solidFill>
-                        <a:srgbClr val="000000"/>
-                      </a:solidFill>
-                      <a:prstDash val="solid"/>
-                      <a:round/>
-                      <a:headEnd type="none" w="med" len="med"/>
-                      <a:tailEnd type="none" w="med" len="med"/>
-                    </a:lnR>
-                    <a:lnT w="25400" cap="flat" cmpd="dbl" algn="ctr">
-                      <a:solidFill>
-                        <a:srgbClr val="000000"/>
-                      </a:solidFill>
-                      <a:prstDash val="solid"/>
-                      <a:round/>
-                      <a:headEnd type="none" w="med" len="med"/>
-                      <a:tailEnd type="none" w="med" len="med"/>
-                    </a:lnT>
-                    <a:lnB>
-                      <a:noFill/>
-                    </a:lnB>
-                  </a:tcPr>
-                </a:tc>
-                <a:tc>
-                  <a:txBody>
-                    <a:bodyPr/>
-                    <a:lstStyle/>
-                    <a:p>
-                      <a:pPr algn="ctr" rtl="0" fontAlgn="ctr"/>
-                      <a:r>
-                        <a:rPr lang="en-US" altLang="zh-TW" sz="1200" b="0" i="0" u="none" strike="noStrike">
-                          <a:solidFill>
-                            <a:srgbClr val="000000"/>
-                          </a:solidFill>
-                          <a:effectLst/>
-                          <a:latin typeface="Times New Roman" panose="02020603050405020304" pitchFamily="18" charset="0"/>
-                          <a:ea typeface="新細明體" panose="02020500000000000000" pitchFamily="18" charset="-120"/>
-                        </a:rPr>
-                        <a:t>0.95</a:t>
-                      </a:r>
-                    </a:p>
-                  </a:txBody>
-                  <a:tcPr marL="9525" marR="9525" marT="9525" marB="0" anchor="ctr">
-                    <a:lnL w="6350" cap="flat" cmpd="sng" algn="ctr">
-                      <a:solidFill>
-                        <a:srgbClr val="000000"/>
-                      </a:solidFill>
-                      <a:prstDash val="solid"/>
-                      <a:round/>
-                      <a:headEnd type="none" w="med" len="med"/>
-                      <a:tailEnd type="none" w="med" len="med"/>
-                    </a:lnL>
-                    <a:lnR w="6350" cap="flat" cmpd="sng" algn="ctr">
-                      <a:solidFill>
-                        <a:srgbClr val="000000"/>
-                      </a:solidFill>
-                      <a:prstDash val="solid"/>
-                      <a:round/>
-                      <a:headEnd type="none" w="med" len="med"/>
-                      <a:tailEnd type="none" w="med" len="med"/>
-                    </a:lnR>
-                    <a:lnT w="25400" cap="flat" cmpd="dbl" algn="ctr">
-                      <a:solidFill>
-                        <a:srgbClr val="000000"/>
-                      </a:solidFill>
-                      <a:prstDash val="solid"/>
-                      <a:round/>
-                      <a:headEnd type="none" w="med" len="med"/>
-                      <a:tailEnd type="none" w="med" len="med"/>
-                    </a:lnT>
-                    <a:lnB>
-                      <a:noFill/>
-                    </a:lnB>
-                  </a:tcPr>
-                </a:tc>
-                <a:tc>
-                  <a:txBody>
-                    <a:bodyPr/>
-                    <a:lstStyle/>
-                    <a:p>
-                      <a:pPr algn="ctr" rtl="0" fontAlgn="ctr"/>
-                      <a:r>
-                        <a:rPr lang="en-US" altLang="zh-TW" sz="1200" b="0" i="0" u="none" strike="noStrike">
-                          <a:solidFill>
-                            <a:srgbClr val="000000"/>
-                          </a:solidFill>
-                          <a:effectLst/>
-                          <a:latin typeface="Times New Roman" panose="02020603050405020304" pitchFamily="18" charset="0"/>
-                          <a:ea typeface="新細明體" panose="02020500000000000000" pitchFamily="18" charset="-120"/>
-                        </a:rPr>
-                        <a:t>0.84</a:t>
-                      </a:r>
-                    </a:p>
-                  </a:txBody>
-                  <a:tcPr marL="9525" marR="9525" marT="9525" marB="0" anchor="ctr">
-                    <a:lnL w="6350" cap="flat" cmpd="sng" algn="ctr">
-                      <a:solidFill>
-                        <a:srgbClr val="000000"/>
-                      </a:solidFill>
-                      <a:prstDash val="solid"/>
-                      <a:round/>
-                      <a:headEnd type="none" w="med" len="med"/>
-                      <a:tailEnd type="none" w="med" len="med"/>
-                    </a:lnL>
-                    <a:lnR w="6350" cap="flat" cmpd="sng" algn="ctr">
-                      <a:solidFill>
-                        <a:srgbClr val="000000"/>
-                      </a:solidFill>
-                      <a:prstDash val="solid"/>
-                      <a:round/>
-                      <a:headEnd type="none" w="med" len="med"/>
-                      <a:tailEnd type="none" w="med" len="med"/>
-                    </a:lnR>
-                    <a:lnT w="25400" cap="flat" cmpd="dbl" algn="ctr">
-                      <a:solidFill>
-                        <a:srgbClr val="000000"/>
-                      </a:solidFill>
-                      <a:prstDash val="solid"/>
-                      <a:round/>
-                      <a:headEnd type="none" w="med" len="med"/>
-                      <a:tailEnd type="none" w="med" len="med"/>
-                    </a:lnT>
-                    <a:lnB>
-                      <a:noFill/>
-                    </a:lnB>
-                  </a:tcPr>
-                </a:tc>
-                <a:tc>
-                  <a:txBody>
-                    <a:bodyPr/>
-                    <a:lstStyle/>
-                    <a:p>
-                      <a:pPr algn="ctr" rtl="0" fontAlgn="ctr"/>
-                      <a:r>
-                        <a:rPr lang="en-US" altLang="zh-TW" sz="1200" b="0" i="0" u="none" strike="noStrike">
-                          <a:solidFill>
-                            <a:srgbClr val="000000"/>
-                          </a:solidFill>
-                          <a:effectLst/>
-                          <a:latin typeface="Times New Roman" panose="02020603050405020304" pitchFamily="18" charset="0"/>
-                          <a:ea typeface="新細明體" panose="02020500000000000000" pitchFamily="18" charset="-120"/>
-                        </a:rPr>
-                        <a:t>0.89</a:t>
-                      </a:r>
-                    </a:p>
-                  </a:txBody>
-                  <a:tcPr marL="9525" marR="9525" marT="9525" marB="0" anchor="ctr">
-                    <a:lnL w="6350" cap="flat" cmpd="sng" algn="ctr">
-                      <a:solidFill>
-                        <a:srgbClr val="000000"/>
-                      </a:solidFill>
-                      <a:prstDash val="solid"/>
-                      <a:round/>
-                      <a:headEnd type="none" w="med" len="med"/>
-                      <a:tailEnd type="none" w="med" len="med"/>
-                    </a:lnL>
-                    <a:lnR w="6350" cap="flat" cmpd="sng" algn="ctr">
-                      <a:solidFill>
-                        <a:srgbClr val="000000"/>
-                      </a:solidFill>
-                      <a:prstDash val="solid"/>
-                      <a:round/>
-                      <a:headEnd type="none" w="med" len="med"/>
-                      <a:tailEnd type="none" w="med" len="med"/>
-                    </a:lnR>
-                    <a:lnT w="25400" cap="flat" cmpd="dbl" algn="ctr">
-                      <a:solidFill>
-                        <a:srgbClr val="000000"/>
-                      </a:solidFill>
-                      <a:prstDash val="solid"/>
-                      <a:round/>
-                      <a:headEnd type="none" w="med" len="med"/>
-                      <a:tailEnd type="none" w="med" len="med"/>
-                    </a:lnT>
-                    <a:lnB>
-                      <a:noFill/>
-                    </a:lnB>
-                  </a:tcPr>
-                </a:tc>
-                <a:tc>
-                  <a:txBody>
-                    <a:bodyPr/>
-                    <a:lstStyle/>
-                    <a:p>
-                      <a:pPr algn="ctr" rtl="0" fontAlgn="ctr"/>
-                      <a:r>
-                        <a:rPr lang="en-US" altLang="zh-TW" sz="1200" b="0" i="0" u="none" strike="noStrike">
-                          <a:solidFill>
-                            <a:srgbClr val="000000"/>
-                          </a:solidFill>
-                          <a:effectLst/>
-                          <a:latin typeface="Times New Roman" panose="02020603050405020304" pitchFamily="18" charset="0"/>
-                          <a:ea typeface="新細明體" panose="02020500000000000000" pitchFamily="18" charset="-120"/>
-                        </a:rPr>
-                        <a:t>49</a:t>
-                      </a:r>
-                    </a:p>
-                  </a:txBody>
-                  <a:tcPr marL="9525" marR="9525" marT="9525" marB="0" anchor="ctr">
-                    <a:lnL w="6350" cap="flat" cmpd="sng" algn="ctr">
-                      <a:solidFill>
-                        <a:srgbClr val="000000"/>
-                      </a:solidFill>
-                      <a:prstDash val="solid"/>
-                      <a:round/>
-                      <a:headEnd type="none" w="med" len="med"/>
-                      <a:tailEnd type="none" w="med" len="med"/>
-                    </a:lnL>
-                    <a:lnR>
-                      <a:noFill/>
-                    </a:lnR>
-                    <a:lnT w="25400" cap="flat" cmpd="dbl" algn="ctr">
-                      <a:solidFill>
-                        <a:srgbClr val="000000"/>
-                      </a:solidFill>
-                      <a:prstDash val="solid"/>
-                      <a:round/>
-                      <a:headEnd type="none" w="med" len="med"/>
-                      <a:tailEnd type="none" w="med" len="med"/>
-                    </a:lnT>
-                    <a:lnB>
-                      <a:noFill/>
-                    </a:lnB>
-                  </a:tcPr>
-                </a:tc>
-                <a:extLst>
-                  <a:ext uri="{0D108BD9-81ED-4DB2-BD59-A6C34878D82A}">
-                    <a16:rowId xmlns:a16="http://schemas.microsoft.com/office/drawing/2014/main" val="3480729402"/>
-                  </a:ext>
-                </a:extLst>
-              </a:tr>
-              <a:tr h="303200">
-                <a:tc>
-                  <a:txBody>
-                    <a:bodyPr/>
-                    <a:lstStyle/>
-                    <a:p>
-                      <a:pPr algn="ctr" rtl="0" fontAlgn="ctr"/>
-                      <a:r>
-                        <a:rPr lang="en-US" altLang="zh-TW" sz="1200" b="0" i="0" u="none" strike="noStrike">
-                          <a:solidFill>
-                            <a:srgbClr val="000000"/>
-                          </a:solidFill>
-                          <a:effectLst/>
-                          <a:latin typeface="Times New Roman" panose="02020603050405020304" pitchFamily="18" charset="0"/>
-                          <a:ea typeface="新細明體" panose="02020500000000000000" pitchFamily="18" charset="-120"/>
-                        </a:rPr>
-                        <a:t>1</a:t>
-                      </a:r>
-                    </a:p>
-                  </a:txBody>
-                  <a:tcPr marL="9525" marR="9525" marT="9525" marB="0" anchor="ctr">
-                    <a:lnL>
-                      <a:noFill/>
-                    </a:lnL>
-                    <a:lnR w="6350" cap="flat" cmpd="sng" algn="ctr">
-                      <a:solidFill>
-                        <a:srgbClr val="000000"/>
-                      </a:solidFill>
-                      <a:prstDash val="solid"/>
-                      <a:round/>
-                      <a:headEnd type="none" w="med" len="med"/>
-                      <a:tailEnd type="none" w="med" len="med"/>
-                    </a:lnR>
-                    <a:lnT>
-                      <a:noFill/>
-                    </a:lnT>
-                    <a:lnB>
-                      <a:noFill/>
-                    </a:lnB>
-                  </a:tcPr>
-                </a:tc>
-                <a:tc>
-                  <a:txBody>
-                    <a:bodyPr/>
-                    <a:lstStyle/>
-                    <a:p>
-                      <a:pPr algn="ctr" rtl="0" fontAlgn="ctr"/>
-                      <a:r>
-                        <a:rPr lang="en-US" altLang="zh-TW" sz="1200" b="0" i="0" u="none" strike="noStrike">
-                          <a:solidFill>
-                            <a:srgbClr val="000000"/>
-                          </a:solidFill>
-                          <a:effectLst/>
-                          <a:latin typeface="Times New Roman" panose="02020603050405020304" pitchFamily="18" charset="0"/>
-                          <a:ea typeface="新細明體" panose="02020500000000000000" pitchFamily="18" charset="-120"/>
-                        </a:rPr>
-                        <a:t>0.86</a:t>
-                      </a:r>
-                    </a:p>
-                  </a:txBody>
-                  <a:tcPr marL="9525" marR="9525" marT="9525" marB="0" anchor="ctr">
-                    <a:lnL w="6350" cap="flat" cmpd="sng" algn="ctr">
-                      <a:solidFill>
-                        <a:srgbClr val="000000"/>
-                      </a:solidFill>
-                      <a:prstDash val="solid"/>
-                      <a:round/>
-                      <a:headEnd type="none" w="med" len="med"/>
-                      <a:tailEnd type="none" w="med" len="med"/>
-                    </a:lnL>
-                    <a:lnR w="6350" cap="flat" cmpd="sng" algn="ctr">
-                      <a:solidFill>
-                        <a:srgbClr val="000000"/>
-                      </a:solidFill>
-                      <a:prstDash val="solid"/>
-                      <a:round/>
-                      <a:headEnd type="none" w="med" len="med"/>
-                      <a:tailEnd type="none" w="med" len="med"/>
-                    </a:lnR>
-                    <a:lnT>
-                      <a:noFill/>
-                    </a:lnT>
-                    <a:lnB>
-                      <a:noFill/>
-                    </a:lnB>
-                  </a:tcPr>
-                </a:tc>
-                <a:tc>
-                  <a:txBody>
-                    <a:bodyPr/>
-                    <a:lstStyle/>
-                    <a:p>
-                      <a:pPr algn="ctr" rtl="0" fontAlgn="ctr"/>
-                      <a:r>
-                        <a:rPr lang="en-US" altLang="zh-TW" sz="1200" b="0" i="0" u="none" strike="noStrike" dirty="0">
-                          <a:solidFill>
-                            <a:srgbClr val="000000"/>
-                          </a:solidFill>
-                          <a:effectLst/>
-                          <a:latin typeface="Times New Roman" panose="02020603050405020304" pitchFamily="18" charset="0"/>
-                          <a:ea typeface="新細明體" panose="02020500000000000000" pitchFamily="18" charset="-120"/>
-                        </a:rPr>
-                        <a:t>0.96</a:t>
-                      </a:r>
-                    </a:p>
-                  </a:txBody>
-                  <a:tcPr marL="9525" marR="9525" marT="9525" marB="0" anchor="ctr">
-                    <a:lnL w="6350" cap="flat" cmpd="sng" algn="ctr">
-                      <a:solidFill>
-                        <a:srgbClr val="000000"/>
-                      </a:solidFill>
-                      <a:prstDash val="solid"/>
-                      <a:round/>
-                      <a:headEnd type="none" w="med" len="med"/>
-                      <a:tailEnd type="none" w="med" len="med"/>
-                    </a:lnL>
-                    <a:lnR w="6350" cap="flat" cmpd="sng" algn="ctr">
-                      <a:solidFill>
-                        <a:srgbClr val="000000"/>
-                      </a:solidFill>
-                      <a:prstDash val="solid"/>
-                      <a:round/>
-                      <a:headEnd type="none" w="med" len="med"/>
-                      <a:tailEnd type="none" w="med" len="med"/>
-                    </a:lnR>
-                    <a:lnT>
-                      <a:noFill/>
-                    </a:lnT>
-                    <a:lnB>
-                      <a:noFill/>
-                    </a:lnB>
-                  </a:tcPr>
-                </a:tc>
-                <a:tc>
-                  <a:txBody>
-                    <a:bodyPr/>
-                    <a:lstStyle/>
-                    <a:p>
-                      <a:pPr algn="ctr" rtl="0" fontAlgn="ctr"/>
-                      <a:r>
-                        <a:rPr lang="en-US" altLang="zh-TW" sz="1200" b="0" i="0" u="none" strike="noStrike">
-                          <a:solidFill>
-                            <a:srgbClr val="000000"/>
-                          </a:solidFill>
-                          <a:effectLst/>
-                          <a:latin typeface="Times New Roman" panose="02020603050405020304" pitchFamily="18" charset="0"/>
-                          <a:ea typeface="新細明體" panose="02020500000000000000" pitchFamily="18" charset="-120"/>
-                        </a:rPr>
-                        <a:t>0.91</a:t>
-                      </a:r>
-                    </a:p>
-                  </a:txBody>
-                  <a:tcPr marL="9525" marR="9525" marT="9525" marB="0" anchor="ctr">
-                    <a:lnL w="6350" cap="flat" cmpd="sng" algn="ctr">
-                      <a:solidFill>
-                        <a:srgbClr val="000000"/>
-                      </a:solidFill>
-                      <a:prstDash val="solid"/>
-                      <a:round/>
-                      <a:headEnd type="none" w="med" len="med"/>
-                      <a:tailEnd type="none" w="med" len="med"/>
-                    </a:lnL>
-                    <a:lnR w="6350" cap="flat" cmpd="sng" algn="ctr">
-                      <a:solidFill>
-                        <a:srgbClr val="000000"/>
-                      </a:solidFill>
-                      <a:prstDash val="solid"/>
-                      <a:round/>
-                      <a:headEnd type="none" w="med" len="med"/>
-                      <a:tailEnd type="none" w="med" len="med"/>
-                    </a:lnR>
-                    <a:lnT>
-                      <a:noFill/>
-                    </a:lnT>
-                    <a:lnB>
-                      <a:noFill/>
-                    </a:lnB>
-                  </a:tcPr>
-                </a:tc>
-                <a:tc>
-                  <a:txBody>
-                    <a:bodyPr/>
-                    <a:lstStyle/>
-                    <a:p>
-                      <a:pPr algn="ctr" rtl="0" fontAlgn="ctr"/>
-                      <a:r>
-                        <a:rPr lang="en-US" altLang="zh-TW" sz="1200" b="0" i="0" u="none" strike="noStrike" dirty="0">
-                          <a:solidFill>
-                            <a:srgbClr val="000000"/>
-                          </a:solidFill>
-                          <a:effectLst/>
-                          <a:latin typeface="Times New Roman" panose="02020603050405020304" pitchFamily="18" charset="0"/>
-                          <a:ea typeface="新細明體" panose="02020500000000000000" pitchFamily="18" charset="-120"/>
-                        </a:rPr>
-                        <a:t>51</a:t>
-                      </a:r>
-                    </a:p>
-                  </a:txBody>
-                  <a:tcPr marL="9525" marR="9525" marT="9525" marB="0" anchor="ctr">
-                    <a:lnL w="6350" cap="flat" cmpd="sng" algn="ctr">
-                      <a:solidFill>
-                        <a:srgbClr val="000000"/>
-                      </a:solidFill>
-                      <a:prstDash val="solid"/>
-                      <a:round/>
-                      <a:headEnd type="none" w="med" len="med"/>
-                      <a:tailEnd type="none" w="med" len="med"/>
-                    </a:lnL>
-                    <a:lnR>
-                      <a:noFill/>
-                    </a:lnR>
-                    <a:lnT>
-                      <a:noFill/>
-                    </a:lnT>
-                    <a:lnB>
-                      <a:noFill/>
-                    </a:lnB>
-                  </a:tcPr>
-                </a:tc>
-                <a:extLst>
-                  <a:ext uri="{0D108BD9-81ED-4DB2-BD59-A6C34878D82A}">
-                    <a16:rowId xmlns:a16="http://schemas.microsoft.com/office/drawing/2014/main" val="89897494"/>
-                  </a:ext>
-                </a:extLst>
-              </a:tr>
-              <a:tr h="303200">
-                <a:tc>
-                  <a:txBody>
-                    <a:bodyPr/>
-                    <a:lstStyle/>
-                    <a:p>
-                      <a:pPr algn="ctr" rtl="0" fontAlgn="ctr"/>
-                      <a:r>
-                        <a:rPr lang="en-US" sz="1200" b="0" i="0" u="none" strike="noStrike">
-                          <a:solidFill>
-                            <a:srgbClr val="000000"/>
-                          </a:solidFill>
-                          <a:effectLst/>
-                          <a:latin typeface="Times New Roman" panose="02020603050405020304" pitchFamily="18" charset="0"/>
-                          <a:ea typeface="新細明體" panose="02020500000000000000" pitchFamily="18" charset="-120"/>
-                        </a:rPr>
-                        <a:t>accuracy</a:t>
-                      </a:r>
-                    </a:p>
-                  </a:txBody>
-                  <a:tcPr marL="9525" marR="9525" marT="9525" marB="0" anchor="ctr">
-                    <a:lnL>
-                      <a:noFill/>
-                    </a:lnL>
-                    <a:lnR w="6350" cap="flat" cmpd="sng" algn="ctr">
-                      <a:solidFill>
-                        <a:srgbClr val="000000"/>
-                      </a:solidFill>
-                      <a:prstDash val="solid"/>
-                      <a:round/>
-                      <a:headEnd type="none" w="med" len="med"/>
-                      <a:tailEnd type="none" w="med" len="med"/>
-                    </a:lnR>
-                    <a:lnT>
-                      <a:noFill/>
-                    </a:lnT>
-                    <a:lnB>
-                      <a:noFill/>
-                    </a:lnB>
-                  </a:tcPr>
-                </a:tc>
-                <a:tc>
-                  <a:txBody>
-                    <a:bodyPr/>
-                    <a:lstStyle/>
-                    <a:p>
-                      <a:pPr algn="ctr" rtl="0" fontAlgn="ctr"/>
-                      <a:r>
-                        <a:rPr lang="en-US" altLang="zh-TW" sz="1200" b="0" i="0" u="none" strike="noStrike">
-                          <a:solidFill>
-                            <a:srgbClr val="000000"/>
-                          </a:solidFill>
-                          <a:effectLst/>
-                          <a:latin typeface="Times New Roman" panose="02020603050405020304" pitchFamily="18" charset="0"/>
-                          <a:ea typeface="新細明體" panose="02020500000000000000" pitchFamily="18" charset="-120"/>
-                        </a:rPr>
-                        <a:t>0.90</a:t>
-                      </a:r>
-                    </a:p>
-                  </a:txBody>
-                  <a:tcPr marL="9525" marR="9525" marT="9525" marB="0" anchor="ctr">
-                    <a:lnL w="6350" cap="flat" cmpd="sng" algn="ctr">
-                      <a:solidFill>
-                        <a:srgbClr val="000000"/>
-                      </a:solidFill>
-                      <a:prstDash val="solid"/>
-                      <a:round/>
-                      <a:headEnd type="none" w="med" len="med"/>
-                      <a:tailEnd type="none" w="med" len="med"/>
-                    </a:lnL>
-                    <a:lnR w="6350" cap="flat" cmpd="sng" algn="ctr">
-                      <a:solidFill>
-                        <a:srgbClr val="000000"/>
-                      </a:solidFill>
-                      <a:prstDash val="solid"/>
-                      <a:round/>
-                      <a:headEnd type="none" w="med" len="med"/>
-                      <a:tailEnd type="none" w="med" len="med"/>
-                    </a:lnR>
-                    <a:lnT>
-                      <a:noFill/>
-                    </a:lnT>
-                    <a:lnB>
-                      <a:noFill/>
-                    </a:lnB>
-                  </a:tcPr>
-                </a:tc>
-                <a:tc>
-                  <a:txBody>
-                    <a:bodyPr/>
-                    <a:lstStyle/>
-                    <a:p>
-                      <a:pPr algn="ctr" rtl="0" fontAlgn="ctr"/>
-                      <a:r>
-                        <a:rPr lang="en-US" altLang="zh-TW" sz="1200" b="0" i="0" u="none" strike="noStrike">
-                          <a:solidFill>
-                            <a:srgbClr val="000000"/>
-                          </a:solidFill>
-                          <a:effectLst/>
-                          <a:latin typeface="Times New Roman" panose="02020603050405020304" pitchFamily="18" charset="0"/>
-                          <a:ea typeface="新細明體" panose="02020500000000000000" pitchFamily="18" charset="-120"/>
-                        </a:rPr>
-                        <a:t>0.90</a:t>
-                      </a:r>
-                    </a:p>
-                  </a:txBody>
-                  <a:tcPr marL="9525" marR="9525" marT="9525" marB="0" anchor="ctr">
-                    <a:lnL w="6350" cap="flat" cmpd="sng" algn="ctr">
-                      <a:solidFill>
-                        <a:srgbClr val="000000"/>
-                      </a:solidFill>
-                      <a:prstDash val="solid"/>
-                      <a:round/>
-                      <a:headEnd type="none" w="med" len="med"/>
-                      <a:tailEnd type="none" w="med" len="med"/>
-                    </a:lnL>
-                    <a:lnR w="6350" cap="flat" cmpd="sng" algn="ctr">
-                      <a:solidFill>
-                        <a:srgbClr val="000000"/>
-                      </a:solidFill>
-                      <a:prstDash val="solid"/>
-                      <a:round/>
-                      <a:headEnd type="none" w="med" len="med"/>
-                      <a:tailEnd type="none" w="med" len="med"/>
-                    </a:lnR>
-                    <a:lnT>
-                      <a:noFill/>
-                    </a:lnT>
-                    <a:lnB>
-                      <a:noFill/>
-                    </a:lnB>
-                  </a:tcPr>
-                </a:tc>
-                <a:tc>
-                  <a:txBody>
-                    <a:bodyPr/>
-                    <a:lstStyle/>
-                    <a:p>
-                      <a:pPr algn="ctr" rtl="0" fontAlgn="ctr"/>
-                      <a:r>
-                        <a:rPr lang="en-US" altLang="zh-TW" sz="1200" b="0" i="0" u="none" strike="noStrike">
-                          <a:solidFill>
-                            <a:srgbClr val="000000"/>
-                          </a:solidFill>
-                          <a:effectLst/>
-                          <a:latin typeface="Times New Roman" panose="02020603050405020304" pitchFamily="18" charset="0"/>
-                          <a:ea typeface="新細明體" panose="02020500000000000000" pitchFamily="18" charset="-120"/>
-                        </a:rPr>
-                        <a:t>0.90</a:t>
-                      </a:r>
-                    </a:p>
-                  </a:txBody>
-                  <a:tcPr marL="9525" marR="9525" marT="9525" marB="0" anchor="ctr">
-                    <a:lnL w="6350" cap="flat" cmpd="sng" algn="ctr">
-                      <a:solidFill>
-                        <a:srgbClr val="000000"/>
-                      </a:solidFill>
-                      <a:prstDash val="solid"/>
-                      <a:round/>
-                      <a:headEnd type="none" w="med" len="med"/>
-                      <a:tailEnd type="none" w="med" len="med"/>
-                    </a:lnL>
-                    <a:lnR w="6350" cap="flat" cmpd="sng" algn="ctr">
-                      <a:solidFill>
-                        <a:srgbClr val="000000"/>
-                      </a:solidFill>
-                      <a:prstDash val="solid"/>
-                      <a:round/>
-                      <a:headEnd type="none" w="med" len="med"/>
-                      <a:tailEnd type="none" w="med" len="med"/>
-                    </a:lnR>
-                    <a:lnT>
-                      <a:noFill/>
-                    </a:lnT>
-                    <a:lnB>
-                      <a:noFill/>
-                    </a:lnB>
-                  </a:tcPr>
-                </a:tc>
-                <a:tc>
-                  <a:txBody>
-                    <a:bodyPr/>
-                    <a:lstStyle/>
-                    <a:p>
-                      <a:pPr algn="ctr" rtl="0" fontAlgn="ctr"/>
-                      <a:r>
-                        <a:rPr lang="en-US" altLang="zh-TW" sz="1200" b="0" i="0" u="none" strike="noStrike">
-                          <a:solidFill>
-                            <a:srgbClr val="000000"/>
-                          </a:solidFill>
-                          <a:effectLst/>
-                          <a:latin typeface="Times New Roman" panose="02020603050405020304" pitchFamily="18" charset="0"/>
-                          <a:ea typeface="新細明體" panose="02020500000000000000" pitchFamily="18" charset="-120"/>
-                        </a:rPr>
-                        <a:t>0.90</a:t>
-                      </a:r>
-                    </a:p>
-                  </a:txBody>
-                  <a:tcPr marL="9525" marR="9525" marT="9525" marB="0" anchor="ctr">
-                    <a:lnL w="6350" cap="flat" cmpd="sng" algn="ctr">
-                      <a:solidFill>
-                        <a:srgbClr val="000000"/>
-                      </a:solidFill>
-                      <a:prstDash val="solid"/>
-                      <a:round/>
-                      <a:headEnd type="none" w="med" len="med"/>
-                      <a:tailEnd type="none" w="med" len="med"/>
-                    </a:lnL>
-                    <a:lnR>
-                      <a:noFill/>
-                    </a:lnR>
-                    <a:lnT>
-                      <a:noFill/>
-                    </a:lnT>
-                    <a:lnB>
-                      <a:noFill/>
-                    </a:lnB>
-                  </a:tcPr>
-                </a:tc>
-                <a:extLst>
-                  <a:ext uri="{0D108BD9-81ED-4DB2-BD59-A6C34878D82A}">
-                    <a16:rowId xmlns:a16="http://schemas.microsoft.com/office/drawing/2014/main" val="2976334369"/>
-                  </a:ext>
-                </a:extLst>
-              </a:tr>
-              <a:tr h="303200">
-                <a:tc>
-                  <a:txBody>
-                    <a:bodyPr/>
-                    <a:lstStyle/>
-                    <a:p>
-                      <a:pPr algn="ctr" rtl="0" fontAlgn="ctr"/>
-                      <a:r>
-                        <a:rPr lang="en-US" sz="1200" b="0" i="0" u="none" strike="noStrike">
-                          <a:solidFill>
-                            <a:srgbClr val="000000"/>
-                          </a:solidFill>
-                          <a:effectLst/>
-                          <a:latin typeface="Times New Roman" panose="02020603050405020304" pitchFamily="18" charset="0"/>
-                          <a:ea typeface="新細明體" panose="02020500000000000000" pitchFamily="18" charset="-120"/>
-                        </a:rPr>
-                        <a:t>macro avg</a:t>
-                      </a:r>
-                    </a:p>
-                  </a:txBody>
-                  <a:tcPr marL="9525" marR="9525" marT="9525" marB="0" anchor="ctr">
-                    <a:lnL>
-                      <a:noFill/>
-                    </a:lnL>
-                    <a:lnR w="6350" cap="flat" cmpd="sng" algn="ctr">
-                      <a:solidFill>
-                        <a:srgbClr val="000000"/>
-                      </a:solidFill>
-                      <a:prstDash val="solid"/>
-                      <a:round/>
-                      <a:headEnd type="none" w="med" len="med"/>
-                      <a:tailEnd type="none" w="med" len="med"/>
-                    </a:lnR>
-                    <a:lnT>
-                      <a:noFill/>
-                    </a:lnT>
-                    <a:lnB>
-                      <a:noFill/>
-                    </a:lnB>
-                  </a:tcPr>
-                </a:tc>
-                <a:tc>
-                  <a:txBody>
-                    <a:bodyPr/>
-                    <a:lstStyle/>
-                    <a:p>
-                      <a:pPr algn="ctr" rtl="0" fontAlgn="ctr"/>
-                      <a:r>
-                        <a:rPr lang="en-US" altLang="zh-TW" sz="1200" b="0" i="0" u="none" strike="noStrike">
-                          <a:solidFill>
-                            <a:srgbClr val="000000"/>
-                          </a:solidFill>
-                          <a:effectLst/>
-                          <a:latin typeface="Times New Roman" panose="02020603050405020304" pitchFamily="18" charset="0"/>
-                          <a:ea typeface="新細明體" panose="02020500000000000000" pitchFamily="18" charset="-120"/>
-                        </a:rPr>
-                        <a:t>0.91</a:t>
-                      </a:r>
-                    </a:p>
-                  </a:txBody>
-                  <a:tcPr marL="9525" marR="9525" marT="9525" marB="0" anchor="ctr">
-                    <a:lnL w="6350" cap="flat" cmpd="sng" algn="ctr">
-                      <a:solidFill>
-                        <a:srgbClr val="000000"/>
-                      </a:solidFill>
-                      <a:prstDash val="solid"/>
-                      <a:round/>
-                      <a:headEnd type="none" w="med" len="med"/>
-                      <a:tailEnd type="none" w="med" len="med"/>
-                    </a:lnL>
-                    <a:lnR w="6350" cap="flat" cmpd="sng" algn="ctr">
-                      <a:solidFill>
-                        <a:srgbClr val="000000"/>
-                      </a:solidFill>
-                      <a:prstDash val="solid"/>
-                      <a:round/>
-                      <a:headEnd type="none" w="med" len="med"/>
-                      <a:tailEnd type="none" w="med" len="med"/>
-                    </a:lnR>
-                    <a:lnT>
-                      <a:noFill/>
-                    </a:lnT>
-                    <a:lnB>
-                      <a:noFill/>
-                    </a:lnB>
-                  </a:tcPr>
-                </a:tc>
-                <a:tc>
-                  <a:txBody>
-                    <a:bodyPr/>
-                    <a:lstStyle/>
-                    <a:p>
-                      <a:pPr algn="ctr" rtl="0" fontAlgn="ctr"/>
-                      <a:r>
-                        <a:rPr lang="en-US" altLang="zh-TW" sz="1200" b="0" i="0" u="none" strike="noStrike">
-                          <a:solidFill>
-                            <a:srgbClr val="000000"/>
-                          </a:solidFill>
-                          <a:effectLst/>
-                          <a:latin typeface="Times New Roman" panose="02020603050405020304" pitchFamily="18" charset="0"/>
-                          <a:ea typeface="新細明體" panose="02020500000000000000" pitchFamily="18" charset="-120"/>
-                        </a:rPr>
-                        <a:t>0.90</a:t>
-                      </a:r>
-                    </a:p>
-                  </a:txBody>
-                  <a:tcPr marL="9525" marR="9525" marT="9525" marB="0" anchor="ctr">
-                    <a:lnL w="6350" cap="flat" cmpd="sng" algn="ctr">
-                      <a:solidFill>
-                        <a:srgbClr val="000000"/>
-                      </a:solidFill>
-                      <a:prstDash val="solid"/>
-                      <a:round/>
-                      <a:headEnd type="none" w="med" len="med"/>
-                      <a:tailEnd type="none" w="med" len="med"/>
-                    </a:lnL>
-                    <a:lnR w="6350" cap="flat" cmpd="sng" algn="ctr">
-                      <a:solidFill>
-                        <a:srgbClr val="000000"/>
-                      </a:solidFill>
-                      <a:prstDash val="solid"/>
-                      <a:round/>
-                      <a:headEnd type="none" w="med" len="med"/>
-                      <a:tailEnd type="none" w="med" len="med"/>
-                    </a:lnR>
-                    <a:lnT>
-                      <a:noFill/>
-                    </a:lnT>
-                    <a:lnB>
-                      <a:noFill/>
-                    </a:lnB>
-                  </a:tcPr>
-                </a:tc>
-                <a:tc>
-                  <a:txBody>
-                    <a:bodyPr/>
-                    <a:lstStyle/>
-                    <a:p>
-                      <a:pPr algn="ctr" rtl="0" fontAlgn="ctr"/>
-                      <a:r>
-                        <a:rPr lang="en-US" altLang="zh-TW" sz="1200" b="0" i="0" u="none" strike="noStrike">
-                          <a:solidFill>
-                            <a:srgbClr val="000000"/>
-                          </a:solidFill>
-                          <a:effectLst/>
-                          <a:latin typeface="Times New Roman" panose="02020603050405020304" pitchFamily="18" charset="0"/>
-                          <a:ea typeface="新細明體" panose="02020500000000000000" pitchFamily="18" charset="-120"/>
-                        </a:rPr>
-                        <a:t>0.90</a:t>
-                      </a:r>
-                    </a:p>
-                  </a:txBody>
-                  <a:tcPr marL="9525" marR="9525" marT="9525" marB="0" anchor="ctr">
-                    <a:lnL w="6350" cap="flat" cmpd="sng" algn="ctr">
-                      <a:solidFill>
-                        <a:srgbClr val="000000"/>
-                      </a:solidFill>
-                      <a:prstDash val="solid"/>
-                      <a:round/>
-                      <a:headEnd type="none" w="med" len="med"/>
-                      <a:tailEnd type="none" w="med" len="med"/>
-                    </a:lnL>
-                    <a:lnR w="6350" cap="flat" cmpd="sng" algn="ctr">
-                      <a:solidFill>
-                        <a:srgbClr val="000000"/>
-                      </a:solidFill>
-                      <a:prstDash val="solid"/>
-                      <a:round/>
-                      <a:headEnd type="none" w="med" len="med"/>
-                      <a:tailEnd type="none" w="med" len="med"/>
-                    </a:lnR>
-                    <a:lnT>
-                      <a:noFill/>
-                    </a:lnT>
-                    <a:lnB>
-                      <a:noFill/>
-                    </a:lnB>
-                  </a:tcPr>
-                </a:tc>
-                <a:tc>
-                  <a:txBody>
-                    <a:bodyPr/>
-                    <a:lstStyle/>
-                    <a:p>
-                      <a:pPr algn="ctr" rtl="0" fontAlgn="ctr"/>
-                      <a:r>
-                        <a:rPr lang="en-US" altLang="zh-TW" sz="1200" b="0" i="0" u="none" strike="noStrike">
-                          <a:solidFill>
-                            <a:srgbClr val="000000"/>
-                          </a:solidFill>
-                          <a:effectLst/>
-                          <a:latin typeface="Times New Roman" panose="02020603050405020304" pitchFamily="18" charset="0"/>
-                          <a:ea typeface="新細明體" panose="02020500000000000000" pitchFamily="18" charset="-120"/>
-                        </a:rPr>
-                        <a:t>100</a:t>
-                      </a:r>
-                    </a:p>
-                  </a:txBody>
-                  <a:tcPr marL="9525" marR="9525" marT="9525" marB="0" anchor="ctr">
-                    <a:lnL w="6350" cap="flat" cmpd="sng" algn="ctr">
-                      <a:solidFill>
-                        <a:srgbClr val="000000"/>
-                      </a:solidFill>
-                      <a:prstDash val="solid"/>
-                      <a:round/>
-                      <a:headEnd type="none" w="med" len="med"/>
-                      <a:tailEnd type="none" w="med" len="med"/>
-                    </a:lnL>
-                    <a:lnR>
-                      <a:noFill/>
-                    </a:lnR>
-                    <a:lnT>
-                      <a:noFill/>
-                    </a:lnT>
-                    <a:lnB>
-                      <a:noFill/>
-                    </a:lnB>
-                  </a:tcPr>
-                </a:tc>
-                <a:extLst>
-                  <a:ext uri="{0D108BD9-81ED-4DB2-BD59-A6C34878D82A}">
-                    <a16:rowId xmlns:a16="http://schemas.microsoft.com/office/drawing/2014/main" val="2075726836"/>
-                  </a:ext>
-                </a:extLst>
-              </a:tr>
-              <a:tr h="330763">
-                <a:tc>
-                  <a:txBody>
-                    <a:bodyPr/>
-                    <a:lstStyle/>
-                    <a:p>
-                      <a:pPr algn="ctr" rtl="0" fontAlgn="ctr"/>
-                      <a:r>
-                        <a:rPr lang="en-US" sz="1200" b="0" i="0" u="none" strike="noStrike">
-                          <a:solidFill>
-                            <a:srgbClr val="000000"/>
-                          </a:solidFill>
-                          <a:effectLst/>
-                          <a:latin typeface="Times New Roman" panose="02020603050405020304" pitchFamily="18" charset="0"/>
-                          <a:ea typeface="新細明體" panose="02020500000000000000" pitchFamily="18" charset="-120"/>
-                        </a:rPr>
-                        <a:t>weighted avg</a:t>
-                      </a:r>
-                    </a:p>
-                  </a:txBody>
-                  <a:tcPr marL="9525" marR="9525" marT="9525" marB="0" anchor="ctr">
-                    <a:lnL>
-                      <a:noFill/>
-                    </a:lnL>
-                    <a:lnR w="6350" cap="flat" cmpd="sng" algn="ctr">
-                      <a:solidFill>
-                        <a:srgbClr val="000000"/>
-                      </a:solidFill>
-                      <a:prstDash val="solid"/>
-                      <a:round/>
-                      <a:headEnd type="none" w="med" len="med"/>
-                      <a:tailEnd type="none" w="med" len="med"/>
-                    </a:lnR>
-                    <a:lnT>
-                      <a:noFill/>
-                    </a:lnT>
-                    <a:lnB w="25400" cap="flat" cmpd="dbl" algn="ctr">
-                      <a:solidFill>
-                        <a:srgbClr val="000000"/>
-                      </a:solidFill>
-                      <a:prstDash val="solid"/>
-                      <a:round/>
-                      <a:headEnd type="none" w="med" len="med"/>
-                      <a:tailEnd type="none" w="med" len="med"/>
-                    </a:lnB>
-                  </a:tcPr>
-                </a:tc>
-                <a:tc>
-                  <a:txBody>
-                    <a:bodyPr/>
-                    <a:lstStyle/>
-                    <a:p>
-                      <a:pPr algn="ctr" rtl="0" fontAlgn="ctr"/>
-                      <a:r>
-                        <a:rPr lang="en-US" altLang="zh-TW" sz="1200" b="0" i="0" u="none" strike="noStrike" dirty="0">
-                          <a:solidFill>
-                            <a:srgbClr val="000000"/>
-                          </a:solidFill>
-                          <a:effectLst/>
-                          <a:latin typeface="Times New Roman" panose="02020603050405020304" pitchFamily="18" charset="0"/>
-                          <a:ea typeface="新細明體" panose="02020500000000000000" pitchFamily="18" charset="-120"/>
-                        </a:rPr>
-                        <a:t>0.91</a:t>
-                      </a:r>
-                    </a:p>
-                  </a:txBody>
-                  <a:tcPr marL="9525" marR="9525" marT="9525" marB="0" anchor="ctr">
-                    <a:lnL w="6350" cap="flat" cmpd="sng" algn="ctr">
-                      <a:solidFill>
-                        <a:srgbClr val="000000"/>
-                      </a:solidFill>
-                      <a:prstDash val="solid"/>
-                      <a:round/>
-                      <a:headEnd type="none" w="med" len="med"/>
-                      <a:tailEnd type="none" w="med" len="med"/>
-                    </a:lnL>
-                    <a:lnR w="6350" cap="flat" cmpd="sng" algn="ctr">
-                      <a:solidFill>
-                        <a:srgbClr val="000000"/>
-                      </a:solidFill>
-                      <a:prstDash val="solid"/>
-                      <a:round/>
-                      <a:headEnd type="none" w="med" len="med"/>
-                      <a:tailEnd type="none" w="med" len="med"/>
-                    </a:lnR>
-                    <a:lnT>
-                      <a:noFill/>
-                    </a:lnT>
-                    <a:lnB w="25400" cap="flat" cmpd="dbl" algn="ctr">
-                      <a:solidFill>
-                        <a:srgbClr val="000000"/>
-                      </a:solidFill>
-                      <a:prstDash val="solid"/>
-                      <a:round/>
-                      <a:headEnd type="none" w="med" len="med"/>
-                      <a:tailEnd type="none" w="med" len="med"/>
-                    </a:lnB>
-                  </a:tcPr>
-                </a:tc>
-                <a:tc>
-                  <a:txBody>
-                    <a:bodyPr/>
-                    <a:lstStyle/>
-                    <a:p>
-                      <a:pPr algn="ctr" rtl="0" fontAlgn="ctr"/>
-                      <a:r>
-                        <a:rPr lang="en-US" altLang="zh-TW" sz="1200" b="0" i="0" u="none" strike="noStrike" dirty="0">
-                          <a:solidFill>
-                            <a:srgbClr val="000000"/>
-                          </a:solidFill>
-                          <a:effectLst/>
-                          <a:latin typeface="Times New Roman" panose="02020603050405020304" pitchFamily="18" charset="0"/>
-                          <a:ea typeface="新細明體" panose="02020500000000000000" pitchFamily="18" charset="-120"/>
-                        </a:rPr>
-                        <a:t>0.90</a:t>
-                      </a:r>
-                    </a:p>
-                  </a:txBody>
-                  <a:tcPr marL="9525" marR="9525" marT="9525" marB="0" anchor="ctr">
-                    <a:lnL w="6350" cap="flat" cmpd="sng" algn="ctr">
-                      <a:solidFill>
-                        <a:srgbClr val="000000"/>
-                      </a:solidFill>
-                      <a:prstDash val="solid"/>
-                      <a:round/>
-                      <a:headEnd type="none" w="med" len="med"/>
-                      <a:tailEnd type="none" w="med" len="med"/>
-                    </a:lnL>
-                    <a:lnR w="6350" cap="flat" cmpd="sng" algn="ctr">
-                      <a:solidFill>
-                        <a:srgbClr val="000000"/>
-                      </a:solidFill>
-                      <a:prstDash val="solid"/>
-                      <a:round/>
-                      <a:headEnd type="none" w="med" len="med"/>
-                      <a:tailEnd type="none" w="med" len="med"/>
-                    </a:lnR>
-                    <a:lnT>
-                      <a:noFill/>
-                    </a:lnT>
-                    <a:lnB w="25400" cap="flat" cmpd="dbl" algn="ctr">
-                      <a:solidFill>
-                        <a:srgbClr val="000000"/>
-                      </a:solidFill>
-                      <a:prstDash val="solid"/>
-                      <a:round/>
-                      <a:headEnd type="none" w="med" len="med"/>
-                      <a:tailEnd type="none" w="med" len="med"/>
-                    </a:lnB>
-                  </a:tcPr>
-                </a:tc>
-                <a:tc>
-                  <a:txBody>
-                    <a:bodyPr/>
-                    <a:lstStyle/>
-                    <a:p>
-                      <a:pPr algn="ctr" rtl="0" fontAlgn="ctr"/>
-                      <a:r>
-                        <a:rPr lang="en-US" altLang="zh-TW" sz="1200" b="0" i="0" u="none" strike="noStrike">
-                          <a:solidFill>
-                            <a:srgbClr val="000000"/>
-                          </a:solidFill>
-                          <a:effectLst/>
-                          <a:latin typeface="Times New Roman" panose="02020603050405020304" pitchFamily="18" charset="0"/>
-                          <a:ea typeface="新細明體" panose="02020500000000000000" pitchFamily="18" charset="-120"/>
-                        </a:rPr>
-                        <a:t>0.90</a:t>
-                      </a:r>
-                    </a:p>
-                  </a:txBody>
-                  <a:tcPr marL="9525" marR="9525" marT="9525" marB="0" anchor="ctr">
-                    <a:lnL w="6350" cap="flat" cmpd="sng" algn="ctr">
-                      <a:solidFill>
-                        <a:srgbClr val="000000"/>
-                      </a:solidFill>
-                      <a:prstDash val="solid"/>
-                      <a:round/>
-                      <a:headEnd type="none" w="med" len="med"/>
-                      <a:tailEnd type="none" w="med" len="med"/>
-                    </a:lnL>
-                    <a:lnR w="6350" cap="flat" cmpd="sng" algn="ctr">
-                      <a:solidFill>
-                        <a:srgbClr val="000000"/>
-                      </a:solidFill>
-                      <a:prstDash val="solid"/>
-                      <a:round/>
-                      <a:headEnd type="none" w="med" len="med"/>
-                      <a:tailEnd type="none" w="med" len="med"/>
-                    </a:lnR>
-                    <a:lnT>
-                      <a:noFill/>
-                    </a:lnT>
-                    <a:lnB w="25400" cap="flat" cmpd="dbl" algn="ctr">
-                      <a:solidFill>
-                        <a:srgbClr val="000000"/>
-                      </a:solidFill>
-                      <a:prstDash val="solid"/>
-                      <a:round/>
-                      <a:headEnd type="none" w="med" len="med"/>
-                      <a:tailEnd type="none" w="med" len="med"/>
-                    </a:lnB>
-                  </a:tcPr>
-                </a:tc>
-                <a:tc>
-                  <a:txBody>
-                    <a:bodyPr/>
-                    <a:lstStyle/>
-                    <a:p>
-                      <a:pPr algn="ctr" rtl="0" fontAlgn="ctr"/>
-                      <a:r>
-                        <a:rPr lang="en-US" altLang="zh-TW" sz="1200" b="0" i="0" u="none" strike="noStrike" dirty="0">
-                          <a:solidFill>
-                            <a:srgbClr val="000000"/>
-                          </a:solidFill>
-                          <a:effectLst/>
-                          <a:latin typeface="Times New Roman" panose="02020603050405020304" pitchFamily="18" charset="0"/>
-                          <a:ea typeface="新細明體" panose="02020500000000000000" pitchFamily="18" charset="-120"/>
-                        </a:rPr>
-                        <a:t>100</a:t>
-                      </a:r>
-                    </a:p>
-                  </a:txBody>
-                  <a:tcPr marL="9525" marR="9525" marT="9525" marB="0" anchor="ctr">
-                    <a:lnL w="6350" cap="flat" cmpd="sng" algn="ctr">
-                      <a:solidFill>
-                        <a:srgbClr val="000000"/>
-                      </a:solidFill>
-                      <a:prstDash val="solid"/>
-                      <a:round/>
-                      <a:headEnd type="none" w="med" len="med"/>
-                      <a:tailEnd type="none" w="med" len="med"/>
-                    </a:lnL>
-                    <a:lnR>
-                      <a:noFill/>
-                    </a:lnR>
-                    <a:lnT>
-                      <a:noFill/>
-                    </a:lnT>
-                    <a:lnB w="25400" cap="flat" cmpd="dbl" algn="ctr">
-                      <a:solidFill>
-                        <a:srgbClr val="000000"/>
-                      </a:solidFill>
-                      <a:prstDash val="solid"/>
-                      <a:round/>
-                      <a:headEnd type="none" w="med" len="med"/>
-                      <a:tailEnd type="none" w="med" len="med"/>
-                    </a:lnB>
-                  </a:tcPr>
-                </a:tc>
-                <a:extLst>
-                  <a:ext uri="{0D108BD9-81ED-4DB2-BD59-A6C34878D82A}">
-                    <a16:rowId xmlns:a16="http://schemas.microsoft.com/office/drawing/2014/main" val="288243650"/>
-                  </a:ext>
-                </a:extLst>
-              </a:tr>
-            </a:tbl>
-          </a:graphicData>
-        </a:graphic>
-      </p:graphicFrame>
-      <p:sp>
-        <p:nvSpPr>
-          <p:cNvPr id="17" name="文字方塊 16"/>
-          <p:cNvSpPr txBox="1"/>
-          <p:nvPr/>
-        </p:nvSpPr>
-        <p:spPr>
-          <a:xfrm>
-            <a:off x="4076588" y="2532273"/>
-            <a:ext cx="4488182" cy="276999"/>
-          </a:xfrm>
-          <a:prstGeom prst="rect">
-            <a:avLst/>
-          </a:prstGeom>
-          <a:noFill/>
-        </p:spPr>
-        <p:txBody>
-          <a:bodyPr wrap="square" rtlCol="0">
-            <a:spAutoFit/>
-          </a:bodyPr>
-          <a:lstStyle/>
-          <a:p>
-            <a:r>
-              <a:rPr lang="en-US" altLang="zh-TW" sz="1200" dirty="0" smtClean="0">
-                <a:latin typeface="微軟正黑體" panose="020B0604030504040204" pitchFamily="34" charset="-120"/>
-                <a:ea typeface="微軟正黑體" panose="020B0604030504040204" pitchFamily="34" charset="-120"/>
-              </a:rPr>
-              <a:t>The best model result (run 22)</a:t>
-            </a:r>
-            <a:endParaRPr lang="zh-TW" altLang="en-US" sz="1200" dirty="0">
-              <a:latin typeface="微軟正黑體" panose="020B0604030504040204" pitchFamily="34" charset="-120"/>
-              <a:ea typeface="微軟正黑體" panose="020B0604030504040204" pitchFamily="34" charset="-120"/>
-            </a:endParaRPr>
-          </a:p>
-        </p:txBody>
-      </p:sp>
-      <p:graphicFrame>
-        <p:nvGraphicFramePr>
-          <p:cNvPr id="19" name="表格 18"/>
-          <p:cNvGraphicFramePr>
-            <a:graphicFrameLocks noGrp="1"/>
-          </p:cNvGraphicFramePr>
-          <p:nvPr>
-            <p:extLst>
-              <p:ext uri="{D42A27DB-BD31-4B8C-83A1-F6EECF244321}">
-                <p14:modId xmlns:p14="http://schemas.microsoft.com/office/powerpoint/2010/main" val="909976562"/>
-              </p:ext>
-            </p:extLst>
-          </p:nvPr>
-        </p:nvGraphicFramePr>
-        <p:xfrm>
-          <a:off x="7937094" y="3035584"/>
-          <a:ext cx="2311400" cy="2538742"/>
-        </p:xfrm>
-        <a:graphic>
-          <a:graphicData uri="http://schemas.openxmlformats.org/drawingml/2006/table">
-            <a:tbl>
-              <a:tblPr/>
-              <a:tblGrid>
-                <a:gridCol w="965200">
-                  <a:extLst>
-                    <a:ext uri="{9D8B030D-6E8A-4147-A177-3AD203B41FA5}">
-                      <a16:colId xmlns:a16="http://schemas.microsoft.com/office/drawing/2014/main" val="2045025800"/>
-                    </a:ext>
-                  </a:extLst>
-                </a:gridCol>
-                <a:gridCol w="1346200">
-                  <a:extLst>
-                    <a:ext uri="{9D8B030D-6E8A-4147-A177-3AD203B41FA5}">
-                      <a16:colId xmlns:a16="http://schemas.microsoft.com/office/drawing/2014/main" val="3424225317"/>
-                    </a:ext>
-                  </a:extLst>
-                </a:gridCol>
-              </a:tblGrid>
-              <a:tr h="338499">
-                <a:tc>
-                  <a:txBody>
-                    <a:bodyPr/>
-                    <a:lstStyle/>
-                    <a:p>
-                      <a:pPr algn="ctr" fontAlgn="ctr"/>
-                      <a:r>
-                        <a:rPr lang="en-US" sz="1200" b="1" i="0" u="none" strike="noStrike" dirty="0">
-                          <a:solidFill>
-                            <a:srgbClr val="000000"/>
-                          </a:solidFill>
-                          <a:effectLst/>
-                          <a:latin typeface="Times New Roman" panose="02020603050405020304" pitchFamily="18" charset="0"/>
-                          <a:ea typeface="新細明體" panose="02020500000000000000" pitchFamily="18" charset="-120"/>
-                        </a:rPr>
-                        <a:t>parameter</a:t>
-                      </a:r>
-                    </a:p>
-                  </a:txBody>
-                  <a:tcPr marL="9525" marR="9525" marT="9525" marB="0" anchor="ctr">
-                    <a:lnL>
-                      <a:noFill/>
-                    </a:lnL>
-                    <a:lnR w="6350" cap="flat" cmpd="sng" algn="ctr">
-                      <a:solidFill>
-                        <a:srgbClr val="000000"/>
-                      </a:solidFill>
-                      <a:prstDash val="solid"/>
-                      <a:round/>
-                      <a:headEnd type="none" w="med" len="med"/>
-                      <a:tailEnd type="none" w="med" len="med"/>
-                    </a:lnR>
-                    <a:lnT w="25400" cap="flat" cmpd="dbl" algn="ctr">
-                      <a:solidFill>
-                        <a:srgbClr val="000000"/>
-                      </a:solidFill>
-                      <a:prstDash val="solid"/>
-                      <a:round/>
-                      <a:headEnd type="none" w="med" len="med"/>
-                      <a:tailEnd type="none" w="med" len="med"/>
-                    </a:lnT>
-                    <a:lnB w="25400" cap="flat" cmpd="dbl" algn="ctr">
-                      <a:solidFill>
-                        <a:srgbClr val="000000"/>
-                      </a:solidFill>
-                      <a:prstDash val="solid"/>
-                      <a:round/>
-                      <a:headEnd type="none" w="med" len="med"/>
-                      <a:tailEnd type="none" w="med" len="med"/>
-                    </a:lnB>
-                    <a:solidFill>
-                      <a:schemeClr val="accent3">
-                        <a:lumMod val="20000"/>
-                        <a:lumOff val="80000"/>
-                      </a:schemeClr>
-                    </a:solidFill>
-                  </a:tcPr>
-                </a:tc>
-                <a:tc>
-                  <a:txBody>
-                    <a:bodyPr/>
-                    <a:lstStyle/>
-                    <a:p>
-                      <a:pPr algn="ctr" fontAlgn="ctr"/>
-                      <a:r>
-                        <a:rPr lang="en-US" sz="1200" b="1" i="0" u="none" strike="noStrike" dirty="0">
-                          <a:solidFill>
-                            <a:srgbClr val="000000"/>
-                          </a:solidFill>
-                          <a:effectLst/>
-                          <a:latin typeface="Times New Roman" panose="02020603050405020304" pitchFamily="18" charset="0"/>
-                          <a:ea typeface="新細明體" panose="02020500000000000000" pitchFamily="18" charset="-120"/>
-                        </a:rPr>
-                        <a:t>value</a:t>
-                      </a:r>
-                    </a:p>
-                  </a:txBody>
-                  <a:tcPr marL="9525" marR="9525" marT="9525" marB="0" anchor="ctr">
-                    <a:lnL w="6350" cap="flat" cmpd="sng" algn="ctr">
-                      <a:solidFill>
-                        <a:srgbClr val="000000"/>
-                      </a:solidFill>
-                      <a:prstDash val="solid"/>
-                      <a:round/>
-                      <a:headEnd type="none" w="med" len="med"/>
-                      <a:tailEnd type="none" w="med" len="med"/>
-                    </a:lnL>
-                    <a:lnR>
-                      <a:noFill/>
-                    </a:lnR>
-                    <a:lnT w="25400" cap="flat" cmpd="dbl" algn="ctr">
-                      <a:solidFill>
-                        <a:srgbClr val="000000"/>
-                      </a:solidFill>
-                      <a:prstDash val="solid"/>
-                      <a:round/>
-                      <a:headEnd type="none" w="med" len="med"/>
-                      <a:tailEnd type="none" w="med" len="med"/>
-                    </a:lnT>
-                    <a:lnB w="25400" cap="flat" cmpd="dbl" algn="ctr">
-                      <a:solidFill>
-                        <a:srgbClr val="000000"/>
-                      </a:solidFill>
-                      <a:prstDash val="solid"/>
-                      <a:round/>
-                      <a:headEnd type="none" w="med" len="med"/>
-                      <a:tailEnd type="none" w="med" len="med"/>
-                    </a:lnB>
-                    <a:solidFill>
-                      <a:schemeClr val="accent3">
-                        <a:lumMod val="20000"/>
-                        <a:lumOff val="80000"/>
-                      </a:schemeClr>
-                    </a:solidFill>
-                  </a:tcPr>
-                </a:tc>
-                <a:extLst>
-                  <a:ext uri="{0D108BD9-81ED-4DB2-BD59-A6C34878D82A}">
-                    <a16:rowId xmlns:a16="http://schemas.microsoft.com/office/drawing/2014/main" val="3007354659"/>
-                  </a:ext>
-                </a:extLst>
-              </a:tr>
-              <a:tr h="324394">
-                <a:tc>
-                  <a:txBody>
-                    <a:bodyPr/>
-                    <a:lstStyle/>
-                    <a:p>
-                      <a:pPr algn="ctr" fontAlgn="ctr"/>
-                      <a:r>
-                        <a:rPr lang="en-US" sz="1200" b="0" i="0" u="none" strike="noStrike">
-                          <a:solidFill>
-                            <a:srgbClr val="000000"/>
-                          </a:solidFill>
-                          <a:effectLst/>
-                          <a:latin typeface="Times New Roman" panose="02020603050405020304" pitchFamily="18" charset="0"/>
-                          <a:ea typeface="新細明體" panose="02020500000000000000" pitchFamily="18" charset="-120"/>
-                        </a:rPr>
-                        <a:t>device</a:t>
-                      </a:r>
-                    </a:p>
-                  </a:txBody>
-                  <a:tcPr marL="9525" marR="9525" marT="9525" marB="0" anchor="ctr">
-                    <a:lnL>
-                      <a:noFill/>
-                    </a:lnL>
-                    <a:lnR w="6350" cap="flat" cmpd="sng" algn="ctr">
-                      <a:solidFill>
-                        <a:srgbClr val="000000"/>
-                      </a:solidFill>
-                      <a:prstDash val="solid"/>
-                      <a:round/>
-                      <a:headEnd type="none" w="med" len="med"/>
-                      <a:tailEnd type="none" w="med" len="med"/>
-                    </a:lnR>
-                    <a:lnT w="25400" cap="flat" cmpd="dbl" algn="ctr">
-                      <a:solidFill>
-                        <a:srgbClr val="000000"/>
-                      </a:solidFill>
-                      <a:prstDash val="solid"/>
-                      <a:round/>
-                      <a:headEnd type="none" w="med" len="med"/>
-                      <a:tailEnd type="none" w="med" len="med"/>
-                    </a:lnT>
-                    <a:lnB>
-                      <a:noFill/>
-                    </a:lnB>
-                  </a:tcPr>
-                </a:tc>
-                <a:tc>
-                  <a:txBody>
-                    <a:bodyPr/>
-                    <a:lstStyle/>
-                    <a:p>
-                      <a:pPr algn="ctr" fontAlgn="ctr"/>
-                      <a:r>
-                        <a:rPr lang="en-US" sz="1200" b="0" i="0" u="none" strike="noStrike">
-                          <a:solidFill>
-                            <a:srgbClr val="000000"/>
-                          </a:solidFill>
-                          <a:effectLst/>
-                          <a:latin typeface="Times New Roman" panose="02020603050405020304" pitchFamily="18" charset="0"/>
-                          <a:ea typeface="新細明體" panose="02020500000000000000" pitchFamily="18" charset="-120"/>
-                        </a:rPr>
-                        <a:t> cpu</a:t>
-                      </a:r>
-                    </a:p>
-                  </a:txBody>
-                  <a:tcPr marL="9525" marR="9525" marT="9525" marB="0" anchor="ctr">
-                    <a:lnL w="6350" cap="flat" cmpd="sng" algn="ctr">
-                      <a:solidFill>
-                        <a:srgbClr val="000000"/>
-                      </a:solidFill>
-                      <a:prstDash val="solid"/>
-                      <a:round/>
-                      <a:headEnd type="none" w="med" len="med"/>
-                      <a:tailEnd type="none" w="med" len="med"/>
-                    </a:lnL>
-                    <a:lnR>
-                      <a:noFill/>
-                    </a:lnR>
-                    <a:lnT w="25400" cap="flat" cmpd="dbl" algn="ctr">
-                      <a:solidFill>
-                        <a:srgbClr val="000000"/>
-                      </a:solidFill>
-                      <a:prstDash val="solid"/>
-                      <a:round/>
-                      <a:headEnd type="none" w="med" len="med"/>
-                      <a:tailEnd type="none" w="med" len="med"/>
-                    </a:lnT>
-                    <a:lnB>
-                      <a:noFill/>
-                    </a:lnB>
-                  </a:tcPr>
-                </a:tc>
-                <a:extLst>
-                  <a:ext uri="{0D108BD9-81ED-4DB2-BD59-A6C34878D82A}">
-                    <a16:rowId xmlns:a16="http://schemas.microsoft.com/office/drawing/2014/main" val="2178435682"/>
-                  </a:ext>
-                </a:extLst>
-              </a:tr>
-              <a:tr h="310291">
-                <a:tc>
-                  <a:txBody>
-                    <a:bodyPr/>
-                    <a:lstStyle/>
-                    <a:p>
-                      <a:pPr algn="ctr" fontAlgn="ctr"/>
-                      <a:r>
-                        <a:rPr lang="en-US" sz="1200" b="0" i="0" u="none" strike="noStrike">
-                          <a:solidFill>
-                            <a:srgbClr val="000000"/>
-                          </a:solidFill>
-                          <a:effectLst/>
-                          <a:latin typeface="Times New Roman" panose="02020603050405020304" pitchFamily="18" charset="0"/>
-                          <a:ea typeface="新細明體" panose="02020500000000000000" pitchFamily="18" charset="-120"/>
-                        </a:rPr>
-                        <a:t>n_classes</a:t>
-                      </a:r>
-                    </a:p>
-                  </a:txBody>
-                  <a:tcPr marL="9525" marR="9525" marT="9525" marB="0" anchor="ctr">
-                    <a:lnL>
-                      <a:noFill/>
-                    </a:lnL>
-                    <a:lnR w="6350" cap="flat" cmpd="sng" algn="ctr">
-                      <a:solidFill>
-                        <a:srgbClr val="000000"/>
-                      </a:solidFill>
-                      <a:prstDash val="solid"/>
-                      <a:round/>
-                      <a:headEnd type="none" w="med" len="med"/>
-                      <a:tailEnd type="none" w="med" len="med"/>
-                    </a:lnR>
-                    <a:lnT>
-                      <a:noFill/>
-                    </a:lnT>
-                    <a:lnB>
-                      <a:noFill/>
-                    </a:lnB>
-                  </a:tcPr>
-                </a:tc>
-                <a:tc>
-                  <a:txBody>
-                    <a:bodyPr/>
-                    <a:lstStyle/>
-                    <a:p>
-                      <a:pPr algn="ctr" fontAlgn="ctr"/>
-                      <a:r>
-                        <a:rPr lang="en-US" altLang="zh-TW" sz="1200" b="0" i="0" u="none" strike="noStrike">
-                          <a:solidFill>
-                            <a:srgbClr val="000000"/>
-                          </a:solidFill>
-                          <a:effectLst/>
-                          <a:latin typeface="Times New Roman" panose="02020603050405020304" pitchFamily="18" charset="0"/>
-                          <a:ea typeface="新細明體" panose="02020500000000000000" pitchFamily="18" charset="-120"/>
-                        </a:rPr>
-                        <a:t>2</a:t>
-                      </a:r>
-                    </a:p>
-                  </a:txBody>
-                  <a:tcPr marL="9525" marR="9525" marT="9525" marB="0" anchor="ctr">
-                    <a:lnL w="6350" cap="flat" cmpd="sng" algn="ctr">
-                      <a:solidFill>
-                        <a:srgbClr val="000000"/>
-                      </a:solidFill>
-                      <a:prstDash val="solid"/>
-                      <a:round/>
-                      <a:headEnd type="none" w="med" len="med"/>
-                      <a:tailEnd type="none" w="med" len="med"/>
-                    </a:lnL>
-                    <a:lnR>
-                      <a:noFill/>
-                    </a:lnR>
-                    <a:lnT>
-                      <a:noFill/>
-                    </a:lnT>
-                    <a:lnB>
-                      <a:noFill/>
-                    </a:lnB>
-                  </a:tcPr>
-                </a:tc>
-                <a:extLst>
-                  <a:ext uri="{0D108BD9-81ED-4DB2-BD59-A6C34878D82A}">
-                    <a16:rowId xmlns:a16="http://schemas.microsoft.com/office/drawing/2014/main" val="4152044097"/>
-                  </a:ext>
-                </a:extLst>
-              </a:tr>
-              <a:tr h="310291">
-                <a:tc>
-                  <a:txBody>
-                    <a:bodyPr/>
-                    <a:lstStyle/>
-                    <a:p>
-                      <a:pPr algn="ctr" fontAlgn="ctr"/>
-                      <a:r>
-                        <a:rPr lang="en-US" sz="1200" b="0" i="0" u="none" strike="noStrike">
-                          <a:solidFill>
-                            <a:srgbClr val="000000"/>
-                          </a:solidFill>
-                          <a:effectLst/>
-                          <a:latin typeface="Times New Roman" panose="02020603050405020304" pitchFamily="18" charset="0"/>
-                          <a:ea typeface="新細明體" panose="02020500000000000000" pitchFamily="18" charset="-120"/>
-                        </a:rPr>
-                        <a:t>epochs</a:t>
-                      </a:r>
-                    </a:p>
-                  </a:txBody>
-                  <a:tcPr marL="9525" marR="9525" marT="9525" marB="0" anchor="ctr">
-                    <a:lnL>
-                      <a:noFill/>
-                    </a:lnL>
-                    <a:lnR w="6350" cap="flat" cmpd="sng" algn="ctr">
-                      <a:solidFill>
-                        <a:srgbClr val="000000"/>
-                      </a:solidFill>
-                      <a:prstDash val="solid"/>
-                      <a:round/>
-                      <a:headEnd type="none" w="med" len="med"/>
-                      <a:tailEnd type="none" w="med" len="med"/>
-                    </a:lnR>
-                    <a:lnT>
-                      <a:noFill/>
-                    </a:lnT>
-                    <a:lnB>
-                      <a:noFill/>
-                    </a:lnB>
-                  </a:tcPr>
-                </a:tc>
-                <a:tc>
-                  <a:txBody>
-                    <a:bodyPr/>
-                    <a:lstStyle/>
-                    <a:p>
-                      <a:pPr algn="ctr" fontAlgn="ctr"/>
-                      <a:r>
-                        <a:rPr lang="en-US" altLang="zh-TW" sz="1200" b="0" i="0" u="none" strike="noStrike">
-                          <a:solidFill>
-                            <a:srgbClr val="000000"/>
-                          </a:solidFill>
-                          <a:effectLst/>
-                          <a:latin typeface="Times New Roman" panose="02020603050405020304" pitchFamily="18" charset="0"/>
-                          <a:ea typeface="新細明體" panose="02020500000000000000" pitchFamily="18" charset="-120"/>
-                        </a:rPr>
-                        <a:t>10</a:t>
-                      </a:r>
-                    </a:p>
-                  </a:txBody>
-                  <a:tcPr marL="9525" marR="9525" marT="9525" marB="0" anchor="ctr">
-                    <a:lnL w="6350" cap="flat" cmpd="sng" algn="ctr">
-                      <a:solidFill>
-                        <a:srgbClr val="000000"/>
-                      </a:solidFill>
-                      <a:prstDash val="solid"/>
-                      <a:round/>
-                      <a:headEnd type="none" w="med" len="med"/>
-                      <a:tailEnd type="none" w="med" len="med"/>
-                    </a:lnL>
-                    <a:lnR>
-                      <a:noFill/>
-                    </a:lnR>
-                    <a:lnT>
-                      <a:noFill/>
-                    </a:lnT>
-                    <a:lnB>
-                      <a:noFill/>
-                    </a:lnB>
-                  </a:tcPr>
-                </a:tc>
-                <a:extLst>
-                  <a:ext uri="{0D108BD9-81ED-4DB2-BD59-A6C34878D82A}">
-                    <a16:rowId xmlns:a16="http://schemas.microsoft.com/office/drawing/2014/main" val="2214940609"/>
-                  </a:ext>
-                </a:extLst>
-              </a:tr>
-              <a:tr h="310291">
-                <a:tc>
-                  <a:txBody>
-                    <a:bodyPr/>
-                    <a:lstStyle/>
-                    <a:p>
-                      <a:pPr algn="ctr" fontAlgn="ctr"/>
-                      <a:r>
-                        <a:rPr lang="en-US" sz="1200" b="0" i="0" u="none" strike="noStrike">
-                          <a:solidFill>
-                            <a:srgbClr val="000000"/>
-                          </a:solidFill>
-                          <a:effectLst/>
-                          <a:latin typeface="Times New Roman" panose="02020603050405020304" pitchFamily="18" charset="0"/>
-                          <a:ea typeface="新細明體" panose="02020500000000000000" pitchFamily="18" charset="-120"/>
-                        </a:rPr>
-                        <a:t>batch_size</a:t>
-                      </a:r>
-                    </a:p>
-                  </a:txBody>
-                  <a:tcPr marL="9525" marR="9525" marT="9525" marB="0" anchor="ctr">
-                    <a:lnL>
-                      <a:noFill/>
-                    </a:lnL>
-                    <a:lnR w="6350" cap="flat" cmpd="sng" algn="ctr">
-                      <a:solidFill>
-                        <a:srgbClr val="000000"/>
-                      </a:solidFill>
-                      <a:prstDash val="solid"/>
-                      <a:round/>
-                      <a:headEnd type="none" w="med" len="med"/>
-                      <a:tailEnd type="none" w="med" len="med"/>
-                    </a:lnR>
-                    <a:lnT>
-                      <a:noFill/>
-                    </a:lnT>
-                    <a:lnB>
-                      <a:noFill/>
-                    </a:lnB>
-                  </a:tcPr>
-                </a:tc>
-                <a:tc>
-                  <a:txBody>
-                    <a:bodyPr/>
-                    <a:lstStyle/>
-                    <a:p>
-                      <a:pPr algn="ctr" fontAlgn="ctr"/>
-                      <a:r>
-                        <a:rPr lang="en-US" altLang="zh-TW" sz="1200" b="0" i="0" u="none" strike="noStrike">
-                          <a:solidFill>
-                            <a:srgbClr val="000000"/>
-                          </a:solidFill>
-                          <a:effectLst/>
-                          <a:latin typeface="Times New Roman" panose="02020603050405020304" pitchFamily="18" charset="0"/>
-                          <a:ea typeface="新細明體" panose="02020500000000000000" pitchFamily="18" charset="-120"/>
-                        </a:rPr>
-                        <a:t>16</a:t>
-                      </a:r>
-                    </a:p>
-                  </a:txBody>
-                  <a:tcPr marL="9525" marR="9525" marT="9525" marB="0" anchor="ctr">
-                    <a:lnL w="6350" cap="flat" cmpd="sng" algn="ctr">
-                      <a:solidFill>
-                        <a:srgbClr val="000000"/>
-                      </a:solidFill>
-                      <a:prstDash val="solid"/>
-                      <a:round/>
-                      <a:headEnd type="none" w="med" len="med"/>
-                      <a:tailEnd type="none" w="med" len="med"/>
-                    </a:lnL>
-                    <a:lnR>
-                      <a:noFill/>
-                    </a:lnR>
-                    <a:lnT>
-                      <a:noFill/>
-                    </a:lnT>
-                    <a:lnB>
-                      <a:noFill/>
-                    </a:lnB>
-                  </a:tcPr>
-                </a:tc>
-                <a:extLst>
-                  <a:ext uri="{0D108BD9-81ED-4DB2-BD59-A6C34878D82A}">
-                    <a16:rowId xmlns:a16="http://schemas.microsoft.com/office/drawing/2014/main" val="1177425686"/>
-                  </a:ext>
-                </a:extLst>
-              </a:tr>
-              <a:tr h="310291">
-                <a:tc>
-                  <a:txBody>
-                    <a:bodyPr/>
-                    <a:lstStyle/>
-                    <a:p>
-                      <a:pPr algn="ctr" fontAlgn="ctr"/>
-                      <a:r>
-                        <a:rPr lang="en-US" sz="1200" b="0" i="0" u="none" strike="noStrike">
-                          <a:solidFill>
-                            <a:srgbClr val="000000"/>
-                          </a:solidFill>
-                          <a:effectLst/>
-                          <a:latin typeface="Times New Roman" panose="02020603050405020304" pitchFamily="18" charset="0"/>
-                          <a:ea typeface="新細明體" panose="02020500000000000000" pitchFamily="18" charset="-120"/>
-                        </a:rPr>
-                        <a:t>learning_rate</a:t>
-                      </a:r>
-                    </a:p>
-                  </a:txBody>
-                  <a:tcPr marL="9525" marR="9525" marT="9525" marB="0" anchor="ctr">
-                    <a:lnL>
-                      <a:noFill/>
-                    </a:lnL>
-                    <a:lnR w="6350" cap="flat" cmpd="sng" algn="ctr">
-                      <a:solidFill>
-                        <a:srgbClr val="000000"/>
-                      </a:solidFill>
-                      <a:prstDash val="solid"/>
-                      <a:round/>
-                      <a:headEnd type="none" w="med" len="med"/>
-                      <a:tailEnd type="none" w="med" len="med"/>
-                    </a:lnR>
-                    <a:lnT>
-                      <a:noFill/>
-                    </a:lnT>
-                    <a:lnB>
-                      <a:noFill/>
-                    </a:lnB>
-                  </a:tcPr>
-                </a:tc>
-                <a:tc>
-                  <a:txBody>
-                    <a:bodyPr/>
-                    <a:lstStyle/>
-                    <a:p>
-                      <a:pPr algn="ctr" fontAlgn="ctr"/>
-                      <a:r>
-                        <a:rPr lang="en-US" sz="1200" b="0" i="0" u="none" strike="noStrike" dirty="0" smtClean="0">
-                          <a:solidFill>
-                            <a:srgbClr val="000000"/>
-                          </a:solidFill>
-                          <a:effectLst/>
-                          <a:latin typeface="Times New Roman" panose="02020603050405020304" pitchFamily="18" charset="0"/>
-                          <a:ea typeface="新細明體" panose="02020500000000000000" pitchFamily="18" charset="-120"/>
-                        </a:rPr>
-                        <a:t>1e-5</a:t>
-                      </a:r>
-                      <a:endParaRPr lang="en-US" sz="1200" b="0" i="0" u="none" strike="noStrike" dirty="0">
-                        <a:solidFill>
-                          <a:srgbClr val="000000"/>
-                        </a:solidFill>
-                        <a:effectLst/>
-                        <a:latin typeface="Times New Roman" panose="02020603050405020304" pitchFamily="18" charset="0"/>
-                        <a:ea typeface="新細明體" panose="02020500000000000000" pitchFamily="18" charset="-120"/>
-                      </a:endParaRPr>
-                    </a:p>
-                  </a:txBody>
-                  <a:tcPr marL="9525" marR="9525" marT="9525" marB="0" anchor="ctr">
-                    <a:lnL w="6350" cap="flat" cmpd="sng" algn="ctr">
-                      <a:solidFill>
-                        <a:srgbClr val="000000"/>
-                      </a:solidFill>
-                      <a:prstDash val="solid"/>
-                      <a:round/>
-                      <a:headEnd type="none" w="med" len="med"/>
-                      <a:tailEnd type="none" w="med" len="med"/>
-                    </a:lnL>
-                    <a:lnR>
-                      <a:noFill/>
-                    </a:lnR>
-                    <a:lnT>
-                      <a:noFill/>
-                    </a:lnT>
-                    <a:lnB>
-                      <a:noFill/>
-                    </a:lnB>
-                  </a:tcPr>
-                </a:tc>
-                <a:extLst>
-                  <a:ext uri="{0D108BD9-81ED-4DB2-BD59-A6C34878D82A}">
-                    <a16:rowId xmlns:a16="http://schemas.microsoft.com/office/drawing/2014/main" val="371204039"/>
-                  </a:ext>
-                </a:extLst>
-              </a:tr>
-              <a:tr h="310291">
-                <a:tc>
-                  <a:txBody>
-                    <a:bodyPr/>
-                    <a:lstStyle/>
-                    <a:p>
-                      <a:pPr algn="ctr" fontAlgn="ctr"/>
-                      <a:r>
-                        <a:rPr lang="en-US" sz="1200" b="0" i="0" u="none" strike="noStrike">
-                          <a:solidFill>
-                            <a:srgbClr val="000000"/>
-                          </a:solidFill>
-                          <a:effectLst/>
-                          <a:latin typeface="Times New Roman" panose="02020603050405020304" pitchFamily="18" charset="0"/>
-                          <a:ea typeface="新細明體" panose="02020500000000000000" pitchFamily="18" charset="-120"/>
-                        </a:rPr>
-                        <a:t>max_len</a:t>
-                      </a:r>
-                    </a:p>
-                  </a:txBody>
-                  <a:tcPr marL="9525" marR="9525" marT="9525" marB="0" anchor="ctr">
-                    <a:lnL>
-                      <a:noFill/>
-                    </a:lnL>
-                    <a:lnR w="6350" cap="flat" cmpd="sng" algn="ctr">
-                      <a:solidFill>
-                        <a:srgbClr val="000000"/>
-                      </a:solidFill>
-                      <a:prstDash val="solid"/>
-                      <a:round/>
-                      <a:headEnd type="none" w="med" len="med"/>
-                      <a:tailEnd type="none" w="med" len="med"/>
-                    </a:lnR>
-                    <a:lnT>
-                      <a:noFill/>
-                    </a:lnT>
-                    <a:lnB>
-                      <a:noFill/>
-                    </a:lnB>
-                  </a:tcPr>
-                </a:tc>
-                <a:tc>
-                  <a:txBody>
-                    <a:bodyPr/>
-                    <a:lstStyle/>
-                    <a:p>
-                      <a:pPr algn="ctr" fontAlgn="ctr"/>
-                      <a:r>
-                        <a:rPr lang="en-US" altLang="zh-TW" sz="1200" b="0" i="0" u="none" strike="noStrike">
-                          <a:solidFill>
-                            <a:srgbClr val="000000"/>
-                          </a:solidFill>
-                          <a:effectLst/>
-                          <a:latin typeface="Times New Roman" panose="02020603050405020304" pitchFamily="18" charset="0"/>
-                          <a:ea typeface="新細明體" panose="02020500000000000000" pitchFamily="18" charset="-120"/>
-                        </a:rPr>
-                        <a:t>300</a:t>
-                      </a:r>
-                    </a:p>
-                  </a:txBody>
-                  <a:tcPr marL="9525" marR="9525" marT="9525" marB="0" anchor="ctr">
-                    <a:lnL w="6350" cap="flat" cmpd="sng" algn="ctr">
-                      <a:solidFill>
-                        <a:srgbClr val="000000"/>
-                      </a:solidFill>
-                      <a:prstDash val="solid"/>
-                      <a:round/>
-                      <a:headEnd type="none" w="med" len="med"/>
-                      <a:tailEnd type="none" w="med" len="med"/>
-                    </a:lnL>
-                    <a:lnR>
-                      <a:noFill/>
-                    </a:lnR>
-                    <a:lnT>
-                      <a:noFill/>
-                    </a:lnT>
-                    <a:lnB>
-                      <a:noFill/>
-                    </a:lnB>
-                  </a:tcPr>
-                </a:tc>
-                <a:extLst>
-                  <a:ext uri="{0D108BD9-81ED-4DB2-BD59-A6C34878D82A}">
-                    <a16:rowId xmlns:a16="http://schemas.microsoft.com/office/drawing/2014/main" val="2085804270"/>
-                  </a:ext>
-                </a:extLst>
-              </a:tr>
-              <a:tr h="324394">
-                <a:tc>
-                  <a:txBody>
-                    <a:bodyPr/>
-                    <a:lstStyle/>
-                    <a:p>
-                      <a:pPr algn="ctr" fontAlgn="ctr"/>
-                      <a:r>
-                        <a:rPr lang="en-US" sz="1200" b="0" i="0" u="none" strike="noStrike">
-                          <a:solidFill>
-                            <a:srgbClr val="000000"/>
-                          </a:solidFill>
-                          <a:effectLst/>
-                          <a:latin typeface="Times New Roman" panose="02020603050405020304" pitchFamily="18" charset="0"/>
-                          <a:ea typeface="新細明體" panose="02020500000000000000" pitchFamily="18" charset="-120"/>
-                        </a:rPr>
-                        <a:t>loss_func</a:t>
-                      </a:r>
-                    </a:p>
-                  </a:txBody>
-                  <a:tcPr marL="9525" marR="9525" marT="9525" marB="0" anchor="ctr">
-                    <a:lnL>
-                      <a:noFill/>
-                    </a:lnL>
-                    <a:lnR w="6350" cap="flat" cmpd="sng" algn="ctr">
-                      <a:solidFill>
-                        <a:srgbClr val="000000"/>
-                      </a:solidFill>
-                      <a:prstDash val="solid"/>
-                      <a:round/>
-                      <a:headEnd type="none" w="med" len="med"/>
-                      <a:tailEnd type="none" w="med" len="med"/>
-                    </a:lnR>
-                    <a:lnT>
-                      <a:noFill/>
-                    </a:lnT>
-                    <a:lnB w="25400" cap="flat" cmpd="dbl" algn="ctr">
-                      <a:solidFill>
-                        <a:srgbClr val="000000"/>
-                      </a:solidFill>
-                      <a:prstDash val="solid"/>
-                      <a:round/>
-                      <a:headEnd type="none" w="med" len="med"/>
-                      <a:tailEnd type="none" w="med" len="med"/>
-                    </a:lnB>
-                  </a:tcPr>
-                </a:tc>
-                <a:tc>
-                  <a:txBody>
-                    <a:bodyPr/>
-                    <a:lstStyle/>
-                    <a:p>
-                      <a:pPr algn="ctr" fontAlgn="ctr"/>
-                      <a:r>
-                        <a:rPr lang="en-US" sz="1200" b="0" i="0" u="none" strike="noStrike" dirty="0">
-                          <a:solidFill>
-                            <a:srgbClr val="000000"/>
-                          </a:solidFill>
-                          <a:effectLst/>
-                          <a:latin typeface="Times New Roman" panose="02020603050405020304" pitchFamily="18" charset="0"/>
-                          <a:ea typeface="新細明體" panose="02020500000000000000" pitchFamily="18" charset="-120"/>
-                        </a:rPr>
-                        <a:t> CrossEntropyLoss</a:t>
-                      </a:r>
-                    </a:p>
-                  </a:txBody>
-                  <a:tcPr marL="9525" marR="9525" marT="9525" marB="0" anchor="ctr">
-                    <a:lnL w="6350" cap="flat" cmpd="sng" algn="ctr">
-                      <a:solidFill>
-                        <a:srgbClr val="000000"/>
-                      </a:solidFill>
-                      <a:prstDash val="solid"/>
-                      <a:round/>
-                      <a:headEnd type="none" w="med" len="med"/>
-                      <a:tailEnd type="none" w="med" len="med"/>
-                    </a:lnL>
-                    <a:lnR>
-                      <a:noFill/>
-                    </a:lnR>
-                    <a:lnT>
-                      <a:noFill/>
-                    </a:lnT>
-                    <a:lnB w="25400" cap="flat" cmpd="dbl" algn="ctr">
-                      <a:solidFill>
-                        <a:srgbClr val="000000"/>
-                      </a:solidFill>
-                      <a:prstDash val="solid"/>
-                      <a:round/>
-                      <a:headEnd type="none" w="med" len="med"/>
-                      <a:tailEnd type="none" w="med" len="med"/>
-                    </a:lnB>
-                  </a:tcPr>
-                </a:tc>
-                <a:extLst>
-                  <a:ext uri="{0D108BD9-81ED-4DB2-BD59-A6C34878D82A}">
-                    <a16:rowId xmlns:a16="http://schemas.microsoft.com/office/drawing/2014/main" val="3929363977"/>
-                  </a:ext>
-                </a:extLst>
-              </a:tr>
-            </a:tbl>
-          </a:graphicData>
-        </a:graphic>
-      </p:graphicFrame>
-    </p:spTree>
-    <p:extLst>
-      <p:ext uri="{BB962C8B-B14F-4D97-AF65-F5344CB8AC3E}">
-        <p14:creationId xmlns:p14="http://schemas.microsoft.com/office/powerpoint/2010/main" val="168961940"/>
       </p:ext>
     </p:extLst>
   </p:cSld>
@@ -10736,7 +8935,7 @@
         <p:spPr>
           <a:xfrm>
             <a:off x="4920999" y="4996114"/>
-            <a:ext cx="1927860" cy="307777"/>
+            <a:ext cx="2297486" cy="307777"/>
           </a:xfrm>
           <a:prstGeom prst="rect">
             <a:avLst/>
@@ -13317,7 +11516,7 @@
               <a:buAutoNum type="arabicPeriod"/>
             </a:pPr>
             <a:r>
-              <a:rPr lang="en-US" altLang="zh-TW" sz="1600" u="sng" dirty="0" smtClean="0">
+              <a:rPr lang="en-US" altLang="zh-TW" sz="1600" b="1" u="sng" dirty="0" smtClean="0">
                 <a:latin typeface="微軟正黑體" panose="020B0604030504040204" pitchFamily="34" charset="-120"/>
                 <a:ea typeface="微軟正黑體" panose="020B0604030504040204" pitchFamily="34" charset="-120"/>
               </a:rPr>
@@ -13672,7 +11871,7 @@
               <a:rPr lang="en-US" altLang="zh-TW" sz="3200" dirty="0" smtClean="0">
                 <a:latin typeface="Arial Black" panose="020B0A04020102020204" pitchFamily="34" charset="0"/>
               </a:rPr>
-              <a:t>Discussion &amp; Conclusion </a:t>
+              <a:t>Conclusion </a:t>
             </a:r>
             <a:endParaRPr lang="zh-TW" altLang="en-US" sz="3200" dirty="0">
               <a:latin typeface="Arial Black" panose="020B0A04020102020204" pitchFamily="34" charset="0"/>
@@ -13857,81 +12056,96 @@
       </p:sp>
       <p:grpSp>
         <p:nvGrpSpPr>
-          <p:cNvPr id="10" name="群組 9"/>
+          <p:cNvPr id="5" name="群組 4"/>
           <p:cNvGrpSpPr/>
           <p:nvPr/>
         </p:nvGrpSpPr>
         <p:grpSpPr>
           <a:xfrm>
-            <a:off x="2421941" y="1813559"/>
-            <a:ext cx="1062993" cy="2699323"/>
-            <a:chOff x="2421941" y="1813559"/>
-            <a:chExt cx="1062993" cy="2699323"/>
+            <a:off x="2421944" y="1813560"/>
+            <a:ext cx="1062993" cy="2758638"/>
+            <a:chOff x="2421944" y="1813560"/>
+            <a:chExt cx="1062993" cy="2758638"/>
           </a:xfrm>
         </p:grpSpPr>
+        <p:grpSp>
+          <p:nvGrpSpPr>
+            <p:cNvPr id="10" name="群組 9"/>
+            <p:cNvGrpSpPr/>
+            <p:nvPr/>
+          </p:nvGrpSpPr>
+          <p:grpSpPr>
+            <a:xfrm>
+              <a:off x="2421944" y="1813560"/>
+              <a:ext cx="1062993" cy="1636329"/>
+              <a:chOff x="2421944" y="1813560"/>
+              <a:chExt cx="1062993" cy="1636329"/>
+            </a:xfrm>
+          </p:grpSpPr>
+          <p:pic>
+            <p:nvPicPr>
+              <p:cNvPr id="3" name="圖片 2"/>
+              <p:cNvPicPr>
+                <a:picLocks noChangeAspect="1"/>
+              </p:cNvPicPr>
+              <p:nvPr/>
+            </p:nvPicPr>
+            <p:blipFill>
+              <a:blip r:embed="rId2">
+                <a:extLst>
+                  <a:ext uri="{28A0092B-C50C-407E-A947-70E740481C1C}">
+                    <a14:useLocalDpi xmlns:a14="http://schemas.microsoft.com/office/drawing/2010/main" val="0"/>
+                  </a:ext>
+                </a:extLst>
+              </a:blip>
+              <a:stretch>
+                <a:fillRect/>
+              </a:stretch>
+            </p:blipFill>
+            <p:spPr>
+              <a:xfrm>
+                <a:off x="2421944" y="1813560"/>
+                <a:ext cx="1062993" cy="1062993"/>
+              </a:xfrm>
+              <a:prstGeom prst="rect">
+                <a:avLst/>
+              </a:prstGeom>
+            </p:spPr>
+          </p:pic>
+          <p:pic>
+            <p:nvPicPr>
+              <p:cNvPr id="13" name="圖片 12"/>
+              <p:cNvPicPr>
+                <a:picLocks noChangeAspect="1"/>
+              </p:cNvPicPr>
+              <p:nvPr/>
+            </p:nvPicPr>
+            <p:blipFill>
+              <a:blip r:embed="rId3">
+                <a:extLst>
+                  <a:ext uri="{28A0092B-C50C-407E-A947-70E740481C1C}">
+                    <a14:useLocalDpi xmlns:a14="http://schemas.microsoft.com/office/drawing/2010/main" val="0"/>
+                  </a:ext>
+                </a:extLst>
+              </a:blip>
+              <a:stretch>
+                <a:fillRect/>
+              </a:stretch>
+            </p:blipFill>
+            <p:spPr>
+              <a:xfrm flipH="1">
+                <a:off x="2617469" y="2777945"/>
+                <a:ext cx="671944" cy="671944"/>
+              </a:xfrm>
+              <a:prstGeom prst="rect">
+                <a:avLst/>
+              </a:prstGeom>
+            </p:spPr>
+          </p:pic>
+        </p:grpSp>
         <p:pic>
           <p:nvPicPr>
-            <p:cNvPr id="3" name="圖片 2"/>
-            <p:cNvPicPr>
-              <a:picLocks noChangeAspect="1"/>
-            </p:cNvPicPr>
-            <p:nvPr/>
-          </p:nvPicPr>
-          <p:blipFill>
-            <a:blip r:embed="rId2">
-              <a:extLst>
-                <a:ext uri="{28A0092B-C50C-407E-A947-70E740481C1C}">
-                  <a14:useLocalDpi xmlns:a14="http://schemas.microsoft.com/office/drawing/2010/main" val="0"/>
-                </a:ext>
-              </a:extLst>
-            </a:blip>
-            <a:stretch>
-              <a:fillRect/>
-            </a:stretch>
-          </p:blipFill>
-          <p:spPr>
-            <a:xfrm>
-              <a:off x="2421941" y="3449889"/>
-              <a:ext cx="1062993" cy="1062993"/>
-            </a:xfrm>
-            <a:prstGeom prst="rect">
-              <a:avLst/>
-            </a:prstGeom>
-          </p:spPr>
-        </p:pic>
-        <p:pic>
-          <p:nvPicPr>
-            <p:cNvPr id="7" name="圖片 6"/>
-            <p:cNvPicPr>
-              <a:picLocks noChangeAspect="1"/>
-            </p:cNvPicPr>
-            <p:nvPr/>
-          </p:nvPicPr>
-          <p:blipFill>
-            <a:blip r:embed="rId3">
-              <a:extLst>
-                <a:ext uri="{28A0092B-C50C-407E-A947-70E740481C1C}">
-                  <a14:useLocalDpi xmlns:a14="http://schemas.microsoft.com/office/drawing/2010/main" val="0"/>
-                </a:ext>
-              </a:extLst>
-            </a:blip>
-            <a:stretch>
-              <a:fillRect/>
-            </a:stretch>
-          </p:blipFill>
-          <p:spPr>
-            <a:xfrm>
-              <a:off x="2450519" y="1813559"/>
-              <a:ext cx="1005839" cy="1005839"/>
-            </a:xfrm>
-            <a:prstGeom prst="rect">
-              <a:avLst/>
-            </a:prstGeom>
-          </p:spPr>
-        </p:pic>
-        <p:pic>
-          <p:nvPicPr>
-            <p:cNvPr id="13" name="圖片 12"/>
+            <p:cNvPr id="2" name="圖片 1"/>
             <p:cNvPicPr>
               <a:picLocks noChangeAspect="1"/>
             </p:cNvPicPr>
@@ -13950,9 +12164,9 @@
             </a:stretch>
           </p:blipFill>
           <p:spPr>
-            <a:xfrm flipH="1">
-              <a:off x="2617469" y="2777945"/>
-              <a:ext cx="671944" cy="671944"/>
+            <a:xfrm>
+              <a:off x="2431526" y="3528370"/>
+              <a:ext cx="1043828" cy="1043828"/>
             </a:xfrm>
             <a:prstGeom prst="rect">
               <a:avLst/>
@@ -14012,404 +12226,6 @@
           <a:bodyPr/>
           <a:lstStyle/>
           <a:p>
-            <a:fld id="{AB466D01-7706-436F-9F52-242116AE38B2}" type="datetime1">
-              <a:rPr lang="en-US" altLang="zh-TW" smtClean="0"/>
-              <a:t>8/5/2021</a:t>
-            </a:fld>
-            <a:endParaRPr lang="en-US" dirty="0"/>
-          </a:p>
-        </p:txBody>
-      </p:sp>
-      <p:sp>
-        <p:nvSpPr>
-          <p:cNvPr id="6" name="投影片編號版面配置區 5"/>
-          <p:cNvSpPr>
-            <a:spLocks noGrp="1"/>
-          </p:cNvSpPr>
-          <p:nvPr>
-            <p:ph type="sldNum" sz="quarter" idx="12"/>
-          </p:nvPr>
-        </p:nvSpPr>
-        <p:spPr/>
-        <p:txBody>
-          <a:bodyPr/>
-          <a:lstStyle/>
-          <a:p>
-            <a:fld id="{8A7A6979-0714-4377-B894-6BE4C2D6E202}" type="slidenum">
-              <a:rPr lang="en-US" smtClean="0"/>
-              <a:pPr/>
-              <a:t>15</a:t>
-            </a:fld>
-            <a:endParaRPr lang="en-US" dirty="0"/>
-          </a:p>
-        </p:txBody>
-      </p:sp>
-      <p:sp>
-        <p:nvSpPr>
-          <p:cNvPr id="8" name="文字方塊 7"/>
-          <p:cNvSpPr txBox="1"/>
-          <p:nvPr/>
-        </p:nvSpPr>
-        <p:spPr>
-          <a:xfrm>
-            <a:off x="4076588" y="1955806"/>
-            <a:ext cx="6034566" cy="584775"/>
-          </a:xfrm>
-          <a:prstGeom prst="rect">
-            <a:avLst/>
-          </a:prstGeom>
-          <a:noFill/>
-        </p:spPr>
-        <p:txBody>
-          <a:bodyPr wrap="square" rtlCol="0">
-            <a:spAutoFit/>
-          </a:bodyPr>
-          <a:lstStyle/>
-          <a:p>
-            <a:r>
-              <a:rPr lang="en-US" altLang="zh-TW" sz="3200" dirty="0" smtClean="0">
-                <a:latin typeface="Arial Black" panose="020B0A04020102020204" pitchFamily="34" charset="0"/>
-              </a:rPr>
-              <a:t>Goals</a:t>
-            </a:r>
-            <a:endParaRPr lang="zh-TW" altLang="en-US" sz="3200" dirty="0">
-              <a:latin typeface="Arial Black" panose="020B0A04020102020204" pitchFamily="34" charset="0"/>
-            </a:endParaRPr>
-          </a:p>
-        </p:txBody>
-      </p:sp>
-      <p:sp>
-        <p:nvSpPr>
-          <p:cNvPr id="9" name="文字方塊 8"/>
-          <p:cNvSpPr txBox="1"/>
-          <p:nvPr/>
-        </p:nvSpPr>
-        <p:spPr>
-          <a:xfrm>
-            <a:off x="4076588" y="2876553"/>
-            <a:ext cx="6682334" cy="3416320"/>
-          </a:xfrm>
-          <a:prstGeom prst="rect">
-            <a:avLst/>
-          </a:prstGeom>
-          <a:noFill/>
-        </p:spPr>
-        <p:txBody>
-          <a:bodyPr wrap="square" rtlCol="0">
-            <a:spAutoFit/>
-          </a:bodyPr>
-          <a:lstStyle/>
-          <a:p>
-            <a:pPr marL="285750" indent="-285750">
-              <a:lnSpc>
-                <a:spcPct val="150000"/>
-              </a:lnSpc>
-              <a:buFont typeface="Arial" panose="020B0604020202020204" pitchFamily="34" charset="0"/>
-              <a:buChar char="•"/>
-            </a:pPr>
-            <a:r>
-              <a:rPr lang="en-US" altLang="zh-TW" sz="1600" b="1" dirty="0" smtClean="0">
-                <a:latin typeface="微軟正黑體" panose="020B0604030504040204" pitchFamily="34" charset="-120"/>
-                <a:ea typeface="微軟正黑體" panose="020B0604030504040204" pitchFamily="34" charset="-120"/>
-              </a:rPr>
-              <a:t>Data:</a:t>
-            </a:r>
-          </a:p>
-          <a:p>
-            <a:pPr marL="342900" indent="-342900">
-              <a:lnSpc>
-                <a:spcPct val="150000"/>
-              </a:lnSpc>
-              <a:buFont typeface="+mj-lt"/>
-              <a:buAutoNum type="arabicPeriod"/>
-            </a:pPr>
-            <a:r>
-              <a:rPr lang="en-US" altLang="zh-TW" sz="1600" dirty="0" smtClean="0">
-                <a:latin typeface="微軟正黑體" panose="020B0604030504040204" pitchFamily="34" charset="-120"/>
-                <a:ea typeface="微軟正黑體" panose="020B0604030504040204" pitchFamily="34" charset="-120"/>
-              </a:rPr>
-              <a:t>More thoroughly understand the data source</a:t>
-            </a:r>
-          </a:p>
-          <a:p>
-            <a:pPr marL="342900" indent="-342900">
-              <a:lnSpc>
-                <a:spcPct val="150000"/>
-              </a:lnSpc>
-              <a:buFont typeface="+mj-lt"/>
-              <a:buAutoNum type="arabicPeriod"/>
-            </a:pPr>
-            <a:r>
-              <a:rPr lang="en-US" altLang="zh-TW" sz="1600" dirty="0" smtClean="0">
-                <a:latin typeface="微軟正黑體" panose="020B0604030504040204" pitchFamily="34" charset="-120"/>
-                <a:ea typeface="微軟正黑體" panose="020B0604030504040204" pitchFamily="34" charset="-120"/>
-              </a:rPr>
-              <a:t>Add more data patterns to annotation step</a:t>
-            </a:r>
-          </a:p>
-          <a:p>
-            <a:pPr marL="285750" indent="-285750">
-              <a:lnSpc>
-                <a:spcPct val="150000"/>
-              </a:lnSpc>
-              <a:buFont typeface="Arial" panose="020B0604020202020204" pitchFamily="34" charset="0"/>
-              <a:buChar char="•"/>
-            </a:pPr>
-            <a:r>
-              <a:rPr lang="en-US" altLang="zh-TW" sz="1600" b="1" dirty="0" smtClean="0">
-                <a:latin typeface="微軟正黑體" panose="020B0604030504040204" pitchFamily="34" charset="-120"/>
-                <a:ea typeface="微軟正黑體" panose="020B0604030504040204" pitchFamily="34" charset="-120"/>
-              </a:rPr>
-              <a:t>Model:</a:t>
-            </a:r>
-          </a:p>
-          <a:p>
-            <a:pPr marL="342900" indent="-342900">
-              <a:lnSpc>
-                <a:spcPct val="150000"/>
-              </a:lnSpc>
-              <a:buFont typeface="+mj-lt"/>
-              <a:buAutoNum type="arabicPeriod"/>
-            </a:pPr>
-            <a:r>
-              <a:rPr lang="en-US" altLang="zh-TW" sz="1600" dirty="0" smtClean="0">
-                <a:latin typeface="微軟正黑體" panose="020B0604030504040204" pitchFamily="34" charset="-120"/>
-                <a:ea typeface="微軟正黑體" panose="020B0604030504040204" pitchFamily="34" charset="-120"/>
-              </a:rPr>
-              <a:t>Best model hyper parameter and dynamic tuning technique </a:t>
-            </a:r>
-          </a:p>
-          <a:p>
-            <a:pPr marL="342900" indent="-342900">
-              <a:lnSpc>
-                <a:spcPct val="150000"/>
-              </a:lnSpc>
-              <a:buFont typeface="+mj-lt"/>
-              <a:buAutoNum type="arabicPeriod"/>
-            </a:pPr>
-            <a:r>
-              <a:rPr lang="en-US" altLang="zh-TW" sz="1600" dirty="0">
-                <a:latin typeface="微軟正黑體" panose="020B0604030504040204" pitchFamily="34" charset="-120"/>
-                <a:ea typeface="微軟正黑體" panose="020B0604030504040204" pitchFamily="34" charset="-120"/>
-              </a:rPr>
-              <a:t>F</a:t>
-            </a:r>
-            <a:r>
-              <a:rPr lang="en-US" altLang="zh-TW" sz="1600" dirty="0" smtClean="0">
-                <a:latin typeface="微軟正黑體" panose="020B0604030504040204" pitchFamily="34" charset="-120"/>
-                <a:ea typeface="微軟正黑體" panose="020B0604030504040204" pitchFamily="34" charset="-120"/>
-              </a:rPr>
-              <a:t>eature engineering for annotation and training</a:t>
-            </a:r>
-          </a:p>
-          <a:p>
-            <a:pPr marL="342900" indent="-342900">
-              <a:lnSpc>
-                <a:spcPct val="150000"/>
-              </a:lnSpc>
-              <a:buFont typeface="+mj-lt"/>
-              <a:buAutoNum type="arabicPeriod"/>
-            </a:pPr>
-            <a:r>
-              <a:rPr lang="en-US" altLang="zh-TW" sz="1600" dirty="0" smtClean="0">
-                <a:latin typeface="微軟正黑體" panose="020B0604030504040204" pitchFamily="34" charset="-120"/>
-                <a:ea typeface="微軟正黑體" panose="020B0604030504040204" pitchFamily="34" charset="-120"/>
-              </a:rPr>
-              <a:t>Tokenizing implement for optimize the tokenizer</a:t>
-            </a:r>
-          </a:p>
-          <a:p>
-            <a:pPr marL="342900" indent="-342900">
-              <a:lnSpc>
-                <a:spcPct val="150000"/>
-              </a:lnSpc>
-              <a:buFont typeface="+mj-lt"/>
-              <a:buAutoNum type="arabicPeriod"/>
-            </a:pPr>
-            <a:endParaRPr lang="en-US" altLang="zh-TW" sz="1600" dirty="0" smtClean="0">
-              <a:latin typeface="微軟正黑體" panose="020B0604030504040204" pitchFamily="34" charset="-120"/>
-              <a:ea typeface="微軟正黑體" panose="020B0604030504040204" pitchFamily="34" charset="-120"/>
-            </a:endParaRPr>
-          </a:p>
-          <a:p>
-            <a:pPr marL="342900" indent="-342900">
-              <a:buFont typeface="+mj-lt"/>
-              <a:buAutoNum type="arabicPeriod"/>
-            </a:pPr>
-            <a:endParaRPr lang="en-US" altLang="zh-TW" sz="1200" b="1" dirty="0" smtClean="0">
-              <a:latin typeface="微軟正黑體" panose="020B0604030504040204" pitchFamily="34" charset="-120"/>
-              <a:ea typeface="微軟正黑體" panose="020B0604030504040204" pitchFamily="34" charset="-120"/>
-            </a:endParaRPr>
-          </a:p>
-          <a:p>
-            <a:pPr marL="342900" indent="-342900">
-              <a:buFont typeface="+mj-lt"/>
-              <a:buAutoNum type="arabicPeriod"/>
-            </a:pPr>
-            <a:endParaRPr lang="zh-TW" altLang="en-US" sz="1200" dirty="0">
-              <a:latin typeface="微軟正黑體" panose="020B0604030504040204" pitchFamily="34" charset="-120"/>
-              <a:ea typeface="微軟正黑體" panose="020B0604030504040204" pitchFamily="34" charset="-120"/>
-            </a:endParaRPr>
-          </a:p>
-        </p:txBody>
-      </p:sp>
-      <p:grpSp>
-        <p:nvGrpSpPr>
-          <p:cNvPr id="10" name="群組 9"/>
-          <p:cNvGrpSpPr/>
-          <p:nvPr/>
-        </p:nvGrpSpPr>
-        <p:grpSpPr>
-          <a:xfrm>
-            <a:off x="2421941" y="1813559"/>
-            <a:ext cx="1062993" cy="2699323"/>
-            <a:chOff x="2421941" y="1813559"/>
-            <a:chExt cx="1062993" cy="2699323"/>
-          </a:xfrm>
-        </p:grpSpPr>
-        <p:pic>
-          <p:nvPicPr>
-            <p:cNvPr id="3" name="圖片 2"/>
-            <p:cNvPicPr>
-              <a:picLocks noChangeAspect="1"/>
-            </p:cNvPicPr>
-            <p:nvPr/>
-          </p:nvPicPr>
-          <p:blipFill>
-            <a:blip r:embed="rId2">
-              <a:extLst>
-                <a:ext uri="{28A0092B-C50C-407E-A947-70E740481C1C}">
-                  <a14:useLocalDpi xmlns:a14="http://schemas.microsoft.com/office/drawing/2010/main" val="0"/>
-                </a:ext>
-              </a:extLst>
-            </a:blip>
-            <a:stretch>
-              <a:fillRect/>
-            </a:stretch>
-          </p:blipFill>
-          <p:spPr>
-            <a:xfrm>
-              <a:off x="2421941" y="3449889"/>
-              <a:ext cx="1062993" cy="1062993"/>
-            </a:xfrm>
-            <a:prstGeom prst="rect">
-              <a:avLst/>
-            </a:prstGeom>
-          </p:spPr>
-        </p:pic>
-        <p:pic>
-          <p:nvPicPr>
-            <p:cNvPr id="7" name="圖片 6"/>
-            <p:cNvPicPr>
-              <a:picLocks noChangeAspect="1"/>
-            </p:cNvPicPr>
-            <p:nvPr/>
-          </p:nvPicPr>
-          <p:blipFill>
-            <a:blip r:embed="rId3">
-              <a:extLst>
-                <a:ext uri="{28A0092B-C50C-407E-A947-70E740481C1C}">
-                  <a14:useLocalDpi xmlns:a14="http://schemas.microsoft.com/office/drawing/2010/main" val="0"/>
-                </a:ext>
-              </a:extLst>
-            </a:blip>
-            <a:stretch>
-              <a:fillRect/>
-            </a:stretch>
-          </p:blipFill>
-          <p:spPr>
-            <a:xfrm>
-              <a:off x="2450519" y="1813559"/>
-              <a:ext cx="1005839" cy="1005839"/>
-            </a:xfrm>
-            <a:prstGeom prst="rect">
-              <a:avLst/>
-            </a:prstGeom>
-          </p:spPr>
-        </p:pic>
-        <p:pic>
-          <p:nvPicPr>
-            <p:cNvPr id="13" name="圖片 12"/>
-            <p:cNvPicPr>
-              <a:picLocks noChangeAspect="1"/>
-            </p:cNvPicPr>
-            <p:nvPr/>
-          </p:nvPicPr>
-          <p:blipFill>
-            <a:blip r:embed="rId4">
-              <a:extLst>
-                <a:ext uri="{28A0092B-C50C-407E-A947-70E740481C1C}">
-                  <a14:useLocalDpi xmlns:a14="http://schemas.microsoft.com/office/drawing/2010/main" val="0"/>
-                </a:ext>
-              </a:extLst>
-            </a:blip>
-            <a:stretch>
-              <a:fillRect/>
-            </a:stretch>
-          </p:blipFill>
-          <p:spPr>
-            <a:xfrm flipH="1">
-              <a:off x="2617469" y="2777945"/>
-              <a:ext cx="671944" cy="671944"/>
-            </a:xfrm>
-            <a:prstGeom prst="rect">
-              <a:avLst/>
-            </a:prstGeom>
-          </p:spPr>
-        </p:pic>
-      </p:grpSp>
-    </p:spTree>
-    <p:extLst>
-      <p:ext uri="{BB962C8B-B14F-4D97-AF65-F5344CB8AC3E}">
-        <p14:creationId xmlns:p14="http://schemas.microsoft.com/office/powerpoint/2010/main" val="3851327138"/>
-      </p:ext>
-    </p:extLst>
-  </p:cSld>
-  <p:clrMapOvr>
-    <a:masterClrMapping/>
-  </p:clrMapOvr>
-  <p:timing>
-    <p:tnLst>
-      <p:par>
-        <p:cTn id="1" dur="indefinite" restart="never" nodeType="tmRoot"/>
-      </p:par>
-    </p:tnLst>
-  </p:timing>
-</p:sld>
-</file>
-
-<file path=ppt/slides/slide16.xml><?xml version="1.0" encoding="utf-8"?>
-<p:sld xmlns:a="http://schemas.openxmlformats.org/drawingml/2006/main" xmlns:r="http://schemas.openxmlformats.org/officeDocument/2006/relationships" xmlns:p="http://schemas.openxmlformats.org/presentationml/2006/main">
-  <p:cSld>
-    <p:spTree>
-      <p:nvGrpSpPr>
-        <p:cNvPr id="1" name=""/>
-        <p:cNvGrpSpPr/>
-        <p:nvPr/>
-      </p:nvGrpSpPr>
-      <p:grpSpPr>
-        <a:xfrm>
-          <a:off x="0" y="0"/>
-          <a:ext cx="0" cy="0"/>
-          <a:chOff x="0" y="0"/>
-          <a:chExt cx="0" cy="0"/>
-        </a:xfrm>
-      </p:grpSpPr>
-      <p:sp>
-        <p:nvSpPr>
-          <p:cNvPr id="4" name="日期版面配置區 3"/>
-          <p:cNvSpPr>
-            <a:spLocks noGrp="1"/>
-          </p:cNvSpPr>
-          <p:nvPr>
-            <p:ph type="dt" sz="half" idx="10"/>
-          </p:nvPr>
-        </p:nvSpPr>
-        <p:spPr/>
-        <p:txBody>
-          <a:bodyPr/>
-          <a:lstStyle/>
-          <a:p>
             <a:fld id="{717C4B98-A51E-4049-8774-1A461F0E67F1}" type="datetime1">
               <a:rPr lang="en-US" altLang="zh-TW" smtClean="0"/>
               <a:t>8/5/2021</a:t>
@@ -14436,7 +12252,7 @@
             <a:fld id="{8A7A6979-0714-4377-B894-6BE4C2D6E202}" type="slidenum">
               <a:rPr lang="en-US" smtClean="0"/>
               <a:pPr/>
-              <a:t>16</a:t>
+              <a:t>15</a:t>
             </a:fld>
             <a:endParaRPr lang="en-US" dirty="0"/>
           </a:p>
@@ -14977,7 +12793,7 @@
 </p:sld>
 </file>
 
-<file path=ppt/slides/slide17.xml><?xml version="1.0" encoding="utf-8"?>
+<file path=ppt/slides/slide16.xml><?xml version="1.0" encoding="utf-8"?>
 <p:sld xmlns:a="http://schemas.openxmlformats.org/drawingml/2006/main" xmlns:r="http://schemas.openxmlformats.org/officeDocument/2006/relationships" xmlns:p="http://schemas.openxmlformats.org/presentationml/2006/main">
   <p:cSld>
     <p:spTree>
@@ -15035,7 +12851,7 @@
             <a:fld id="{8A7A6979-0714-4377-B894-6BE4C2D6E202}" type="slidenum">
               <a:rPr lang="en-US" smtClean="0"/>
               <a:pPr/>
-              <a:t>17</a:t>
+              <a:t>16</a:t>
             </a:fld>
             <a:endParaRPr lang="en-US" dirty="0"/>
           </a:p>
@@ -15049,7 +12865,7 @@
         </p:nvGrpSpPr>
         <p:grpSpPr>
           <a:xfrm>
-            <a:off x="822960" y="157941"/>
+            <a:off x="787791" y="353613"/>
             <a:ext cx="10523913" cy="5968538"/>
             <a:chOff x="822960" y="157941"/>
             <a:chExt cx="10523913" cy="5968538"/>
@@ -16029,6 +13845,40 @@
           </p:txBody>
         </p:sp>
       </p:grpSp>
+      <p:sp>
+        <p:nvSpPr>
+          <p:cNvPr id="28" name="文字方塊 27"/>
+          <p:cNvSpPr txBox="1"/>
+          <p:nvPr/>
+        </p:nvSpPr>
+        <p:spPr>
+          <a:xfrm>
+            <a:off x="344303" y="159535"/>
+            <a:ext cx="2471793" cy="584775"/>
+          </a:xfrm>
+          <a:prstGeom prst="rect">
+            <a:avLst/>
+          </a:prstGeom>
+          <a:noFill/>
+        </p:spPr>
+        <p:txBody>
+          <a:bodyPr wrap="square" rtlCol="0">
+            <a:spAutoFit/>
+          </a:bodyPr>
+          <a:lstStyle/>
+          <a:p>
+            <a:r>
+              <a:rPr lang="en-US" altLang="zh-TW" sz="3200" dirty="0" smtClean="0">
+                <a:latin typeface="Arial Black" panose="020B0A04020102020204" pitchFamily="34" charset="0"/>
+              </a:rPr>
+              <a:t>Roadmap</a:t>
+            </a:r>
+            <a:endParaRPr lang="zh-TW" altLang="en-US" sz="3200" dirty="0">
+              <a:latin typeface="Arial Black" panose="020B0A04020102020204" pitchFamily="34" charset="0"/>
+            </a:endParaRPr>
+          </a:p>
+        </p:txBody>
+      </p:sp>
     </p:spTree>
     <p:extLst>
       <p:ext uri="{BB962C8B-B14F-4D97-AF65-F5344CB8AC3E}">
@@ -16042,7 +13892,1469 @@
 </p:sld>
 </file>
 
+<file path=ppt/slides/slide17.xml><?xml version="1.0" encoding="utf-8"?>
+<p:sld xmlns:a="http://schemas.openxmlformats.org/drawingml/2006/main" xmlns:r="http://schemas.openxmlformats.org/officeDocument/2006/relationships" xmlns:p="http://schemas.openxmlformats.org/presentationml/2006/main">
+  <p:cSld>
+    <p:spTree>
+      <p:nvGrpSpPr>
+        <p:cNvPr id="1" name=""/>
+        <p:cNvGrpSpPr/>
+        <p:nvPr/>
+      </p:nvGrpSpPr>
+      <p:grpSpPr>
+        <a:xfrm>
+          <a:off x="0" y="0"/>
+          <a:ext cx="0" cy="0"/>
+          <a:chOff x="0" y="0"/>
+          <a:chExt cx="0" cy="0"/>
+        </a:xfrm>
+      </p:grpSpPr>
+      <p:sp>
+        <p:nvSpPr>
+          <p:cNvPr id="4" name="日期版面配置區 3"/>
+          <p:cNvSpPr>
+            <a:spLocks noGrp="1"/>
+          </p:cNvSpPr>
+          <p:nvPr>
+            <p:ph type="dt" sz="half" idx="10"/>
+          </p:nvPr>
+        </p:nvSpPr>
+        <p:spPr/>
+        <p:txBody>
+          <a:bodyPr/>
+          <a:lstStyle/>
+          <a:p>
+            <a:fld id="{717C4B98-A51E-4049-8774-1A461F0E67F1}" type="datetime1">
+              <a:rPr lang="en-US" altLang="zh-TW" smtClean="0"/>
+              <a:t>8/5/2021</a:t>
+            </a:fld>
+            <a:endParaRPr lang="en-US" dirty="0"/>
+          </a:p>
+        </p:txBody>
+      </p:sp>
+      <p:sp>
+        <p:nvSpPr>
+          <p:cNvPr id="5" name="投影片編號版面配置區 4"/>
+          <p:cNvSpPr>
+            <a:spLocks noGrp="1"/>
+          </p:cNvSpPr>
+          <p:nvPr>
+            <p:ph type="sldNum" sz="quarter" idx="12"/>
+          </p:nvPr>
+        </p:nvSpPr>
+        <p:spPr/>
+        <p:txBody>
+          <a:bodyPr/>
+          <a:lstStyle/>
+          <a:p>
+            <a:fld id="{8A7A6979-0714-4377-B894-6BE4C2D6E202}" type="slidenum">
+              <a:rPr lang="en-US" smtClean="0"/>
+              <a:pPr/>
+              <a:t>17</a:t>
+            </a:fld>
+            <a:endParaRPr lang="en-US" dirty="0"/>
+          </a:p>
+        </p:txBody>
+      </p:sp>
+      <p:grpSp>
+        <p:nvGrpSpPr>
+          <p:cNvPr id="6" name="群組 5"/>
+          <p:cNvGrpSpPr/>
+          <p:nvPr/>
+        </p:nvGrpSpPr>
+        <p:grpSpPr>
+          <a:xfrm>
+            <a:off x="349135" y="2468876"/>
+            <a:ext cx="10860570" cy="3050778"/>
+            <a:chOff x="349135" y="2468876"/>
+            <a:chExt cx="10860570" cy="3050778"/>
+          </a:xfrm>
+        </p:grpSpPr>
+        <p:sp>
+          <p:nvSpPr>
+            <p:cNvPr id="7" name="圓角矩形 6"/>
+            <p:cNvSpPr/>
+            <p:nvPr/>
+          </p:nvSpPr>
+          <p:spPr>
+            <a:xfrm>
+              <a:off x="349135" y="2468880"/>
+              <a:ext cx="1097280" cy="515389"/>
+            </a:xfrm>
+            <a:prstGeom prst="roundRect">
+              <a:avLst/>
+            </a:prstGeom>
+          </p:spPr>
+          <p:style>
+            <a:lnRef idx="2">
+              <a:schemeClr val="accent1">
+                <a:shade val="50000"/>
+              </a:schemeClr>
+            </a:lnRef>
+            <a:fillRef idx="1">
+              <a:schemeClr val="accent1"/>
+            </a:fillRef>
+            <a:effectRef idx="0">
+              <a:schemeClr val="accent1"/>
+            </a:effectRef>
+            <a:fontRef idx="minor">
+              <a:schemeClr val="lt1"/>
+            </a:fontRef>
+          </p:style>
+          <p:txBody>
+            <a:bodyPr rtlCol="0" anchor="ctr"/>
+            <a:lstStyle/>
+            <a:p>
+              <a:pPr algn="ctr"/>
+              <a:r>
+                <a:rPr lang="en-US" altLang="zh-TW" dirty="0" smtClean="0"/>
+                <a:t>master</a:t>
+              </a:r>
+              <a:endParaRPr lang="zh-TW" altLang="en-US" dirty="0"/>
+            </a:p>
+          </p:txBody>
+        </p:sp>
+        <p:sp>
+          <p:nvSpPr>
+            <p:cNvPr id="8" name="向右箭號 7"/>
+            <p:cNvSpPr/>
+            <p:nvPr/>
+          </p:nvSpPr>
+          <p:spPr>
+            <a:xfrm>
+              <a:off x="1521229" y="2630977"/>
+              <a:ext cx="1255222" cy="191193"/>
+            </a:xfrm>
+            <a:prstGeom prst="rightArrow">
+              <a:avLst/>
+            </a:prstGeom>
+          </p:spPr>
+          <p:style>
+            <a:lnRef idx="3">
+              <a:schemeClr val="lt1"/>
+            </a:lnRef>
+            <a:fillRef idx="1">
+              <a:schemeClr val="accent1"/>
+            </a:fillRef>
+            <a:effectRef idx="1">
+              <a:schemeClr val="accent1"/>
+            </a:effectRef>
+            <a:fontRef idx="minor">
+              <a:schemeClr val="lt1"/>
+            </a:fontRef>
+          </p:style>
+          <p:txBody>
+            <a:bodyPr rtlCol="0" anchor="ctr"/>
+            <a:lstStyle/>
+            <a:p>
+              <a:pPr algn="ctr"/>
+              <a:endParaRPr lang="zh-TW" altLang="en-US"/>
+            </a:p>
+          </p:txBody>
+        </p:sp>
+        <p:sp>
+          <p:nvSpPr>
+            <p:cNvPr id="9" name="圓角矩形 8"/>
+            <p:cNvSpPr/>
+            <p:nvPr/>
+          </p:nvSpPr>
+          <p:spPr>
+            <a:xfrm>
+              <a:off x="2851265" y="2468878"/>
+              <a:ext cx="1097280" cy="515389"/>
+            </a:xfrm>
+            <a:prstGeom prst="roundRect">
+              <a:avLst/>
+            </a:prstGeom>
+          </p:spPr>
+          <p:style>
+            <a:lnRef idx="2">
+              <a:schemeClr val="accent1">
+                <a:shade val="50000"/>
+              </a:schemeClr>
+            </a:lnRef>
+            <a:fillRef idx="1">
+              <a:schemeClr val="accent1"/>
+            </a:fillRef>
+            <a:effectRef idx="0">
+              <a:schemeClr val="accent1"/>
+            </a:effectRef>
+            <a:fontRef idx="minor">
+              <a:schemeClr val="lt1"/>
+            </a:fontRef>
+          </p:style>
+          <p:txBody>
+            <a:bodyPr rtlCol="0" anchor="ctr"/>
+            <a:lstStyle/>
+            <a:p>
+              <a:pPr algn="ctr"/>
+              <a:r>
+                <a:rPr lang="en-US" altLang="zh-TW" dirty="0" smtClean="0"/>
+                <a:t>master</a:t>
+              </a:r>
+              <a:endParaRPr lang="zh-TW" altLang="en-US" dirty="0"/>
+            </a:p>
+          </p:txBody>
+        </p:sp>
+        <p:sp>
+          <p:nvSpPr>
+            <p:cNvPr id="10" name="圓角矩形 9"/>
+            <p:cNvSpPr/>
+            <p:nvPr/>
+          </p:nvSpPr>
+          <p:spPr>
+            <a:xfrm>
+              <a:off x="7094912" y="2468876"/>
+              <a:ext cx="1097280" cy="515389"/>
+            </a:xfrm>
+            <a:prstGeom prst="roundRect">
+              <a:avLst/>
+            </a:prstGeom>
+          </p:spPr>
+          <p:style>
+            <a:lnRef idx="2">
+              <a:schemeClr val="accent1">
+                <a:shade val="50000"/>
+              </a:schemeClr>
+            </a:lnRef>
+            <a:fillRef idx="1">
+              <a:schemeClr val="accent1"/>
+            </a:fillRef>
+            <a:effectRef idx="0">
+              <a:schemeClr val="accent1"/>
+            </a:effectRef>
+            <a:fontRef idx="minor">
+              <a:schemeClr val="lt1"/>
+            </a:fontRef>
+          </p:style>
+          <p:txBody>
+            <a:bodyPr rtlCol="0" anchor="ctr"/>
+            <a:lstStyle/>
+            <a:p>
+              <a:pPr algn="ctr"/>
+              <a:r>
+                <a:rPr lang="en-US" altLang="zh-TW" dirty="0" smtClean="0"/>
+                <a:t>master</a:t>
+              </a:r>
+              <a:endParaRPr lang="zh-TW" altLang="en-US" dirty="0"/>
+            </a:p>
+          </p:txBody>
+        </p:sp>
+        <p:sp>
+          <p:nvSpPr>
+            <p:cNvPr id="11" name="右彎箭號 10"/>
+            <p:cNvSpPr/>
+            <p:nvPr/>
+          </p:nvSpPr>
+          <p:spPr>
+            <a:xfrm flipV="1">
+              <a:off x="3370810" y="3108960"/>
+              <a:ext cx="1155469" cy="1005840"/>
+            </a:xfrm>
+            <a:prstGeom prst="bentArrow">
+              <a:avLst>
+                <a:gd name="adj1" fmla="val 10329"/>
+                <a:gd name="adj2" fmla="val 10537"/>
+                <a:gd name="adj3" fmla="val 12603"/>
+                <a:gd name="adj4" fmla="val 43750"/>
+              </a:avLst>
+            </a:prstGeom>
+          </p:spPr>
+          <p:style>
+            <a:lnRef idx="3">
+              <a:schemeClr val="lt1"/>
+            </a:lnRef>
+            <a:fillRef idx="1">
+              <a:schemeClr val="accent2"/>
+            </a:fillRef>
+            <a:effectRef idx="1">
+              <a:schemeClr val="accent2"/>
+            </a:effectRef>
+            <a:fontRef idx="minor">
+              <a:schemeClr val="lt1"/>
+            </a:fontRef>
+          </p:style>
+          <p:txBody>
+            <a:bodyPr rtlCol="0" anchor="ctr"/>
+            <a:lstStyle/>
+            <a:p>
+              <a:pPr algn="ctr"/>
+              <a:endParaRPr lang="zh-TW" altLang="en-US">
+                <a:solidFill>
+                  <a:schemeClr val="tx1"/>
+                </a:solidFill>
+              </a:endParaRPr>
+            </a:p>
+          </p:txBody>
+        </p:sp>
+        <p:sp>
+          <p:nvSpPr>
+            <p:cNvPr id="12" name="圓角矩形 11"/>
+            <p:cNvSpPr/>
+            <p:nvPr/>
+          </p:nvSpPr>
+          <p:spPr>
+            <a:xfrm>
+              <a:off x="4646816" y="3757355"/>
+              <a:ext cx="1097280" cy="515389"/>
+            </a:xfrm>
+            <a:prstGeom prst="roundRect">
+              <a:avLst/>
+            </a:prstGeom>
+          </p:spPr>
+          <p:style>
+            <a:lnRef idx="2">
+              <a:schemeClr val="accent2">
+                <a:shade val="50000"/>
+              </a:schemeClr>
+            </a:lnRef>
+            <a:fillRef idx="1">
+              <a:schemeClr val="accent2"/>
+            </a:fillRef>
+            <a:effectRef idx="0">
+              <a:schemeClr val="accent2"/>
+            </a:effectRef>
+            <a:fontRef idx="minor">
+              <a:schemeClr val="lt1"/>
+            </a:fontRef>
+          </p:style>
+          <p:txBody>
+            <a:bodyPr rtlCol="0" anchor="ctr"/>
+            <a:lstStyle/>
+            <a:p>
+              <a:pPr algn="ctr"/>
+              <a:r>
+                <a:rPr lang="en-US" altLang="zh-TW" dirty="0" smtClean="0"/>
+                <a:t>click</a:t>
+              </a:r>
+              <a:endParaRPr lang="zh-TW" altLang="en-US" dirty="0"/>
+            </a:p>
+          </p:txBody>
+        </p:sp>
+        <p:sp>
+          <p:nvSpPr>
+            <p:cNvPr id="13" name="圓角矩形 12"/>
+            <p:cNvSpPr/>
+            <p:nvPr/>
+          </p:nvSpPr>
+          <p:spPr>
+            <a:xfrm>
+              <a:off x="6450677" y="5004265"/>
+              <a:ext cx="1471351" cy="515389"/>
+            </a:xfrm>
+            <a:prstGeom prst="roundRect">
+              <a:avLst/>
+            </a:prstGeom>
+          </p:spPr>
+          <p:style>
+            <a:lnRef idx="2">
+              <a:schemeClr val="accent4">
+                <a:shade val="50000"/>
+              </a:schemeClr>
+            </a:lnRef>
+            <a:fillRef idx="1">
+              <a:schemeClr val="accent4"/>
+            </a:fillRef>
+            <a:effectRef idx="0">
+              <a:schemeClr val="accent4"/>
+            </a:effectRef>
+            <a:fontRef idx="minor">
+              <a:schemeClr val="lt1"/>
+            </a:fontRef>
+          </p:style>
+          <p:txBody>
+            <a:bodyPr rtlCol="0" anchor="ctr"/>
+            <a:lstStyle/>
+            <a:p>
+              <a:pPr algn="ctr"/>
+              <a:r>
+                <a:rPr lang="en-US" altLang="zh-TW" dirty="0"/>
+                <a:t>f</a:t>
+              </a:r>
+              <a:r>
+                <a:rPr lang="en-US" altLang="zh-TW" dirty="0" smtClean="0"/>
+                <a:t>astapi_web</a:t>
+              </a:r>
+              <a:endParaRPr lang="zh-TW" altLang="en-US" dirty="0"/>
+            </a:p>
+          </p:txBody>
+        </p:sp>
+        <p:sp>
+          <p:nvSpPr>
+            <p:cNvPr id="14" name="右彎箭號 13"/>
+            <p:cNvSpPr/>
+            <p:nvPr/>
+          </p:nvSpPr>
+          <p:spPr>
+            <a:xfrm flipV="1">
+              <a:off x="5178831" y="4364182"/>
+              <a:ext cx="1155469" cy="1005840"/>
+            </a:xfrm>
+            <a:prstGeom prst="bentArrow">
+              <a:avLst>
+                <a:gd name="adj1" fmla="val 10329"/>
+                <a:gd name="adj2" fmla="val 10537"/>
+                <a:gd name="adj3" fmla="val 12603"/>
+                <a:gd name="adj4" fmla="val 43750"/>
+              </a:avLst>
+            </a:prstGeom>
+          </p:spPr>
+          <p:style>
+            <a:lnRef idx="3">
+              <a:schemeClr val="lt1"/>
+            </a:lnRef>
+            <a:fillRef idx="1">
+              <a:schemeClr val="accent4"/>
+            </a:fillRef>
+            <a:effectRef idx="1">
+              <a:schemeClr val="accent4"/>
+            </a:effectRef>
+            <a:fontRef idx="minor">
+              <a:schemeClr val="lt1"/>
+            </a:fontRef>
+          </p:style>
+          <p:txBody>
+            <a:bodyPr rtlCol="0" anchor="ctr"/>
+            <a:lstStyle/>
+            <a:p>
+              <a:pPr algn="ctr"/>
+              <a:endParaRPr lang="zh-TW" altLang="en-US">
+                <a:solidFill>
+                  <a:schemeClr val="tx1"/>
+                </a:solidFill>
+              </a:endParaRPr>
+            </a:p>
+          </p:txBody>
+        </p:sp>
+        <p:sp>
+          <p:nvSpPr>
+            <p:cNvPr id="15" name="向右箭號 14"/>
+            <p:cNvSpPr/>
+            <p:nvPr/>
+          </p:nvSpPr>
+          <p:spPr>
+            <a:xfrm rot="16200000">
+              <a:off x="6733307" y="3882565"/>
+              <a:ext cx="1820490" cy="206779"/>
+            </a:xfrm>
+            <a:prstGeom prst="rightArrow">
+              <a:avLst/>
+            </a:prstGeom>
+          </p:spPr>
+          <p:style>
+            <a:lnRef idx="3">
+              <a:schemeClr val="lt1"/>
+            </a:lnRef>
+            <a:fillRef idx="1">
+              <a:schemeClr val="accent4"/>
+            </a:fillRef>
+            <a:effectRef idx="1">
+              <a:schemeClr val="accent4"/>
+            </a:effectRef>
+            <a:fontRef idx="minor">
+              <a:schemeClr val="lt1"/>
+            </a:fontRef>
+          </p:style>
+          <p:txBody>
+            <a:bodyPr rtlCol="0" anchor="ctr"/>
+            <a:lstStyle/>
+            <a:p>
+              <a:pPr algn="ctr"/>
+              <a:endParaRPr lang="zh-TW" altLang="en-US"/>
+            </a:p>
+          </p:txBody>
+        </p:sp>
+        <p:sp>
+          <p:nvSpPr>
+            <p:cNvPr id="16" name="圓角矩形 15"/>
+            <p:cNvSpPr/>
+            <p:nvPr/>
+          </p:nvSpPr>
+          <p:spPr>
+            <a:xfrm>
+              <a:off x="4973088" y="2468876"/>
+              <a:ext cx="1097280" cy="515389"/>
+            </a:xfrm>
+            <a:prstGeom prst="roundRect">
+              <a:avLst/>
+            </a:prstGeom>
+          </p:spPr>
+          <p:style>
+            <a:lnRef idx="2">
+              <a:schemeClr val="accent1">
+                <a:shade val="50000"/>
+              </a:schemeClr>
+            </a:lnRef>
+            <a:fillRef idx="1">
+              <a:schemeClr val="accent1"/>
+            </a:fillRef>
+            <a:effectRef idx="0">
+              <a:schemeClr val="accent1"/>
+            </a:effectRef>
+            <a:fontRef idx="minor">
+              <a:schemeClr val="lt1"/>
+            </a:fontRef>
+          </p:style>
+          <p:txBody>
+            <a:bodyPr rtlCol="0" anchor="ctr"/>
+            <a:lstStyle/>
+            <a:p>
+              <a:pPr algn="ctr"/>
+              <a:r>
+                <a:rPr lang="en-US" altLang="zh-TW" dirty="0" smtClean="0"/>
+                <a:t>master</a:t>
+              </a:r>
+              <a:endParaRPr lang="zh-TW" altLang="en-US" dirty="0"/>
+            </a:p>
+          </p:txBody>
+        </p:sp>
+        <p:sp>
+          <p:nvSpPr>
+            <p:cNvPr id="17" name="向右箭號 16"/>
+            <p:cNvSpPr/>
+            <p:nvPr/>
+          </p:nvSpPr>
+          <p:spPr>
+            <a:xfrm>
+              <a:off x="4077391" y="2630977"/>
+              <a:ext cx="810493" cy="187035"/>
+            </a:xfrm>
+            <a:prstGeom prst="rightArrow">
+              <a:avLst/>
+            </a:prstGeom>
+          </p:spPr>
+          <p:style>
+            <a:lnRef idx="3">
+              <a:schemeClr val="lt1"/>
+            </a:lnRef>
+            <a:fillRef idx="1">
+              <a:schemeClr val="accent1"/>
+            </a:fillRef>
+            <a:effectRef idx="1">
+              <a:schemeClr val="accent1"/>
+            </a:effectRef>
+            <a:fontRef idx="minor">
+              <a:schemeClr val="lt1"/>
+            </a:fontRef>
+          </p:style>
+          <p:txBody>
+            <a:bodyPr rtlCol="0" anchor="ctr"/>
+            <a:lstStyle/>
+            <a:p>
+              <a:pPr algn="ctr"/>
+              <a:endParaRPr lang="zh-TW" altLang="en-US"/>
+            </a:p>
+          </p:txBody>
+        </p:sp>
+        <p:sp>
+          <p:nvSpPr>
+            <p:cNvPr id="18" name="向右箭號 17"/>
+            <p:cNvSpPr/>
+            <p:nvPr/>
+          </p:nvSpPr>
+          <p:spPr>
+            <a:xfrm rot="16200000">
+              <a:off x="5222468" y="3272487"/>
+              <a:ext cx="598520" cy="188340"/>
+            </a:xfrm>
+            <a:prstGeom prst="rightArrow">
+              <a:avLst/>
+            </a:prstGeom>
+          </p:spPr>
+          <p:style>
+            <a:lnRef idx="3">
+              <a:schemeClr val="lt1"/>
+            </a:lnRef>
+            <a:fillRef idx="1">
+              <a:schemeClr val="accent2"/>
+            </a:fillRef>
+            <a:effectRef idx="1">
+              <a:schemeClr val="accent2"/>
+            </a:effectRef>
+            <a:fontRef idx="minor">
+              <a:schemeClr val="lt1"/>
+            </a:fontRef>
+          </p:style>
+          <p:txBody>
+            <a:bodyPr rtlCol="0" anchor="ctr"/>
+            <a:lstStyle/>
+            <a:p>
+              <a:pPr algn="ctr"/>
+              <a:endParaRPr lang="zh-TW" altLang="en-US"/>
+            </a:p>
+          </p:txBody>
+        </p:sp>
+        <p:sp>
+          <p:nvSpPr>
+            <p:cNvPr id="19" name="向右箭號 18"/>
+            <p:cNvSpPr/>
+            <p:nvPr/>
+          </p:nvSpPr>
+          <p:spPr>
+            <a:xfrm>
+              <a:off x="6177393" y="2630977"/>
+              <a:ext cx="810493" cy="187035"/>
+            </a:xfrm>
+            <a:prstGeom prst="rightArrow">
+              <a:avLst/>
+            </a:prstGeom>
+          </p:spPr>
+          <p:style>
+            <a:lnRef idx="3">
+              <a:schemeClr val="lt1"/>
+            </a:lnRef>
+            <a:fillRef idx="1">
+              <a:schemeClr val="accent1"/>
+            </a:fillRef>
+            <a:effectRef idx="1">
+              <a:schemeClr val="accent1"/>
+            </a:effectRef>
+            <a:fontRef idx="minor">
+              <a:schemeClr val="lt1"/>
+            </a:fontRef>
+          </p:style>
+          <p:txBody>
+            <a:bodyPr rtlCol="0" anchor="ctr"/>
+            <a:lstStyle/>
+            <a:p>
+              <a:pPr algn="ctr"/>
+              <a:endParaRPr lang="zh-TW" altLang="en-US"/>
+            </a:p>
+          </p:txBody>
+        </p:sp>
+        <p:sp>
+          <p:nvSpPr>
+            <p:cNvPr id="20" name="圓角矩形 19"/>
+            <p:cNvSpPr/>
+            <p:nvPr/>
+          </p:nvSpPr>
+          <p:spPr>
+            <a:xfrm>
+              <a:off x="10112425" y="2468876"/>
+              <a:ext cx="1097280" cy="515389"/>
+            </a:xfrm>
+            <a:prstGeom prst="roundRect">
+              <a:avLst/>
+            </a:prstGeom>
+          </p:spPr>
+          <p:style>
+            <a:lnRef idx="2">
+              <a:schemeClr val="accent1">
+                <a:shade val="50000"/>
+              </a:schemeClr>
+            </a:lnRef>
+            <a:fillRef idx="1">
+              <a:schemeClr val="accent1"/>
+            </a:fillRef>
+            <a:effectRef idx="0">
+              <a:schemeClr val="accent1"/>
+            </a:effectRef>
+            <a:fontRef idx="minor">
+              <a:schemeClr val="lt1"/>
+            </a:fontRef>
+          </p:style>
+          <p:txBody>
+            <a:bodyPr rtlCol="0" anchor="ctr"/>
+            <a:lstStyle/>
+            <a:p>
+              <a:pPr algn="ctr"/>
+              <a:r>
+                <a:rPr lang="en-US" altLang="zh-TW" dirty="0" smtClean="0"/>
+                <a:t>master</a:t>
+              </a:r>
+              <a:endParaRPr lang="zh-TW" altLang="en-US" dirty="0"/>
+            </a:p>
+          </p:txBody>
+        </p:sp>
+        <p:sp>
+          <p:nvSpPr>
+            <p:cNvPr id="21" name="圓角矩形 20"/>
+            <p:cNvSpPr/>
+            <p:nvPr/>
+          </p:nvSpPr>
+          <p:spPr>
+            <a:xfrm>
+              <a:off x="8836426" y="3728259"/>
+              <a:ext cx="1097280" cy="515389"/>
+            </a:xfrm>
+            <a:prstGeom prst="roundRect">
+              <a:avLst/>
+            </a:prstGeom>
+          </p:spPr>
+          <p:style>
+            <a:lnRef idx="2">
+              <a:schemeClr val="accent2">
+                <a:shade val="50000"/>
+              </a:schemeClr>
+            </a:lnRef>
+            <a:fillRef idx="1">
+              <a:schemeClr val="accent2"/>
+            </a:fillRef>
+            <a:effectRef idx="0">
+              <a:schemeClr val="accent2"/>
+            </a:effectRef>
+            <a:fontRef idx="minor">
+              <a:schemeClr val="lt1"/>
+            </a:fontRef>
+          </p:style>
+          <p:txBody>
+            <a:bodyPr rtlCol="0" anchor="ctr"/>
+            <a:lstStyle/>
+            <a:p>
+              <a:pPr algn="ctr"/>
+              <a:r>
+                <a:rPr lang="en-US" altLang="zh-TW" dirty="0" smtClean="0"/>
+                <a:t>web</a:t>
+              </a:r>
+              <a:endParaRPr lang="zh-TW" altLang="en-US" dirty="0"/>
+            </a:p>
+          </p:txBody>
+        </p:sp>
+        <p:sp>
+          <p:nvSpPr>
+            <p:cNvPr id="22" name="右彎箭號 21"/>
+            <p:cNvSpPr/>
+            <p:nvPr/>
+          </p:nvSpPr>
+          <p:spPr>
+            <a:xfrm flipV="1">
+              <a:off x="7922028" y="3092330"/>
+              <a:ext cx="835951" cy="1005840"/>
+            </a:xfrm>
+            <a:prstGeom prst="bentArrow">
+              <a:avLst>
+                <a:gd name="adj1" fmla="val 10329"/>
+                <a:gd name="adj2" fmla="val 10537"/>
+                <a:gd name="adj3" fmla="val 12603"/>
+                <a:gd name="adj4" fmla="val 43750"/>
+              </a:avLst>
+            </a:prstGeom>
+          </p:spPr>
+          <p:style>
+            <a:lnRef idx="3">
+              <a:schemeClr val="lt1"/>
+            </a:lnRef>
+            <a:fillRef idx="1">
+              <a:schemeClr val="accent2"/>
+            </a:fillRef>
+            <a:effectRef idx="1">
+              <a:schemeClr val="accent2"/>
+            </a:effectRef>
+            <a:fontRef idx="minor">
+              <a:schemeClr val="lt1"/>
+            </a:fontRef>
+          </p:style>
+          <p:txBody>
+            <a:bodyPr rtlCol="0" anchor="ctr"/>
+            <a:lstStyle/>
+            <a:p>
+              <a:pPr algn="ctr"/>
+              <a:endParaRPr lang="zh-TW" altLang="en-US">
+                <a:solidFill>
+                  <a:schemeClr val="tx1"/>
+                </a:solidFill>
+              </a:endParaRPr>
+            </a:p>
+          </p:txBody>
+        </p:sp>
+        <p:sp>
+          <p:nvSpPr>
+            <p:cNvPr id="23" name="右彎箭號 22"/>
+            <p:cNvSpPr/>
+            <p:nvPr/>
+          </p:nvSpPr>
+          <p:spPr>
+            <a:xfrm rot="16200000" flipV="1">
+              <a:off x="9966436" y="3154676"/>
+              <a:ext cx="947651" cy="856218"/>
+            </a:xfrm>
+            <a:prstGeom prst="bentArrow">
+              <a:avLst>
+                <a:gd name="adj1" fmla="val 10329"/>
+                <a:gd name="adj2" fmla="val 10537"/>
+                <a:gd name="adj3" fmla="val 12603"/>
+                <a:gd name="adj4" fmla="val 42779"/>
+              </a:avLst>
+            </a:prstGeom>
+          </p:spPr>
+          <p:style>
+            <a:lnRef idx="3">
+              <a:schemeClr val="lt1"/>
+            </a:lnRef>
+            <a:fillRef idx="1">
+              <a:schemeClr val="accent2"/>
+            </a:fillRef>
+            <a:effectRef idx="1">
+              <a:schemeClr val="accent2"/>
+            </a:effectRef>
+            <a:fontRef idx="minor">
+              <a:schemeClr val="lt1"/>
+            </a:fontRef>
+          </p:style>
+          <p:txBody>
+            <a:bodyPr rtlCol="0" anchor="ctr"/>
+            <a:lstStyle/>
+            <a:p>
+              <a:pPr algn="ctr"/>
+              <a:endParaRPr lang="zh-TW" altLang="en-US">
+                <a:solidFill>
+                  <a:schemeClr val="tx1"/>
+                </a:solidFill>
+              </a:endParaRPr>
+            </a:p>
+          </p:txBody>
+        </p:sp>
+        <p:sp>
+          <p:nvSpPr>
+            <p:cNvPr id="24" name="向右箭號 23"/>
+            <p:cNvSpPr/>
+            <p:nvPr/>
+          </p:nvSpPr>
+          <p:spPr>
+            <a:xfrm>
+              <a:off x="8280516" y="2630977"/>
+              <a:ext cx="1731636" cy="187035"/>
+            </a:xfrm>
+            <a:prstGeom prst="rightArrow">
+              <a:avLst/>
+            </a:prstGeom>
+          </p:spPr>
+          <p:style>
+            <a:lnRef idx="3">
+              <a:schemeClr val="lt1"/>
+            </a:lnRef>
+            <a:fillRef idx="1">
+              <a:schemeClr val="accent1"/>
+            </a:fillRef>
+            <a:effectRef idx="1">
+              <a:schemeClr val="accent1"/>
+            </a:effectRef>
+            <a:fontRef idx="minor">
+              <a:schemeClr val="lt1"/>
+            </a:fontRef>
+          </p:style>
+          <p:txBody>
+            <a:bodyPr rtlCol="0" anchor="ctr"/>
+            <a:lstStyle/>
+            <a:p>
+              <a:pPr algn="ctr"/>
+              <a:endParaRPr lang="zh-TW" altLang="en-US"/>
+            </a:p>
+          </p:txBody>
+        </p:sp>
+      </p:grpSp>
+      <p:sp>
+        <p:nvSpPr>
+          <p:cNvPr id="25" name="文字方塊 24"/>
+          <p:cNvSpPr txBox="1"/>
+          <p:nvPr/>
+        </p:nvSpPr>
+        <p:spPr>
+          <a:xfrm>
+            <a:off x="4139482" y="901755"/>
+            <a:ext cx="3234166" cy="584775"/>
+          </a:xfrm>
+          <a:prstGeom prst="rect">
+            <a:avLst/>
+          </a:prstGeom>
+          <a:noFill/>
+        </p:spPr>
+        <p:txBody>
+          <a:bodyPr wrap="square" rtlCol="0">
+            <a:spAutoFit/>
+          </a:bodyPr>
+          <a:lstStyle/>
+          <a:p>
+            <a:r>
+              <a:rPr lang="en-US" altLang="zh-TW" sz="3200" dirty="0" smtClean="0">
+                <a:latin typeface="Arial Black" panose="020B0A04020102020204" pitchFamily="34" charset="0"/>
+              </a:rPr>
+              <a:t>Git </a:t>
+            </a:r>
+            <a:r>
+              <a:rPr lang="en-US" altLang="zh-TW" sz="3200" dirty="0" smtClean="0">
+                <a:latin typeface="Arial Black" panose="020B0A04020102020204" pitchFamily="34" charset="0"/>
+              </a:rPr>
+              <a:t>Roadmap</a:t>
+            </a:r>
+            <a:endParaRPr lang="zh-TW" altLang="en-US" sz="3200" dirty="0">
+              <a:latin typeface="Arial Black" panose="020B0A04020102020204" pitchFamily="34" charset="0"/>
+            </a:endParaRPr>
+          </a:p>
+        </p:txBody>
+      </p:sp>
+    </p:spTree>
+    <p:extLst>
+      <p:ext uri="{BB962C8B-B14F-4D97-AF65-F5344CB8AC3E}">
+        <p14:creationId xmlns:p14="http://schemas.microsoft.com/office/powerpoint/2010/main" val="1708861920"/>
+      </p:ext>
+    </p:extLst>
+  </p:cSld>
+  <p:clrMapOvr>
+    <a:masterClrMapping/>
+  </p:clrMapOvr>
+</p:sld>
+</file>
+
 <file path=ppt/slides/slide18.xml><?xml version="1.0" encoding="utf-8"?>
+<p:sld xmlns:a="http://schemas.openxmlformats.org/drawingml/2006/main" xmlns:r="http://schemas.openxmlformats.org/officeDocument/2006/relationships" xmlns:p="http://schemas.openxmlformats.org/presentationml/2006/main">
+  <p:cSld>
+    <p:spTree>
+      <p:nvGrpSpPr>
+        <p:cNvPr id="1" name=""/>
+        <p:cNvGrpSpPr/>
+        <p:nvPr/>
+      </p:nvGrpSpPr>
+      <p:grpSpPr>
+        <a:xfrm>
+          <a:off x="0" y="0"/>
+          <a:ext cx="0" cy="0"/>
+          <a:chOff x="0" y="0"/>
+          <a:chExt cx="0" cy="0"/>
+        </a:xfrm>
+      </p:grpSpPr>
+      <p:sp>
+        <p:nvSpPr>
+          <p:cNvPr id="4" name="日期版面配置區 3"/>
+          <p:cNvSpPr>
+            <a:spLocks noGrp="1"/>
+          </p:cNvSpPr>
+          <p:nvPr>
+            <p:ph type="dt" sz="half" idx="10"/>
+          </p:nvPr>
+        </p:nvSpPr>
+        <p:spPr/>
+        <p:txBody>
+          <a:bodyPr/>
+          <a:lstStyle/>
+          <a:p>
+            <a:fld id="{AB466D01-7706-436F-9F52-242116AE38B2}" type="datetime1">
+              <a:rPr lang="en-US" altLang="zh-TW" smtClean="0"/>
+              <a:t>8/5/2021</a:t>
+            </a:fld>
+            <a:endParaRPr lang="en-US" dirty="0"/>
+          </a:p>
+        </p:txBody>
+      </p:sp>
+      <p:sp>
+        <p:nvSpPr>
+          <p:cNvPr id="6" name="投影片編號版面配置區 5"/>
+          <p:cNvSpPr>
+            <a:spLocks noGrp="1"/>
+          </p:cNvSpPr>
+          <p:nvPr>
+            <p:ph type="sldNum" sz="quarter" idx="12"/>
+          </p:nvPr>
+        </p:nvSpPr>
+        <p:spPr/>
+        <p:txBody>
+          <a:bodyPr/>
+          <a:lstStyle/>
+          <a:p>
+            <a:fld id="{8A7A6979-0714-4377-B894-6BE4C2D6E202}" type="slidenum">
+              <a:rPr lang="en-US" smtClean="0"/>
+              <a:pPr/>
+              <a:t>18</a:t>
+            </a:fld>
+            <a:endParaRPr lang="en-US" dirty="0"/>
+          </a:p>
+        </p:txBody>
+      </p:sp>
+      <p:sp>
+        <p:nvSpPr>
+          <p:cNvPr id="8" name="文字方塊 7"/>
+          <p:cNvSpPr txBox="1"/>
+          <p:nvPr/>
+        </p:nvSpPr>
+        <p:spPr>
+          <a:xfrm>
+            <a:off x="4076588" y="1955806"/>
+            <a:ext cx="6034566" cy="584775"/>
+          </a:xfrm>
+          <a:prstGeom prst="rect">
+            <a:avLst/>
+          </a:prstGeom>
+          <a:noFill/>
+        </p:spPr>
+        <p:txBody>
+          <a:bodyPr wrap="square" rtlCol="0">
+            <a:spAutoFit/>
+          </a:bodyPr>
+          <a:lstStyle/>
+          <a:p>
+            <a:r>
+              <a:rPr lang="en-US" altLang="zh-TW" sz="3200" dirty="0" smtClean="0">
+                <a:latin typeface="Arial Black" panose="020B0A04020102020204" pitchFamily="34" charset="0"/>
+              </a:rPr>
+              <a:t>Development Goals</a:t>
+            </a:r>
+            <a:endParaRPr lang="zh-TW" altLang="en-US" sz="3200" dirty="0">
+              <a:latin typeface="Arial Black" panose="020B0A04020102020204" pitchFamily="34" charset="0"/>
+            </a:endParaRPr>
+          </a:p>
+        </p:txBody>
+      </p:sp>
+      <mc:AlternateContent xmlns:mc="http://schemas.openxmlformats.org/markup-compatibility/2006">
+        <mc:Choice xmlns:a14="http://schemas.microsoft.com/office/drawing/2010/main" Requires="a14">
+          <p:sp>
+            <p:nvSpPr>
+              <p:cNvPr id="9" name="文字方塊 8"/>
+              <p:cNvSpPr txBox="1"/>
+              <p:nvPr/>
+            </p:nvSpPr>
+            <p:spPr>
+              <a:xfrm>
+                <a:off x="4076588" y="2876553"/>
+                <a:ext cx="6682334" cy="3416320"/>
+              </a:xfrm>
+              <a:prstGeom prst="rect">
+                <a:avLst/>
+              </a:prstGeom>
+              <a:noFill/>
+            </p:spPr>
+            <p:txBody>
+              <a:bodyPr wrap="square" rtlCol="0">
+                <a:spAutoFit/>
+              </a:bodyPr>
+              <a:lstStyle/>
+              <a:p>
+                <a:pPr marL="342900" indent="-342900">
+                  <a:lnSpc>
+                    <a:spcPct val="150000"/>
+                  </a:lnSpc>
+                  <a:buFont typeface="Wingdings" panose="05000000000000000000" pitchFamily="2" charset="2"/>
+                  <a:buChar char="p"/>
+                </a:pPr>
+                <a:r>
+                  <a:rPr lang="en-US" altLang="zh-TW" sz="1600" b="1" dirty="0" smtClean="0">
+                    <a:latin typeface="微軟正黑體" panose="020B0604030504040204" pitchFamily="34" charset="-120"/>
+                    <a:ea typeface="微軟正黑體" panose="020B0604030504040204" pitchFamily="34" charset="-120"/>
+                  </a:rPr>
+                  <a:t>Input / Output </a:t>
+                </a:r>
+                <a:r>
+                  <a:rPr lang="en-US" altLang="zh-TW" sz="1600" dirty="0" smtClean="0">
+                    <a:latin typeface="微軟正黑體" panose="020B0604030504040204" pitchFamily="34" charset="-120"/>
+                    <a:ea typeface="微軟正黑體" panose="020B0604030504040204" pitchFamily="34" charset="-120"/>
+                  </a:rPr>
+                  <a:t>: String content / Label &amp; Probability</a:t>
+                </a:r>
+              </a:p>
+              <a:p>
+                <a:pPr marL="342900" indent="-342900">
+                  <a:lnSpc>
+                    <a:spcPct val="150000"/>
+                  </a:lnSpc>
+                  <a:buFont typeface="Wingdings" panose="05000000000000000000" pitchFamily="2" charset="2"/>
+                  <a:buChar char="p"/>
+                </a:pPr>
+                <a:r>
+                  <a:rPr lang="en-US" altLang="zh-TW" sz="1600" b="1" dirty="0" smtClean="0">
+                    <a:latin typeface="微軟正黑體" panose="020B0604030504040204" pitchFamily="34" charset="-120"/>
+                    <a:ea typeface="微軟正黑體" panose="020B0604030504040204" pitchFamily="34" charset="-120"/>
+                  </a:rPr>
+                  <a:t>CLI app</a:t>
+                </a:r>
+              </a:p>
+              <a:p>
+                <a:pPr marL="342900" indent="-342900">
+                  <a:lnSpc>
+                    <a:spcPct val="150000"/>
+                  </a:lnSpc>
+                  <a:buFont typeface="Wingdings" panose="05000000000000000000" pitchFamily="2" charset="2"/>
+                  <a:buChar char="p"/>
+                </a:pPr>
+                <a:r>
+                  <a:rPr lang="en-US" altLang="zh-TW" sz="1600" b="1" dirty="0" smtClean="0">
+                    <a:latin typeface="微軟正黑體" panose="020B0604030504040204" pitchFamily="34" charset="-120"/>
+                    <a:ea typeface="微軟正黑體" panose="020B0604030504040204" pitchFamily="34" charset="-120"/>
+                  </a:rPr>
+                  <a:t>WEB app</a:t>
+                </a:r>
+              </a:p>
+              <a:p>
+                <a:pPr marL="342900" indent="-342900">
+                  <a:lnSpc>
+                    <a:spcPct val="150000"/>
+                  </a:lnSpc>
+                  <a:buFont typeface="Wingdings" panose="05000000000000000000" pitchFamily="2" charset="2"/>
+                  <a:buChar char="p"/>
+                </a:pPr>
+                <a:r>
+                  <a:rPr lang="en-US" altLang="zh-TW" sz="1600" b="1" dirty="0" smtClean="0">
+                    <a:latin typeface="微軟正黑體" panose="020B0604030504040204" pitchFamily="34" charset="-120"/>
+                    <a:ea typeface="微軟正黑體" panose="020B0604030504040204" pitchFamily="34" charset="-120"/>
+                  </a:rPr>
+                  <a:t>Logging</a:t>
+                </a:r>
+                <a:r>
+                  <a:rPr lang="en-US" altLang="zh-TW" sz="1600" dirty="0" smtClean="0">
+                    <a:latin typeface="微軟正黑體" panose="020B0604030504040204" pitchFamily="34" charset="-120"/>
+                    <a:ea typeface="微軟正黑體" panose="020B0604030504040204" pitchFamily="34" charset="-120"/>
+                  </a:rPr>
+                  <a:t> : use logging in the development</a:t>
+                </a:r>
+              </a:p>
+              <a:p>
+                <a:pPr marL="342900" indent="-342900">
+                  <a:lnSpc>
+                    <a:spcPct val="150000"/>
+                  </a:lnSpc>
+                  <a:buFont typeface="Wingdings" panose="05000000000000000000" pitchFamily="2" charset="2"/>
+                  <a:buChar char="p"/>
+                </a:pPr>
+                <a:r>
+                  <a:rPr lang="en-US" altLang="zh-TW" sz="1600" b="1" dirty="0" smtClean="0">
+                    <a:latin typeface="微軟正黑體" panose="020B0604030504040204" pitchFamily="34" charset="-120"/>
+                    <a:ea typeface="微軟正黑體" panose="020B0604030504040204" pitchFamily="34" charset="-120"/>
+                  </a:rPr>
+                  <a:t>Env var </a:t>
+                </a:r>
+                <a:r>
+                  <a:rPr lang="en-US" altLang="zh-TW" sz="1600" dirty="0" smtClean="0">
+                    <a:latin typeface="微軟正黑體" panose="020B0604030504040204" pitchFamily="34" charset="-120"/>
+                    <a:ea typeface="微軟正黑體" panose="020B0604030504040204" pitchFamily="34" charset="-120"/>
+                  </a:rPr>
+                  <a:t>: Set </a:t>
+                </a:r>
+                <a:r>
+                  <a:rPr lang="en-US" altLang="zh-TW" sz="1600" u="sng" dirty="0" smtClean="0">
+                    <a:latin typeface="微軟正黑體" panose="020B0604030504040204" pitchFamily="34" charset="-120"/>
+                    <a:ea typeface="微軟正黑體" panose="020B0604030504040204" pitchFamily="34" charset="-120"/>
+                  </a:rPr>
+                  <a:t>environment variable</a:t>
+                </a:r>
+              </a:p>
+              <a:p>
+                <a:pPr marL="342900" indent="-342900">
+                  <a:lnSpc>
+                    <a:spcPct val="150000"/>
+                  </a:lnSpc>
+                  <a:buFont typeface="Wingdings" panose="05000000000000000000" pitchFamily="2" charset="2"/>
+                  <a:buChar char="p"/>
+                </a:pPr>
+                <a:r>
+                  <a:rPr lang="en-US" altLang="zh-TW" sz="1600" b="1" dirty="0" smtClean="0">
+                    <a:latin typeface="微軟正黑體" panose="020B0604030504040204" pitchFamily="34" charset="-120"/>
+                    <a:ea typeface="微軟正黑體" panose="020B0604030504040204" pitchFamily="34" charset="-120"/>
+                  </a:rPr>
+                  <a:t>Git</a:t>
+                </a:r>
+                <a:r>
+                  <a:rPr lang="en-US" altLang="zh-TW" sz="1600" dirty="0" smtClean="0">
+                    <a:latin typeface="微軟正黑體" panose="020B0604030504040204" pitchFamily="34" charset="-120"/>
+                    <a:ea typeface="微軟正黑體" panose="020B0604030504040204" pitchFamily="34" charset="-120"/>
+                  </a:rPr>
+                  <a:t> : Use </a:t>
+                </a:r>
+                <a:r>
+                  <a:rPr lang="en-US" altLang="zh-TW" sz="1600" u="sng" dirty="0">
+                    <a:latin typeface="微軟正黑體" panose="020B0604030504040204" pitchFamily="34" charset="-120"/>
+                    <a:ea typeface="微軟正黑體" panose="020B0604030504040204" pitchFamily="34" charset="-120"/>
+                  </a:rPr>
+                  <a:t>G</a:t>
+                </a:r>
+                <a:r>
+                  <a:rPr lang="en-US" altLang="zh-TW" sz="1600" u="sng" dirty="0" smtClean="0">
+                    <a:latin typeface="微軟正黑體" panose="020B0604030504040204" pitchFamily="34" charset="-120"/>
+                    <a:ea typeface="微軟正黑體" panose="020B0604030504040204" pitchFamily="34" charset="-120"/>
+                  </a:rPr>
+                  <a:t>it</a:t>
+                </a:r>
+                <a:r>
+                  <a:rPr lang="en-US" altLang="zh-TW" sz="1600" dirty="0" smtClean="0">
+                    <a:latin typeface="微軟正黑體" panose="020B0604030504040204" pitchFamily="34" charset="-120"/>
+                    <a:ea typeface="微軟正黑體" panose="020B0604030504040204" pitchFamily="34" charset="-120"/>
+                  </a:rPr>
+                  <a:t> track the development progress &amp; use </a:t>
+                </a:r>
+                <a:r>
+                  <a:rPr lang="en-US" altLang="zh-TW" sz="1600" u="sng" dirty="0" smtClean="0">
+                    <a:latin typeface="微軟正黑體" panose="020B0604030504040204" pitchFamily="34" charset="-120"/>
+                    <a:ea typeface="微軟正黑體" panose="020B0604030504040204" pitchFamily="34" charset="-120"/>
+                  </a:rPr>
+                  <a:t>branch</a:t>
+                </a:r>
+                <a:r>
+                  <a:rPr lang="en-US" altLang="zh-TW" sz="1600" dirty="0" smtClean="0">
+                    <a:latin typeface="微軟正黑體" panose="020B0604030504040204" pitchFamily="34" charset="-120"/>
+                    <a:ea typeface="微軟正黑體" panose="020B0604030504040204" pitchFamily="34" charset="-120"/>
+                  </a:rPr>
+                  <a:t> to split the subtask </a:t>
+                </a:r>
+              </a:p>
+              <a:p>
+                <a:pPr marL="342900" indent="-342900">
+                  <a:lnSpc>
+                    <a:spcPct val="150000"/>
+                  </a:lnSpc>
+                  <a:buFont typeface="Wingdings" panose="05000000000000000000" pitchFamily="2" charset="2"/>
+                  <a:buChar char="p"/>
+                </a:pPr>
+                <a:r>
+                  <a:rPr lang="en-US" altLang="zh-TW" sz="1600" b="1" dirty="0">
+                    <a:latin typeface="微軟正黑體" panose="020B0604030504040204" pitchFamily="34" charset="-120"/>
+                  </a:rPr>
+                  <a:t>Model evaluation</a:t>
+                </a:r>
+                <a:r>
+                  <a:rPr lang="en-US" altLang="zh-TW" sz="1600" dirty="0">
+                    <a:latin typeface="微軟正黑體" panose="020B0604030504040204" pitchFamily="34" charset="-120"/>
+                  </a:rPr>
+                  <a:t> : </a:t>
+                </a:r>
+                <a14:m>
+                  <m:oMath xmlns:m="http://schemas.openxmlformats.org/officeDocument/2006/math">
+                    <m:sSub>
+                      <m:sSubPr>
+                        <m:ctrlPr>
+                          <a:rPr lang="en-US" altLang="zh-TW" sz="1600" i="1">
+                            <a:latin typeface="Cambria Math" panose="02040503050406030204" pitchFamily="18" charset="0"/>
+                          </a:rPr>
+                        </m:ctrlPr>
+                      </m:sSubPr>
+                      <m:e>
+                        <m:r>
+                          <a:rPr lang="en-US" altLang="zh-TW" sz="1600" i="1">
+                            <a:latin typeface="Cambria Math" panose="02040503050406030204" pitchFamily="18" charset="0"/>
+                          </a:rPr>
+                          <m:t>𝑓</m:t>
+                        </m:r>
+                      </m:e>
+                      <m:sub>
+                        <m:r>
+                          <a:rPr lang="en-US" altLang="zh-TW" sz="1600" i="1">
+                            <a:latin typeface="Cambria Math" panose="02040503050406030204" pitchFamily="18" charset="0"/>
+                          </a:rPr>
+                          <m:t>1</m:t>
+                        </m:r>
+                      </m:sub>
+                    </m:sSub>
+                    <m:r>
+                      <a:rPr lang="en-US" altLang="zh-TW" sz="1600" i="1">
+                        <a:latin typeface="Cambria Math" panose="02040503050406030204" pitchFamily="18" charset="0"/>
+                      </a:rPr>
+                      <m:t>𝑠𝑐𝑜𝑟𝑒</m:t>
+                    </m:r>
+                    <m:r>
+                      <a:rPr lang="en-US" altLang="zh-TW" sz="1600" i="1">
+                        <a:latin typeface="Cambria Math" panose="02040503050406030204" pitchFamily="18" charset="0"/>
+                      </a:rPr>
+                      <m:t>&gt;0.8 ;</m:t>
+                    </m:r>
+                    <m:r>
+                      <a:rPr lang="en-US" altLang="zh-TW" sz="1600" i="1">
+                        <a:latin typeface="Cambria Math" panose="02040503050406030204" pitchFamily="18" charset="0"/>
+                      </a:rPr>
+                      <m:t>𝑝𝑟𝑒𝑐𝑖𝑠𝑖𝑜𝑛</m:t>
+                    </m:r>
+                    <m:r>
+                      <a:rPr lang="en-US" altLang="zh-TW" sz="1600" i="1">
+                        <a:latin typeface="Cambria Math" panose="02040503050406030204" pitchFamily="18" charset="0"/>
+                      </a:rPr>
+                      <m:t>&gt;0.9</m:t>
+                    </m:r>
+                  </m:oMath>
+                </a14:m>
+                <a:r>
+                  <a:rPr lang="en-US" altLang="zh-TW" sz="1600" dirty="0">
+                    <a:latin typeface="微軟正黑體" panose="020B0604030504040204" pitchFamily="34" charset="-120"/>
+                  </a:rPr>
+                  <a:t> </a:t>
+                </a:r>
+                <a:endParaRPr lang="en-US" altLang="zh-TW" sz="1600" dirty="0" smtClean="0">
+                  <a:latin typeface="微軟正黑體" panose="020B0604030504040204" pitchFamily="34" charset="-120"/>
+                  <a:ea typeface="微軟正黑體" panose="020B0604030504040204" pitchFamily="34" charset="-120"/>
+                </a:endParaRPr>
+              </a:p>
+              <a:p>
+                <a:pPr marL="342900" indent="-342900">
+                  <a:buFont typeface="+mj-lt"/>
+                  <a:buAutoNum type="arabicPeriod"/>
+                </a:pPr>
+                <a:endParaRPr lang="en-US" altLang="zh-TW" sz="1200" b="1" dirty="0" smtClean="0">
+                  <a:latin typeface="微軟正黑體" panose="020B0604030504040204" pitchFamily="34" charset="-120"/>
+                  <a:ea typeface="微軟正黑體" panose="020B0604030504040204" pitchFamily="34" charset="-120"/>
+                </a:endParaRPr>
+              </a:p>
+              <a:p>
+                <a:pPr marL="342900" indent="-342900">
+                  <a:buFont typeface="+mj-lt"/>
+                  <a:buAutoNum type="arabicPeriod"/>
+                </a:pPr>
+                <a:endParaRPr lang="zh-TW" altLang="en-US" sz="1200" dirty="0">
+                  <a:latin typeface="微軟正黑體" panose="020B0604030504040204" pitchFamily="34" charset="-120"/>
+                  <a:ea typeface="微軟正黑體" panose="020B0604030504040204" pitchFamily="34" charset="-120"/>
+                </a:endParaRPr>
+              </a:p>
+            </p:txBody>
+          </p:sp>
+        </mc:Choice>
+        <mc:Fallback>
+          <p:sp>
+            <p:nvSpPr>
+              <p:cNvPr id="9" name="文字方塊 8"/>
+              <p:cNvSpPr txBox="1">
+                <a:spLocks noRot="1" noChangeAspect="1" noMove="1" noResize="1" noEditPoints="1" noAdjustHandles="1" noChangeArrowheads="1" noChangeShapeType="1" noTextEdit="1"/>
+              </p:cNvSpPr>
+              <p:nvPr/>
+            </p:nvSpPr>
+            <p:spPr>
+              <a:xfrm>
+                <a:off x="4076588" y="2876553"/>
+                <a:ext cx="6682334" cy="3416320"/>
+              </a:xfrm>
+              <a:prstGeom prst="rect">
+                <a:avLst/>
+              </a:prstGeom>
+              <a:blipFill>
+                <a:blip r:embed="rId2"/>
+                <a:stretch>
+                  <a:fillRect l="-365"/>
+                </a:stretch>
+              </a:blipFill>
+            </p:spPr>
+            <p:txBody>
+              <a:bodyPr/>
+              <a:lstStyle/>
+              <a:p>
+                <a:r>
+                  <a:rPr lang="zh-TW" altLang="en-US">
+                    <a:noFill/>
+                  </a:rPr>
+                  <a:t> </a:t>
+                </a:r>
+              </a:p>
+            </p:txBody>
+          </p:sp>
+        </mc:Fallback>
+      </mc:AlternateContent>
+      <p:grpSp>
+        <p:nvGrpSpPr>
+          <p:cNvPr id="2" name="群組 1"/>
+          <p:cNvGrpSpPr/>
+          <p:nvPr/>
+        </p:nvGrpSpPr>
+        <p:grpSpPr>
+          <a:xfrm>
+            <a:off x="2438648" y="1746825"/>
+            <a:ext cx="1046286" cy="2611420"/>
+            <a:chOff x="2438648" y="1746825"/>
+            <a:chExt cx="1046286" cy="2611420"/>
+          </a:xfrm>
+        </p:grpSpPr>
+        <p:pic>
+          <p:nvPicPr>
+            <p:cNvPr id="11" name="圖片 10"/>
+            <p:cNvPicPr>
+              <a:picLocks noChangeAspect="1"/>
+            </p:cNvPicPr>
+            <p:nvPr/>
+          </p:nvPicPr>
+          <p:blipFill>
+            <a:blip r:embed="rId3">
+              <a:extLst>
+                <a:ext uri="{28A0092B-C50C-407E-A947-70E740481C1C}">
+                  <a14:useLocalDpi xmlns:a14="http://schemas.microsoft.com/office/drawing/2010/main" val="0"/>
+                </a:ext>
+              </a:extLst>
+            </a:blip>
+            <a:stretch>
+              <a:fillRect/>
+            </a:stretch>
+          </p:blipFill>
+          <p:spPr>
+            <a:xfrm>
+              <a:off x="2438649" y="1746825"/>
+              <a:ext cx="1046285" cy="1046285"/>
+            </a:xfrm>
+            <a:prstGeom prst="rect">
+              <a:avLst/>
+            </a:prstGeom>
+          </p:spPr>
+        </p:pic>
+        <p:pic>
+          <p:nvPicPr>
+            <p:cNvPr id="12" name="圖片 11"/>
+            <p:cNvPicPr>
+              <a:picLocks noChangeAspect="1"/>
+            </p:cNvPicPr>
+            <p:nvPr/>
+          </p:nvPicPr>
+          <p:blipFill>
+            <a:blip r:embed="rId3">
+              <a:extLst>
+                <a:ext uri="{28A0092B-C50C-407E-A947-70E740481C1C}">
+                  <a14:useLocalDpi xmlns:a14="http://schemas.microsoft.com/office/drawing/2010/main" val="0"/>
+                </a:ext>
+              </a:extLst>
+            </a:blip>
+            <a:stretch>
+              <a:fillRect/>
+            </a:stretch>
+          </p:blipFill>
+          <p:spPr>
+            <a:xfrm>
+              <a:off x="2438649" y="2540581"/>
+              <a:ext cx="1046285" cy="1046285"/>
+            </a:xfrm>
+            <a:prstGeom prst="rect">
+              <a:avLst/>
+            </a:prstGeom>
+          </p:spPr>
+        </p:pic>
+        <p:pic>
+          <p:nvPicPr>
+            <p:cNvPr id="14" name="圖片 13"/>
+            <p:cNvPicPr>
+              <a:picLocks noChangeAspect="1"/>
+            </p:cNvPicPr>
+            <p:nvPr/>
+          </p:nvPicPr>
+          <p:blipFill>
+            <a:blip r:embed="rId3">
+              <a:extLst>
+                <a:ext uri="{28A0092B-C50C-407E-A947-70E740481C1C}">
+                  <a14:useLocalDpi xmlns:a14="http://schemas.microsoft.com/office/drawing/2010/main" val="0"/>
+                </a:ext>
+              </a:extLst>
+            </a:blip>
+            <a:stretch>
+              <a:fillRect/>
+            </a:stretch>
+          </p:blipFill>
+          <p:spPr>
+            <a:xfrm>
+              <a:off x="2438648" y="3311960"/>
+              <a:ext cx="1046285" cy="1046285"/>
+            </a:xfrm>
+            <a:prstGeom prst="rect">
+              <a:avLst/>
+            </a:prstGeom>
+          </p:spPr>
+        </p:pic>
+      </p:grpSp>
+    </p:spTree>
+    <p:extLst>
+      <p:ext uri="{BB962C8B-B14F-4D97-AF65-F5344CB8AC3E}">
+        <p14:creationId xmlns:p14="http://schemas.microsoft.com/office/powerpoint/2010/main" val="3851327138"/>
+      </p:ext>
+    </p:extLst>
+  </p:cSld>
+  <p:clrMapOvr>
+    <a:masterClrMapping/>
+  </p:clrMapOvr>
+  <p:timing>
+    <p:tnLst>
+      <p:par>
+        <p:cTn id="1" dur="indefinite" restart="never" nodeType="tmRoot"/>
+      </p:par>
+    </p:tnLst>
+  </p:timing>
+</p:sld>
+</file>
+
+<file path=ppt/slides/slide19.xml><?xml version="1.0" encoding="utf-8"?>
 <p:sld xmlns:a="http://schemas.openxmlformats.org/drawingml/2006/main" xmlns:r="http://schemas.openxmlformats.org/officeDocument/2006/relationships" xmlns:p="http://schemas.openxmlformats.org/presentationml/2006/main">
   <p:cSld>
     <p:spTree>
@@ -16100,7 +15412,7 @@
             <a:fld id="{8A7A6979-0714-4377-B894-6BE4C2D6E202}" type="slidenum">
               <a:rPr lang="en-US" smtClean="0"/>
               <a:pPr/>
-              <a:t>18</a:t>
+              <a:t>19</a:t>
             </a:fld>
             <a:endParaRPr lang="en-US" dirty="0"/>
           </a:p>
@@ -16267,6 +15579,574 @@
           <a:bodyPr/>
           <a:lstStyle/>
           <a:p>
+            <a:fld id="{AB466D01-7706-436F-9F52-242116AE38B2}" type="datetime1">
+              <a:rPr lang="en-US" altLang="zh-TW" smtClean="0"/>
+              <a:t>8/5/2021</a:t>
+            </a:fld>
+            <a:endParaRPr lang="en-US" dirty="0"/>
+          </a:p>
+        </p:txBody>
+      </p:sp>
+      <p:sp>
+        <p:nvSpPr>
+          <p:cNvPr id="6" name="投影片編號版面配置區 5"/>
+          <p:cNvSpPr>
+            <a:spLocks noGrp="1"/>
+          </p:cNvSpPr>
+          <p:nvPr>
+            <p:ph type="sldNum" sz="quarter" idx="12"/>
+          </p:nvPr>
+        </p:nvSpPr>
+        <p:spPr/>
+        <p:txBody>
+          <a:bodyPr/>
+          <a:lstStyle/>
+          <a:p>
+            <a:fld id="{8A7A6979-0714-4377-B894-6BE4C2D6E202}" type="slidenum">
+              <a:rPr lang="en-US" smtClean="0"/>
+              <a:pPr/>
+              <a:t>2</a:t>
+            </a:fld>
+            <a:endParaRPr lang="en-US" dirty="0"/>
+          </a:p>
+        </p:txBody>
+      </p:sp>
+      <p:sp>
+        <p:nvSpPr>
+          <p:cNvPr id="8" name="文字方塊 7"/>
+          <p:cNvSpPr txBox="1"/>
+          <p:nvPr/>
+        </p:nvSpPr>
+        <p:spPr>
+          <a:xfrm>
+            <a:off x="4076588" y="1955806"/>
+            <a:ext cx="6034566" cy="584775"/>
+          </a:xfrm>
+          <a:prstGeom prst="rect">
+            <a:avLst/>
+          </a:prstGeom>
+          <a:noFill/>
+        </p:spPr>
+        <p:txBody>
+          <a:bodyPr wrap="square" rtlCol="0">
+            <a:spAutoFit/>
+          </a:bodyPr>
+          <a:lstStyle/>
+          <a:p>
+            <a:r>
+              <a:rPr lang="en-US" altLang="zh-TW" sz="3200" dirty="0" smtClean="0">
+                <a:latin typeface="Arial Black" panose="020B0A04020102020204" pitchFamily="34" charset="0"/>
+              </a:rPr>
+              <a:t>Development Goals</a:t>
+            </a:r>
+            <a:endParaRPr lang="zh-TW" altLang="en-US" sz="3200" dirty="0">
+              <a:latin typeface="Arial Black" panose="020B0A04020102020204" pitchFamily="34" charset="0"/>
+            </a:endParaRPr>
+          </a:p>
+        </p:txBody>
+      </p:sp>
+      <mc:AlternateContent xmlns:mc="http://schemas.openxmlformats.org/markup-compatibility/2006">
+        <mc:Choice xmlns:a14="http://schemas.microsoft.com/office/drawing/2010/main" Requires="a14">
+          <p:sp>
+            <p:nvSpPr>
+              <p:cNvPr id="9" name="文字方塊 8"/>
+              <p:cNvSpPr txBox="1"/>
+              <p:nvPr/>
+            </p:nvSpPr>
+            <p:spPr>
+              <a:xfrm>
+                <a:off x="4076588" y="2876553"/>
+                <a:ext cx="6682334" cy="3416320"/>
+              </a:xfrm>
+              <a:prstGeom prst="rect">
+                <a:avLst/>
+              </a:prstGeom>
+              <a:noFill/>
+            </p:spPr>
+            <p:txBody>
+              <a:bodyPr wrap="square" rtlCol="0">
+                <a:spAutoFit/>
+              </a:bodyPr>
+              <a:lstStyle/>
+              <a:p>
+                <a:pPr marL="342900" indent="-342900">
+                  <a:lnSpc>
+                    <a:spcPct val="150000"/>
+                  </a:lnSpc>
+                  <a:buFont typeface="Wingdings" panose="05000000000000000000" pitchFamily="2" charset="2"/>
+                  <a:buChar char="p"/>
+                </a:pPr>
+                <a:r>
+                  <a:rPr lang="en-US" altLang="zh-TW" sz="1600" b="1" dirty="0" smtClean="0">
+                    <a:latin typeface="微軟正黑體" panose="020B0604030504040204" pitchFamily="34" charset="-120"/>
+                    <a:ea typeface="微軟正黑體" panose="020B0604030504040204" pitchFamily="34" charset="-120"/>
+                  </a:rPr>
+                  <a:t>Input / Output </a:t>
+                </a:r>
+                <a:r>
+                  <a:rPr lang="en-US" altLang="zh-TW" sz="1600" dirty="0" smtClean="0">
+                    <a:latin typeface="微軟正黑體" panose="020B0604030504040204" pitchFamily="34" charset="-120"/>
+                    <a:ea typeface="微軟正黑體" panose="020B0604030504040204" pitchFamily="34" charset="-120"/>
+                  </a:rPr>
+                  <a:t>: String content / Label &amp; Probability</a:t>
+                </a:r>
+              </a:p>
+              <a:p>
+                <a:pPr marL="342900" indent="-342900">
+                  <a:lnSpc>
+                    <a:spcPct val="150000"/>
+                  </a:lnSpc>
+                  <a:buFont typeface="Wingdings" panose="05000000000000000000" pitchFamily="2" charset="2"/>
+                  <a:buChar char="p"/>
+                </a:pPr>
+                <a:r>
+                  <a:rPr lang="en-US" altLang="zh-TW" sz="1600" b="1" dirty="0" smtClean="0">
+                    <a:latin typeface="微軟正黑體" panose="020B0604030504040204" pitchFamily="34" charset="-120"/>
+                    <a:ea typeface="微軟正黑體" panose="020B0604030504040204" pitchFamily="34" charset="-120"/>
+                  </a:rPr>
+                  <a:t>CLI app</a:t>
+                </a:r>
+              </a:p>
+              <a:p>
+                <a:pPr marL="342900" indent="-342900">
+                  <a:lnSpc>
+                    <a:spcPct val="150000"/>
+                  </a:lnSpc>
+                  <a:buFont typeface="Wingdings" panose="05000000000000000000" pitchFamily="2" charset="2"/>
+                  <a:buChar char="p"/>
+                </a:pPr>
+                <a:r>
+                  <a:rPr lang="en-US" altLang="zh-TW" sz="1600" b="1" dirty="0" smtClean="0">
+                    <a:latin typeface="微軟正黑體" panose="020B0604030504040204" pitchFamily="34" charset="-120"/>
+                    <a:ea typeface="微軟正黑體" panose="020B0604030504040204" pitchFamily="34" charset="-120"/>
+                  </a:rPr>
+                  <a:t>WEB app</a:t>
+                </a:r>
+              </a:p>
+              <a:p>
+                <a:pPr marL="342900" indent="-342900">
+                  <a:lnSpc>
+                    <a:spcPct val="150000"/>
+                  </a:lnSpc>
+                  <a:buFont typeface="Wingdings" panose="05000000000000000000" pitchFamily="2" charset="2"/>
+                  <a:buChar char="p"/>
+                </a:pPr>
+                <a:r>
+                  <a:rPr lang="en-US" altLang="zh-TW" sz="1600" b="1" dirty="0" smtClean="0">
+                    <a:latin typeface="微軟正黑體" panose="020B0604030504040204" pitchFamily="34" charset="-120"/>
+                    <a:ea typeface="微軟正黑體" panose="020B0604030504040204" pitchFamily="34" charset="-120"/>
+                  </a:rPr>
+                  <a:t>Logging</a:t>
+                </a:r>
+                <a:r>
+                  <a:rPr lang="en-US" altLang="zh-TW" sz="1600" dirty="0" smtClean="0">
+                    <a:latin typeface="微軟正黑體" panose="020B0604030504040204" pitchFamily="34" charset="-120"/>
+                    <a:ea typeface="微軟正黑體" panose="020B0604030504040204" pitchFamily="34" charset="-120"/>
+                  </a:rPr>
+                  <a:t> : use logging in the development</a:t>
+                </a:r>
+              </a:p>
+              <a:p>
+                <a:pPr marL="342900" indent="-342900">
+                  <a:lnSpc>
+                    <a:spcPct val="150000"/>
+                  </a:lnSpc>
+                  <a:buFont typeface="Wingdings" panose="05000000000000000000" pitchFamily="2" charset="2"/>
+                  <a:buChar char="p"/>
+                </a:pPr>
+                <a:r>
+                  <a:rPr lang="en-US" altLang="zh-TW" sz="1600" b="1" dirty="0" smtClean="0">
+                    <a:latin typeface="微軟正黑體" panose="020B0604030504040204" pitchFamily="34" charset="-120"/>
+                    <a:ea typeface="微軟正黑體" panose="020B0604030504040204" pitchFamily="34" charset="-120"/>
+                  </a:rPr>
+                  <a:t>Env var </a:t>
+                </a:r>
+                <a:r>
+                  <a:rPr lang="en-US" altLang="zh-TW" sz="1600" dirty="0" smtClean="0">
+                    <a:latin typeface="微軟正黑體" panose="020B0604030504040204" pitchFamily="34" charset="-120"/>
+                    <a:ea typeface="微軟正黑體" panose="020B0604030504040204" pitchFamily="34" charset="-120"/>
+                  </a:rPr>
+                  <a:t>: Set </a:t>
+                </a:r>
+                <a:r>
+                  <a:rPr lang="en-US" altLang="zh-TW" sz="1600" u="sng" dirty="0" smtClean="0">
+                    <a:latin typeface="微軟正黑體" panose="020B0604030504040204" pitchFamily="34" charset="-120"/>
+                    <a:ea typeface="微軟正黑體" panose="020B0604030504040204" pitchFamily="34" charset="-120"/>
+                  </a:rPr>
+                  <a:t>environment variable</a:t>
+                </a:r>
+              </a:p>
+              <a:p>
+                <a:pPr marL="342900" indent="-342900">
+                  <a:lnSpc>
+                    <a:spcPct val="150000"/>
+                  </a:lnSpc>
+                  <a:buFont typeface="Wingdings" panose="05000000000000000000" pitchFamily="2" charset="2"/>
+                  <a:buChar char="p"/>
+                </a:pPr>
+                <a:r>
+                  <a:rPr lang="en-US" altLang="zh-TW" sz="1600" b="1" dirty="0" smtClean="0">
+                    <a:latin typeface="微軟正黑體" panose="020B0604030504040204" pitchFamily="34" charset="-120"/>
+                    <a:ea typeface="微軟正黑體" panose="020B0604030504040204" pitchFamily="34" charset="-120"/>
+                  </a:rPr>
+                  <a:t>Git</a:t>
+                </a:r>
+                <a:r>
+                  <a:rPr lang="en-US" altLang="zh-TW" sz="1600" dirty="0" smtClean="0">
+                    <a:latin typeface="微軟正黑體" panose="020B0604030504040204" pitchFamily="34" charset="-120"/>
+                    <a:ea typeface="微軟正黑體" panose="020B0604030504040204" pitchFamily="34" charset="-120"/>
+                  </a:rPr>
+                  <a:t> : Use </a:t>
+                </a:r>
+                <a:r>
+                  <a:rPr lang="en-US" altLang="zh-TW" sz="1600" u="sng" dirty="0">
+                    <a:latin typeface="微軟正黑體" panose="020B0604030504040204" pitchFamily="34" charset="-120"/>
+                    <a:ea typeface="微軟正黑體" panose="020B0604030504040204" pitchFamily="34" charset="-120"/>
+                  </a:rPr>
+                  <a:t>G</a:t>
+                </a:r>
+                <a:r>
+                  <a:rPr lang="en-US" altLang="zh-TW" sz="1600" u="sng" dirty="0" smtClean="0">
+                    <a:latin typeface="微軟正黑體" panose="020B0604030504040204" pitchFamily="34" charset="-120"/>
+                    <a:ea typeface="微軟正黑體" panose="020B0604030504040204" pitchFamily="34" charset="-120"/>
+                  </a:rPr>
+                  <a:t>it</a:t>
+                </a:r>
+                <a:r>
+                  <a:rPr lang="en-US" altLang="zh-TW" sz="1600" dirty="0" smtClean="0">
+                    <a:latin typeface="微軟正黑體" panose="020B0604030504040204" pitchFamily="34" charset="-120"/>
+                    <a:ea typeface="微軟正黑體" panose="020B0604030504040204" pitchFamily="34" charset="-120"/>
+                  </a:rPr>
+                  <a:t> track the development progress &amp; use </a:t>
+                </a:r>
+                <a:r>
+                  <a:rPr lang="en-US" altLang="zh-TW" sz="1600" u="sng" dirty="0" smtClean="0">
+                    <a:latin typeface="微軟正黑體" panose="020B0604030504040204" pitchFamily="34" charset="-120"/>
+                    <a:ea typeface="微軟正黑體" panose="020B0604030504040204" pitchFamily="34" charset="-120"/>
+                  </a:rPr>
+                  <a:t>branch</a:t>
+                </a:r>
+                <a:r>
+                  <a:rPr lang="en-US" altLang="zh-TW" sz="1600" dirty="0" smtClean="0">
+                    <a:latin typeface="微軟正黑體" panose="020B0604030504040204" pitchFamily="34" charset="-120"/>
+                    <a:ea typeface="微軟正黑體" panose="020B0604030504040204" pitchFamily="34" charset="-120"/>
+                  </a:rPr>
+                  <a:t> to split the subtask </a:t>
+                </a:r>
+              </a:p>
+              <a:p>
+                <a:pPr marL="342900" indent="-342900">
+                  <a:lnSpc>
+                    <a:spcPct val="150000"/>
+                  </a:lnSpc>
+                  <a:buFont typeface="Wingdings" panose="05000000000000000000" pitchFamily="2" charset="2"/>
+                  <a:buChar char="p"/>
+                </a:pPr>
+                <a:r>
+                  <a:rPr lang="en-US" altLang="zh-TW" sz="1600" b="1" dirty="0" smtClean="0">
+                    <a:latin typeface="微軟正黑體" panose="020B0604030504040204" pitchFamily="34" charset="-120"/>
+                    <a:ea typeface="微軟正黑體" panose="020B0604030504040204" pitchFamily="34" charset="-120"/>
+                  </a:rPr>
+                  <a:t>Model evaluation</a:t>
+                </a:r>
+                <a:r>
+                  <a:rPr lang="en-US" altLang="zh-TW" sz="1600" dirty="0" smtClean="0">
+                    <a:latin typeface="微軟正黑體" panose="020B0604030504040204" pitchFamily="34" charset="-120"/>
+                    <a:ea typeface="微軟正黑體" panose="020B0604030504040204" pitchFamily="34" charset="-120"/>
+                  </a:rPr>
+                  <a:t> : </a:t>
+                </a:r>
+                <a14:m>
+                  <m:oMath xmlns:m="http://schemas.openxmlformats.org/officeDocument/2006/math">
+                    <m:sSub>
+                      <m:sSubPr>
+                        <m:ctrlPr>
+                          <a:rPr lang="en-US" altLang="zh-TW" sz="1600" i="1" smtClean="0">
+                            <a:latin typeface="Cambria Math" panose="02040503050406030204" pitchFamily="18" charset="0"/>
+                            <a:ea typeface="微軟正黑體" panose="020B0604030504040204" pitchFamily="34" charset="-120"/>
+                          </a:rPr>
+                        </m:ctrlPr>
+                      </m:sSubPr>
+                      <m:e>
+                        <m:r>
+                          <a:rPr lang="en-US" altLang="zh-TW" sz="1600" b="0" i="1" smtClean="0">
+                            <a:latin typeface="Cambria Math" panose="02040503050406030204" pitchFamily="18" charset="0"/>
+                            <a:ea typeface="微軟正黑體" panose="020B0604030504040204" pitchFamily="34" charset="-120"/>
+                          </a:rPr>
+                          <m:t>𝑓</m:t>
+                        </m:r>
+                      </m:e>
+                      <m:sub>
+                        <m:r>
+                          <a:rPr lang="en-US" altLang="zh-TW" sz="1600" b="0" i="1" smtClean="0">
+                            <a:latin typeface="Cambria Math" panose="02040503050406030204" pitchFamily="18" charset="0"/>
+                            <a:ea typeface="微軟正黑體" panose="020B0604030504040204" pitchFamily="34" charset="-120"/>
+                          </a:rPr>
+                          <m:t>1</m:t>
+                        </m:r>
+                      </m:sub>
+                    </m:sSub>
+                    <m:r>
+                      <a:rPr lang="en-US" altLang="zh-TW" sz="1600" b="0" i="1" smtClean="0">
+                        <a:latin typeface="Cambria Math" panose="02040503050406030204" pitchFamily="18" charset="0"/>
+                        <a:ea typeface="微軟正黑體" panose="020B0604030504040204" pitchFamily="34" charset="-120"/>
+                      </a:rPr>
+                      <m:t>𝑠𝑐𝑜𝑟𝑒</m:t>
+                    </m:r>
+                    <m:r>
+                      <a:rPr lang="en-US" altLang="zh-TW" sz="1600" b="0" i="1" smtClean="0">
+                        <a:latin typeface="Cambria Math" panose="02040503050406030204" pitchFamily="18" charset="0"/>
+                        <a:ea typeface="微軟正黑體" panose="020B0604030504040204" pitchFamily="34" charset="-120"/>
+                      </a:rPr>
+                      <m:t>&gt;0.8 ;</m:t>
+                    </m:r>
+                    <m:r>
+                      <a:rPr lang="en-US" altLang="zh-TW" sz="1600" b="0" i="1" smtClean="0">
+                        <a:latin typeface="Cambria Math" panose="02040503050406030204" pitchFamily="18" charset="0"/>
+                        <a:ea typeface="微軟正黑體" panose="020B0604030504040204" pitchFamily="34" charset="-120"/>
+                      </a:rPr>
+                      <m:t>𝑝𝑟𝑒𝑐𝑖𝑠𝑖𝑜𝑛</m:t>
+                    </m:r>
+                    <m:r>
+                      <a:rPr lang="en-US" altLang="zh-TW" sz="1600" b="0" i="1" smtClean="0">
+                        <a:latin typeface="Cambria Math" panose="02040503050406030204" pitchFamily="18" charset="0"/>
+                        <a:ea typeface="微軟正黑體" panose="020B0604030504040204" pitchFamily="34" charset="-120"/>
+                      </a:rPr>
+                      <m:t>&gt;0.9</m:t>
+                    </m:r>
+                  </m:oMath>
+                </a14:m>
+                <a:r>
+                  <a:rPr lang="en-US" altLang="zh-TW" sz="1600" dirty="0" smtClean="0">
+                    <a:latin typeface="微軟正黑體" panose="020B0604030504040204" pitchFamily="34" charset="-120"/>
+                    <a:ea typeface="微軟正黑體" panose="020B0604030504040204" pitchFamily="34" charset="-120"/>
+                  </a:rPr>
+                  <a:t> </a:t>
+                </a:r>
+                <a:endParaRPr lang="en-US" altLang="zh-TW" sz="1600" dirty="0" smtClean="0">
+                  <a:latin typeface="微軟正黑體" panose="020B0604030504040204" pitchFamily="34" charset="-120"/>
+                  <a:ea typeface="微軟正黑體" panose="020B0604030504040204" pitchFamily="34" charset="-120"/>
+                </a:endParaRPr>
+              </a:p>
+              <a:p>
+                <a:pPr marL="342900" indent="-342900">
+                  <a:buFont typeface="+mj-lt"/>
+                  <a:buAutoNum type="arabicPeriod"/>
+                </a:pPr>
+                <a:endParaRPr lang="en-US" altLang="zh-TW" sz="1200" b="1" dirty="0" smtClean="0">
+                  <a:latin typeface="微軟正黑體" panose="020B0604030504040204" pitchFamily="34" charset="-120"/>
+                  <a:ea typeface="微軟正黑體" panose="020B0604030504040204" pitchFamily="34" charset="-120"/>
+                </a:endParaRPr>
+              </a:p>
+              <a:p>
+                <a:pPr marL="342900" indent="-342900">
+                  <a:buFont typeface="+mj-lt"/>
+                  <a:buAutoNum type="arabicPeriod"/>
+                </a:pPr>
+                <a:endParaRPr lang="zh-TW" altLang="en-US" sz="1200" dirty="0">
+                  <a:latin typeface="微軟正黑體" panose="020B0604030504040204" pitchFamily="34" charset="-120"/>
+                  <a:ea typeface="微軟正黑體" panose="020B0604030504040204" pitchFamily="34" charset="-120"/>
+                </a:endParaRPr>
+              </a:p>
+            </p:txBody>
+          </p:sp>
+        </mc:Choice>
+        <mc:Fallback>
+          <p:sp>
+            <p:nvSpPr>
+              <p:cNvPr id="9" name="文字方塊 8"/>
+              <p:cNvSpPr txBox="1">
+                <a:spLocks noRot="1" noChangeAspect="1" noMove="1" noResize="1" noEditPoints="1" noAdjustHandles="1" noChangeArrowheads="1" noChangeShapeType="1" noTextEdit="1"/>
+              </p:cNvSpPr>
+              <p:nvPr/>
+            </p:nvSpPr>
+            <p:spPr>
+              <a:xfrm>
+                <a:off x="4076588" y="2876553"/>
+                <a:ext cx="6682334" cy="3416320"/>
+              </a:xfrm>
+              <a:prstGeom prst="rect">
+                <a:avLst/>
+              </a:prstGeom>
+              <a:blipFill>
+                <a:blip r:embed="rId2"/>
+                <a:stretch>
+                  <a:fillRect l="-365"/>
+                </a:stretch>
+              </a:blipFill>
+            </p:spPr>
+            <p:txBody>
+              <a:bodyPr/>
+              <a:lstStyle/>
+              <a:p>
+                <a:r>
+                  <a:rPr lang="zh-TW" altLang="en-US">
+                    <a:noFill/>
+                  </a:rPr>
+                  <a:t> </a:t>
+                </a:r>
+              </a:p>
+            </p:txBody>
+          </p:sp>
+        </mc:Fallback>
+      </mc:AlternateContent>
+      <p:grpSp>
+        <p:nvGrpSpPr>
+          <p:cNvPr id="5" name="群組 4"/>
+          <p:cNvGrpSpPr/>
+          <p:nvPr/>
+        </p:nvGrpSpPr>
+        <p:grpSpPr>
+          <a:xfrm>
+            <a:off x="2494559" y="1858651"/>
+            <a:ext cx="934460" cy="2485267"/>
+            <a:chOff x="2494559" y="1858651"/>
+            <a:chExt cx="934460" cy="2485267"/>
+          </a:xfrm>
+        </p:grpSpPr>
+        <p:pic>
+          <p:nvPicPr>
+            <p:cNvPr id="3" name="圖片 2"/>
+            <p:cNvPicPr>
+              <a:picLocks noChangeAspect="1"/>
+            </p:cNvPicPr>
+            <p:nvPr/>
+          </p:nvPicPr>
+          <p:blipFill>
+            <a:blip r:embed="rId3">
+              <a:extLst>
+                <a:ext uri="{28A0092B-C50C-407E-A947-70E740481C1C}">
+                  <a14:useLocalDpi xmlns:a14="http://schemas.microsoft.com/office/drawing/2010/main" val="0"/>
+                </a:ext>
+              </a:extLst>
+            </a:blip>
+            <a:stretch>
+              <a:fillRect/>
+            </a:stretch>
+          </p:blipFill>
+          <p:spPr>
+            <a:xfrm>
+              <a:off x="2494560" y="1858651"/>
+              <a:ext cx="934459" cy="934459"/>
+            </a:xfrm>
+            <a:prstGeom prst="rect">
+              <a:avLst/>
+            </a:prstGeom>
+          </p:spPr>
+        </p:pic>
+        <p:pic>
+          <p:nvPicPr>
+            <p:cNvPr id="13" name="圖片 12"/>
+            <p:cNvPicPr>
+              <a:picLocks noChangeAspect="1"/>
+            </p:cNvPicPr>
+            <p:nvPr/>
+          </p:nvPicPr>
+          <p:blipFill>
+            <a:blip r:embed="rId3">
+              <a:extLst>
+                <a:ext uri="{28A0092B-C50C-407E-A947-70E740481C1C}">
+                  <a14:useLocalDpi xmlns:a14="http://schemas.microsoft.com/office/drawing/2010/main" val="0"/>
+                </a:ext>
+              </a:extLst>
+            </a:blip>
+            <a:stretch>
+              <a:fillRect/>
+            </a:stretch>
+          </p:blipFill>
+          <p:spPr>
+            <a:xfrm>
+              <a:off x="2494559" y="2634055"/>
+              <a:ext cx="934459" cy="934459"/>
+            </a:xfrm>
+            <a:prstGeom prst="rect">
+              <a:avLst/>
+            </a:prstGeom>
+          </p:spPr>
+        </p:pic>
+        <p:pic>
+          <p:nvPicPr>
+            <p:cNvPr id="15" name="圖片 14"/>
+            <p:cNvPicPr>
+              <a:picLocks noChangeAspect="1"/>
+            </p:cNvPicPr>
+            <p:nvPr/>
+          </p:nvPicPr>
+          <p:blipFill>
+            <a:blip r:embed="rId3">
+              <a:extLst>
+                <a:ext uri="{28A0092B-C50C-407E-A947-70E740481C1C}">
+                  <a14:useLocalDpi xmlns:a14="http://schemas.microsoft.com/office/drawing/2010/main" val="0"/>
+                </a:ext>
+              </a:extLst>
+            </a:blip>
+            <a:stretch>
+              <a:fillRect/>
+            </a:stretch>
+          </p:blipFill>
+          <p:spPr>
+            <a:xfrm>
+              <a:off x="2494559" y="3409459"/>
+              <a:ext cx="934459" cy="934459"/>
+            </a:xfrm>
+            <a:prstGeom prst="rect">
+              <a:avLst/>
+            </a:prstGeom>
+          </p:spPr>
+        </p:pic>
+      </p:grpSp>
+    </p:spTree>
+    <p:extLst>
+      <p:ext uri="{BB962C8B-B14F-4D97-AF65-F5344CB8AC3E}">
+        <p14:creationId xmlns:p14="http://schemas.microsoft.com/office/powerpoint/2010/main" val="217869494"/>
+      </p:ext>
+    </p:extLst>
+  </p:cSld>
+  <p:clrMapOvr>
+    <a:masterClrMapping/>
+  </p:clrMapOvr>
+  <p:timing>
+    <p:tnLst>
+      <p:par>
+        <p:cTn id="1" dur="indefinite" restart="never" nodeType="tmRoot"/>
+      </p:par>
+    </p:tnLst>
+  </p:timing>
+</p:sld>
+</file>
+
+<file path=ppt/slides/slide3.xml><?xml version="1.0" encoding="utf-8"?>
+<p:sld xmlns:a="http://schemas.openxmlformats.org/drawingml/2006/main" xmlns:r="http://schemas.openxmlformats.org/officeDocument/2006/relationships" xmlns:p="http://schemas.openxmlformats.org/presentationml/2006/main">
+  <p:cSld>
+    <p:spTree>
+      <p:nvGrpSpPr>
+        <p:cNvPr id="1" name=""/>
+        <p:cNvGrpSpPr/>
+        <p:nvPr/>
+      </p:nvGrpSpPr>
+      <p:grpSpPr>
+        <a:xfrm>
+          <a:off x="0" y="0"/>
+          <a:ext cx="0" cy="0"/>
+          <a:chOff x="0" y="0"/>
+          <a:chExt cx="0" cy="0"/>
+        </a:xfrm>
+      </p:grpSpPr>
+      <p:sp>
+        <p:nvSpPr>
+          <p:cNvPr id="4" name="日期版面配置區 3"/>
+          <p:cNvSpPr>
+            <a:spLocks noGrp="1"/>
+          </p:cNvSpPr>
+          <p:nvPr>
+            <p:ph type="dt" sz="half" idx="10"/>
+          </p:nvPr>
+        </p:nvSpPr>
+        <p:spPr/>
+        <p:txBody>
+          <a:bodyPr/>
+          <a:lstStyle/>
+          <a:p>
             <a:fld id="{0D41987E-CA76-4125-B5BC-83512E99FEBC}" type="datetime1">
               <a:rPr lang="en-US" altLang="zh-TW" smtClean="0"/>
               <a:t>8/5/2021</a:t>
@@ -16293,7 +16173,7 @@
             <a:fld id="{8A7A6979-0714-4377-B894-6BE4C2D6E202}" type="slidenum">
               <a:rPr lang="en-US" smtClean="0"/>
               <a:pPr/>
-              <a:t>2</a:t>
+              <a:t>3</a:t>
             </a:fld>
             <a:endParaRPr lang="en-US" dirty="0"/>
           </a:p>
@@ -17478,7 +17358,7 @@
 </p:sld>
 </file>
 
-<file path=ppt/slides/slide3.xml><?xml version="1.0" encoding="utf-8"?>
+<file path=ppt/slides/slide4.xml><?xml version="1.0" encoding="utf-8"?>
 <p:sld xmlns:a="http://schemas.openxmlformats.org/drawingml/2006/main" xmlns:r="http://schemas.openxmlformats.org/officeDocument/2006/relationships" xmlns:p="http://schemas.openxmlformats.org/presentationml/2006/main">
   <p:cSld>
     <p:spTree>
@@ -17536,7 +17416,7 @@
             <a:fld id="{8A7A6979-0714-4377-B894-6BE4C2D6E202}" type="slidenum">
               <a:rPr lang="en-US" smtClean="0"/>
               <a:pPr/>
-              <a:t>3</a:t>
+              <a:t>4</a:t>
             </a:fld>
             <a:endParaRPr lang="en-US" dirty="0"/>
           </a:p>
@@ -17675,7 +17555,7 @@
 </p:sld>
 </file>
 
-<file path=ppt/slides/slide4.xml><?xml version="1.0" encoding="utf-8"?>
+<file path=ppt/slides/slide5.xml><?xml version="1.0" encoding="utf-8"?>
 <p:sld xmlns:a="http://schemas.openxmlformats.org/drawingml/2006/main" xmlns:r="http://schemas.openxmlformats.org/officeDocument/2006/relationships" xmlns:p="http://schemas.openxmlformats.org/presentationml/2006/main">
   <p:cSld>
     <p:spTree>
@@ -17733,7 +17613,7 @@
             <a:fld id="{8A7A6979-0714-4377-B894-6BE4C2D6E202}" type="slidenum">
               <a:rPr lang="en-US" smtClean="0"/>
               <a:pPr/>
-              <a:t>4</a:t>
+              <a:t>5</a:t>
             </a:fld>
             <a:endParaRPr lang="en-US" dirty="0"/>
           </a:p>
@@ -17782,7 +17662,7 @@
         <p:spPr>
           <a:xfrm>
             <a:off x="4076588" y="2876553"/>
-            <a:ext cx="6621892" cy="2308324"/>
+            <a:ext cx="6621892" cy="2677656"/>
           </a:xfrm>
           <a:prstGeom prst="rect">
             <a:avLst/>
@@ -17821,8 +17701,49 @@
                 <a:latin typeface="微軟正黑體" panose="020B0604030504040204" pitchFamily="34" charset="-120"/>
                 <a:ea typeface="微軟正黑體" panose="020B0604030504040204" pitchFamily="34" charset="-120"/>
               </a:rPr>
-              <a:t> to access the database</a:t>
+              <a:t> to access the </a:t>
             </a:r>
+            <a:r>
+              <a:rPr lang="en-US" altLang="zh-TW" sz="1600" dirty="0" smtClean="0">
+                <a:latin typeface="微軟正黑體" panose="020B0604030504040204" pitchFamily="34" charset="-120"/>
+                <a:ea typeface="微軟正黑體" panose="020B0604030504040204" pitchFamily="34" charset="-120"/>
+              </a:rPr>
+              <a:t>database</a:t>
+            </a:r>
+          </a:p>
+          <a:p>
+            <a:pPr marL="742950" lvl="1" indent="-285750">
+              <a:lnSpc>
+                <a:spcPct val="150000"/>
+              </a:lnSpc>
+              <a:buFont typeface="Arial" panose="020B0604020202020204" pitchFamily="34" charset="0"/>
+              <a:buChar char="•"/>
+            </a:pPr>
+            <a:r>
+              <a:rPr lang="en-US" altLang="zh-TW" sz="1600" dirty="0" smtClean="0">
+                <a:latin typeface="微軟正黑體" panose="020B0604030504040204" pitchFamily="34" charset="-120"/>
+                <a:ea typeface="微軟正黑體" panose="020B0604030504040204" pitchFamily="34" charset="-120"/>
+              </a:rPr>
+              <a:t>Use </a:t>
+            </a:r>
+            <a:r>
+              <a:rPr lang="en-US" altLang="zh-TW" sz="1600" u="sng" dirty="0" smtClean="0">
+                <a:latin typeface="微軟正黑體" panose="020B0604030504040204" pitchFamily="34" charset="-120"/>
+                <a:ea typeface="微軟正黑體" panose="020B0604030504040204" pitchFamily="34" charset="-120"/>
+              </a:rPr>
+              <a:t>environment variable</a:t>
+            </a:r>
+            <a:r>
+              <a:rPr lang="en-US" altLang="zh-TW" sz="1600" dirty="0" smtClean="0">
+                <a:latin typeface="微軟正黑體" panose="020B0604030504040204" pitchFamily="34" charset="-120"/>
+                <a:ea typeface="微軟正黑體" panose="020B0604030504040204" pitchFamily="34" charset="-120"/>
+              </a:rPr>
+              <a:t> to set host, user and password</a:t>
+            </a:r>
+            <a:endParaRPr lang="en-US" altLang="zh-TW" sz="1600" dirty="0" smtClean="0">
+              <a:latin typeface="微軟正黑體" panose="020B0604030504040204" pitchFamily="34" charset="-120"/>
+              <a:ea typeface="微軟正黑體" panose="020B0604030504040204" pitchFamily="34" charset="-120"/>
+            </a:endParaRPr>
           </a:p>
           <a:p>
             <a:pPr marL="342900" indent="-342900">
@@ -18094,7 +18015,7 @@
 </p:sld>
 </file>
 
-<file path=ppt/slides/slide5.xml><?xml version="1.0" encoding="utf-8"?>
+<file path=ppt/slides/slide6.xml><?xml version="1.0" encoding="utf-8"?>
 <p:sld xmlns:a="http://schemas.openxmlformats.org/drawingml/2006/main" xmlns:r="http://schemas.openxmlformats.org/officeDocument/2006/relationships" xmlns:p="http://schemas.openxmlformats.org/presentationml/2006/main">
   <p:cSld>
     <p:spTree>
@@ -18152,7 +18073,7 @@
             <a:fld id="{8A7A6979-0714-4377-B894-6BE4C2D6E202}" type="slidenum">
               <a:rPr lang="en-US" smtClean="0"/>
               <a:pPr/>
-              <a:t>5</a:t>
+              <a:t>6</a:t>
             </a:fld>
             <a:endParaRPr lang="en-US" dirty="0"/>
           </a:p>
@@ -18571,7 +18492,7 @@
 </p:sld>
 </file>
 
-<file path=ppt/slides/slide6.xml><?xml version="1.0" encoding="utf-8"?>
+<file path=ppt/slides/slide7.xml><?xml version="1.0" encoding="utf-8"?>
 <p:sld xmlns:a="http://schemas.openxmlformats.org/drawingml/2006/main" xmlns:r="http://schemas.openxmlformats.org/officeDocument/2006/relationships" xmlns:p="http://schemas.openxmlformats.org/presentationml/2006/main">
   <p:cSld>
     <p:spTree>
@@ -18629,7 +18550,7 @@
             <a:fld id="{8A7A6979-0714-4377-B894-6BE4C2D6E202}" type="slidenum">
               <a:rPr lang="en-US" smtClean="0"/>
               <a:pPr/>
-              <a:t>6</a:t>
+              <a:t>7</a:t>
             </a:fld>
             <a:endParaRPr lang="en-US" dirty="0"/>
           </a:p>
@@ -21223,7 +21144,7 @@
 </p:sld>
 </file>
 
-<file path=ppt/slides/slide7.xml><?xml version="1.0" encoding="utf-8"?>
+<file path=ppt/slides/slide8.xml><?xml version="1.0" encoding="utf-8"?>
 <p:sld xmlns:a="http://schemas.openxmlformats.org/drawingml/2006/main" xmlns:r="http://schemas.openxmlformats.org/officeDocument/2006/relationships" xmlns:p="http://schemas.openxmlformats.org/presentationml/2006/main">
   <p:cSld>
     <p:spTree>
@@ -21281,7 +21202,7 @@
             <a:fld id="{8A7A6979-0714-4377-B894-6BE4C2D6E202}" type="slidenum">
               <a:rPr lang="en-US" smtClean="0"/>
               <a:pPr/>
-              <a:t>7</a:t>
+              <a:t>8</a:t>
             </a:fld>
             <a:endParaRPr lang="en-US" dirty="0"/>
           </a:p>
@@ -22590,7 +22511,7 @@
 </p:sld>
 </file>
 
-<file path=ppt/slides/slide8.xml><?xml version="1.0" encoding="utf-8"?>
+<file path=ppt/slides/slide9.xml><?xml version="1.0" encoding="utf-8"?>
 <p:sld xmlns:a="http://schemas.openxmlformats.org/drawingml/2006/main" xmlns:r="http://schemas.openxmlformats.org/officeDocument/2006/relationships" xmlns:p="http://schemas.openxmlformats.org/presentationml/2006/main">
   <p:cSld>
     <p:spTree>
@@ -22648,7 +22569,7 @@
             <a:fld id="{8A7A6979-0714-4377-B894-6BE4C2D6E202}" type="slidenum">
               <a:rPr lang="en-US" smtClean="0"/>
               <a:pPr/>
-              <a:t>8</a:t>
+              <a:t>9</a:t>
             </a:fld>
             <a:endParaRPr lang="en-US" dirty="0"/>
           </a:p>
@@ -23569,993 +23490,6 @@
 </p:sld>
 </file>
 
-<file path=ppt/slides/slide9.xml><?xml version="1.0" encoding="utf-8"?>
-<p:sld xmlns:a="http://schemas.openxmlformats.org/drawingml/2006/main" xmlns:r="http://schemas.openxmlformats.org/officeDocument/2006/relationships" xmlns:p="http://schemas.openxmlformats.org/presentationml/2006/main">
-  <p:cSld>
-    <p:spTree>
-      <p:nvGrpSpPr>
-        <p:cNvPr id="1" name=""/>
-        <p:cNvGrpSpPr/>
-        <p:nvPr/>
-      </p:nvGrpSpPr>
-      <p:grpSpPr>
-        <a:xfrm>
-          <a:off x="0" y="0"/>
-          <a:ext cx="0" cy="0"/>
-          <a:chOff x="0" y="0"/>
-          <a:chExt cx="0" cy="0"/>
-        </a:xfrm>
-      </p:grpSpPr>
-      <p:sp>
-        <p:nvSpPr>
-          <p:cNvPr id="4" name="日期版面配置區 3"/>
-          <p:cNvSpPr>
-            <a:spLocks noGrp="1"/>
-          </p:cNvSpPr>
-          <p:nvPr>
-            <p:ph type="dt" sz="half" idx="10"/>
-          </p:nvPr>
-        </p:nvSpPr>
-        <p:spPr/>
-        <p:txBody>
-          <a:bodyPr/>
-          <a:lstStyle/>
-          <a:p>
-            <a:fld id="{C1B04989-C204-4BB3-A496-31B7A8842197}" type="datetime1">
-              <a:rPr lang="en-US" altLang="zh-TW" smtClean="0"/>
-              <a:t>8/5/2021</a:t>
-            </a:fld>
-            <a:endParaRPr lang="en-US" dirty="0"/>
-          </a:p>
-        </p:txBody>
-      </p:sp>
-      <p:sp>
-        <p:nvSpPr>
-          <p:cNvPr id="6" name="投影片編號版面配置區 5"/>
-          <p:cNvSpPr>
-            <a:spLocks noGrp="1"/>
-          </p:cNvSpPr>
-          <p:nvPr>
-            <p:ph type="sldNum" sz="quarter" idx="12"/>
-          </p:nvPr>
-        </p:nvSpPr>
-        <p:spPr/>
-        <p:txBody>
-          <a:bodyPr/>
-          <a:lstStyle/>
-          <a:p>
-            <a:fld id="{8A7A6979-0714-4377-B894-6BE4C2D6E202}" type="slidenum">
-              <a:rPr lang="en-US" smtClean="0"/>
-              <a:pPr/>
-              <a:t>9</a:t>
-            </a:fld>
-            <a:endParaRPr lang="en-US" dirty="0"/>
-          </a:p>
-        </p:txBody>
-      </p:sp>
-      <p:sp>
-        <p:nvSpPr>
-          <p:cNvPr id="9" name="文字方塊 8"/>
-          <p:cNvSpPr txBox="1"/>
-          <p:nvPr/>
-        </p:nvSpPr>
-        <p:spPr>
-          <a:xfrm>
-            <a:off x="669299" y="1666749"/>
-            <a:ext cx="4186263" cy="3693319"/>
-          </a:xfrm>
-          <a:prstGeom prst="rect">
-            <a:avLst/>
-          </a:prstGeom>
-          <a:noFill/>
-        </p:spPr>
-        <p:txBody>
-          <a:bodyPr wrap="square" rtlCol="0">
-            <a:spAutoFit/>
-          </a:bodyPr>
-          <a:lstStyle/>
-          <a:p>
-            <a:pPr marL="342900" indent="-342900">
-              <a:lnSpc>
-                <a:spcPct val="150000"/>
-              </a:lnSpc>
-              <a:buFont typeface="+mj-lt"/>
-              <a:buAutoNum type="arabicPeriod"/>
-            </a:pPr>
-            <a:r>
-              <a:rPr lang="en-US" altLang="zh-TW" sz="1600" dirty="0" smtClean="0">
-                <a:latin typeface="微軟正黑體" panose="020B0604030504040204" pitchFamily="34" charset="-120"/>
-                <a:ea typeface="微軟正黑體" panose="020B0604030504040204" pitchFamily="34" charset="-120"/>
-              </a:rPr>
-              <a:t>In this application, I apply </a:t>
-            </a:r>
-            <a:r>
-              <a:rPr lang="en-US" altLang="zh-TW" sz="1600" b="1" dirty="0" smtClean="0">
-                <a:latin typeface="微軟正黑體" panose="020B0604030504040204" pitchFamily="34" charset="-120"/>
-                <a:ea typeface="微軟正黑體" panose="020B0604030504040204" pitchFamily="34" charset="-120"/>
-              </a:rPr>
-              <a:t>fast API, html, css </a:t>
-            </a:r>
-            <a:r>
-              <a:rPr lang="en-US" altLang="zh-TW" sz="1600" dirty="0" smtClean="0">
-                <a:latin typeface="微軟正黑體" panose="020B0604030504040204" pitchFamily="34" charset="-120"/>
-                <a:ea typeface="微軟正黑體" panose="020B0604030504040204" pitchFamily="34" charset="-120"/>
-              </a:rPr>
-              <a:t>and </a:t>
-            </a:r>
-            <a:r>
-              <a:rPr lang="en-US" altLang="zh-TW" sz="1600" b="1" dirty="0" smtClean="0">
-                <a:latin typeface="微軟正黑體" panose="020B0604030504040204" pitchFamily="34" charset="-120"/>
-                <a:ea typeface="微軟正黑體" panose="020B0604030504040204" pitchFamily="34" charset="-120"/>
-              </a:rPr>
-              <a:t>jinja2</a:t>
-            </a:r>
-            <a:r>
-              <a:rPr lang="en-US" altLang="zh-TW" sz="1600" dirty="0" smtClean="0">
-                <a:latin typeface="微軟正黑體" panose="020B0604030504040204" pitchFamily="34" charset="-120"/>
-                <a:ea typeface="微軟正黑體" panose="020B0604030504040204" pitchFamily="34" charset="-120"/>
-              </a:rPr>
-              <a:t> to build a WEB service of classifier. </a:t>
-            </a:r>
-          </a:p>
-          <a:p>
-            <a:pPr marL="342900" indent="-342900">
-              <a:lnSpc>
-                <a:spcPct val="150000"/>
-              </a:lnSpc>
-              <a:buFont typeface="+mj-lt"/>
-              <a:buAutoNum type="arabicPeriod"/>
-            </a:pPr>
-            <a:r>
-              <a:rPr lang="en-US" altLang="zh-TW" sz="1600" dirty="0">
-                <a:latin typeface="微軟正黑體" panose="020B0604030504040204" pitchFamily="34" charset="-120"/>
-                <a:ea typeface="微軟正黑體" panose="020B0604030504040204" pitchFamily="34" charset="-120"/>
-              </a:rPr>
-              <a:t>U</a:t>
-            </a:r>
-            <a:r>
-              <a:rPr lang="en-US" altLang="zh-TW" sz="1600" dirty="0" smtClean="0">
-                <a:latin typeface="微軟正黑體" panose="020B0604030504040204" pitchFamily="34" charset="-120"/>
-                <a:ea typeface="微軟正黑體" panose="020B0604030504040204" pitchFamily="34" charset="-120"/>
-              </a:rPr>
-              <a:t>sers can type the </a:t>
-            </a:r>
-            <a:r>
-              <a:rPr lang="en-US" altLang="zh-TW" sz="1600" b="1" u="sng" dirty="0" smtClean="0">
-                <a:latin typeface="微軟正黑體" panose="020B0604030504040204" pitchFamily="34" charset="-120"/>
-                <a:ea typeface="微軟正黑體" panose="020B0604030504040204" pitchFamily="34" charset="-120"/>
-              </a:rPr>
-              <a:t>content</a:t>
-            </a:r>
-            <a:r>
-              <a:rPr lang="en-US" altLang="zh-TW" sz="1600" dirty="0" smtClean="0">
-                <a:latin typeface="微軟正黑體" panose="020B0604030504040204" pitchFamily="34" charset="-120"/>
-                <a:ea typeface="微軟正黑體" panose="020B0604030504040204" pitchFamily="34" charset="-120"/>
-              </a:rPr>
-              <a:t> inside the </a:t>
-            </a:r>
-            <a:r>
-              <a:rPr lang="en-US" altLang="zh-TW" sz="1600" b="1" dirty="0" smtClean="0">
-                <a:latin typeface="微軟正黑體" panose="020B0604030504040204" pitchFamily="34" charset="-120"/>
-                <a:ea typeface="微軟正黑體" panose="020B0604030504040204" pitchFamily="34" charset="-120"/>
-              </a:rPr>
-              <a:t>text area </a:t>
-            </a:r>
-            <a:r>
-              <a:rPr lang="en-US" altLang="zh-TW" sz="1600" dirty="0" smtClean="0">
-                <a:latin typeface="微軟正黑體" panose="020B0604030504040204" pitchFamily="34" charset="-120"/>
-                <a:ea typeface="微軟正黑體" panose="020B0604030504040204" pitchFamily="34" charset="-120"/>
-              </a:rPr>
-              <a:t>and add the new content by pressing </a:t>
-            </a:r>
-            <a:r>
-              <a:rPr lang="en-US" altLang="zh-TW" sz="1600" u="sng" dirty="0" smtClean="0">
-                <a:latin typeface="微軟正黑體" panose="020B0604030504040204" pitchFamily="34" charset="-120"/>
-                <a:ea typeface="微軟正黑體" panose="020B0604030504040204" pitchFamily="34" charset="-120"/>
-              </a:rPr>
-              <a:t>ENTER</a:t>
-            </a:r>
-            <a:r>
-              <a:rPr lang="en-US" altLang="zh-TW" sz="1600" dirty="0" smtClean="0">
-                <a:latin typeface="微軟正黑體" panose="020B0604030504040204" pitchFamily="34" charset="-120"/>
-                <a:ea typeface="微軟正黑體" panose="020B0604030504040204" pitchFamily="34" charset="-120"/>
-              </a:rPr>
-              <a:t>.</a:t>
-            </a:r>
-          </a:p>
-          <a:p>
-            <a:pPr marL="342900" indent="-342900">
-              <a:lnSpc>
-                <a:spcPct val="150000"/>
-              </a:lnSpc>
-              <a:buFont typeface="+mj-lt"/>
-              <a:buAutoNum type="arabicPeriod"/>
-            </a:pPr>
-            <a:r>
-              <a:rPr lang="en-US" altLang="zh-TW" sz="1600" dirty="0" smtClean="0">
-                <a:latin typeface="微軟正黑體" panose="020B0604030504040204" pitchFamily="34" charset="-120"/>
-                <a:ea typeface="微軟正黑體" panose="020B0604030504040204" pitchFamily="34" charset="-120"/>
-              </a:rPr>
-              <a:t>The WEB service will calculate and show the result.</a:t>
-            </a:r>
-          </a:p>
-          <a:p>
-            <a:pPr marL="342900" indent="-342900">
-              <a:lnSpc>
-                <a:spcPct val="150000"/>
-              </a:lnSpc>
-              <a:buFont typeface="+mj-lt"/>
-              <a:buAutoNum type="arabicPeriod"/>
-            </a:pPr>
-            <a:endParaRPr lang="en-US" altLang="zh-TW" sz="1600" dirty="0" smtClean="0">
-              <a:latin typeface="微軟正黑體" panose="020B0604030504040204" pitchFamily="34" charset="-120"/>
-              <a:ea typeface="微軟正黑體" panose="020B0604030504040204" pitchFamily="34" charset="-120"/>
-            </a:endParaRPr>
-          </a:p>
-          <a:p>
-            <a:pPr marL="342900" indent="-342900">
-              <a:lnSpc>
-                <a:spcPct val="150000"/>
-              </a:lnSpc>
-              <a:buFont typeface="+mj-lt"/>
-              <a:buAutoNum type="arabicPeriod"/>
-            </a:pPr>
-            <a:endParaRPr lang="zh-TW" altLang="en-US" sz="1200" dirty="0">
-              <a:latin typeface="微軟正黑體" panose="020B0604030504040204" pitchFamily="34" charset="-120"/>
-              <a:ea typeface="微軟正黑體" panose="020B0604030504040204" pitchFamily="34" charset="-120"/>
-            </a:endParaRPr>
-          </a:p>
-        </p:txBody>
-      </p:sp>
-      <p:sp>
-        <p:nvSpPr>
-          <p:cNvPr id="8" name="文字方塊 7"/>
-          <p:cNvSpPr txBox="1"/>
-          <p:nvPr/>
-        </p:nvSpPr>
-        <p:spPr>
-          <a:xfrm>
-            <a:off x="6566345" y="364060"/>
-            <a:ext cx="4008830" cy="584775"/>
-          </a:xfrm>
-          <a:prstGeom prst="rect">
-            <a:avLst/>
-          </a:prstGeom>
-          <a:noFill/>
-        </p:spPr>
-        <p:txBody>
-          <a:bodyPr wrap="square" rtlCol="0">
-            <a:spAutoFit/>
-          </a:bodyPr>
-          <a:lstStyle/>
-          <a:p>
-            <a:r>
-              <a:rPr lang="en-US" altLang="zh-TW" sz="3200" dirty="0" smtClean="0">
-                <a:latin typeface="Arial Black" panose="020B0A04020102020204" pitchFamily="34" charset="0"/>
-              </a:rPr>
-              <a:t>WEB application</a:t>
-            </a:r>
-            <a:endParaRPr lang="zh-TW" altLang="en-US" sz="3200" dirty="0">
-              <a:latin typeface="Arial Black" panose="020B0A04020102020204" pitchFamily="34" charset="0"/>
-            </a:endParaRPr>
-          </a:p>
-        </p:txBody>
-      </p:sp>
-      <p:grpSp>
-        <p:nvGrpSpPr>
-          <p:cNvPr id="2" name="群組 1"/>
-          <p:cNvGrpSpPr/>
-          <p:nvPr/>
-        </p:nvGrpSpPr>
-        <p:grpSpPr>
-          <a:xfrm>
-            <a:off x="723269" y="97571"/>
-            <a:ext cx="2859089" cy="2003367"/>
-            <a:chOff x="5897531" y="3183100"/>
-            <a:chExt cx="2859089" cy="2003367"/>
-          </a:xfrm>
-        </p:grpSpPr>
-        <p:pic>
-          <p:nvPicPr>
-            <p:cNvPr id="32" name="圖片 31"/>
-            <p:cNvPicPr>
-              <a:picLocks noChangeAspect="1"/>
-            </p:cNvPicPr>
-            <p:nvPr/>
-          </p:nvPicPr>
-          <p:blipFill>
-            <a:blip r:embed="rId2">
-              <a:extLst>
-                <a:ext uri="{28A0092B-C50C-407E-A947-70E740481C1C}">
-                  <a14:useLocalDpi xmlns:a14="http://schemas.microsoft.com/office/drawing/2010/main" val="0"/>
-                </a:ext>
-              </a:extLst>
-            </a:blip>
-            <a:stretch>
-              <a:fillRect/>
-            </a:stretch>
-          </p:blipFill>
-          <p:spPr>
-            <a:xfrm>
-              <a:off x="5897531" y="3602410"/>
-              <a:ext cx="1001596" cy="1001596"/>
-            </a:xfrm>
-            <a:prstGeom prst="rect">
-              <a:avLst/>
-            </a:prstGeom>
-          </p:spPr>
-        </p:pic>
-        <p:pic>
-          <p:nvPicPr>
-            <p:cNvPr id="33" name="圖片 32"/>
-            <p:cNvPicPr>
-              <a:picLocks noChangeAspect="1"/>
-            </p:cNvPicPr>
-            <p:nvPr/>
-          </p:nvPicPr>
-          <p:blipFill>
-            <a:blip r:embed="rId3">
-              <a:extLst>
-                <a:ext uri="{28A0092B-C50C-407E-A947-70E740481C1C}">
-                  <a14:useLocalDpi xmlns:a14="http://schemas.microsoft.com/office/drawing/2010/main" val="0"/>
-                </a:ext>
-              </a:extLst>
-            </a:blip>
-            <a:stretch>
-              <a:fillRect/>
-            </a:stretch>
-          </p:blipFill>
-          <p:spPr>
-            <a:xfrm>
-              <a:off x="6886670" y="3183100"/>
-              <a:ext cx="1869950" cy="2003367"/>
-            </a:xfrm>
-            <a:prstGeom prst="rect">
-              <a:avLst/>
-            </a:prstGeom>
-          </p:spPr>
-        </p:pic>
-      </p:grpSp>
-      <p:pic>
-        <p:nvPicPr>
-          <p:cNvPr id="29" name="圖片 28"/>
-          <p:cNvPicPr>
-            <a:picLocks noChangeAspect="1"/>
-          </p:cNvPicPr>
-          <p:nvPr/>
-        </p:nvPicPr>
-        <p:blipFill>
-          <a:blip r:embed="rId4">
-            <a:extLst>
-              <a:ext uri="{28A0092B-C50C-407E-A947-70E740481C1C}">
-                <a14:useLocalDpi xmlns:a14="http://schemas.microsoft.com/office/drawing/2010/main" val="0"/>
-              </a:ext>
-            </a:extLst>
-          </a:blip>
-          <a:stretch>
-            <a:fillRect/>
-          </a:stretch>
-        </p:blipFill>
-        <p:spPr>
-          <a:xfrm>
-            <a:off x="3593961" y="546854"/>
-            <a:ext cx="1104800" cy="1104800"/>
-          </a:xfrm>
-          <a:prstGeom prst="rect">
-            <a:avLst/>
-          </a:prstGeom>
-        </p:spPr>
-      </p:pic>
-      <p:grpSp>
-        <p:nvGrpSpPr>
-          <p:cNvPr id="5" name="群組 4"/>
-          <p:cNvGrpSpPr/>
-          <p:nvPr/>
-        </p:nvGrpSpPr>
-        <p:grpSpPr>
-          <a:xfrm>
-            <a:off x="5804537" y="956660"/>
-            <a:ext cx="5320145" cy="5101240"/>
-            <a:chOff x="5804537" y="956660"/>
-            <a:chExt cx="5320145" cy="5101240"/>
-          </a:xfrm>
-        </p:grpSpPr>
-        <p:pic>
-          <p:nvPicPr>
-            <p:cNvPr id="30" name="圖片 29"/>
-            <p:cNvPicPr>
-              <a:picLocks noChangeAspect="1"/>
-            </p:cNvPicPr>
-            <p:nvPr/>
-          </p:nvPicPr>
-          <p:blipFill>
-            <a:blip r:embed="rId5">
-              <a:extLst>
-                <a:ext uri="{28A0092B-C50C-407E-A947-70E740481C1C}">
-                  <a14:useLocalDpi xmlns:a14="http://schemas.microsoft.com/office/drawing/2010/main" val="0"/>
-                </a:ext>
-              </a:extLst>
-            </a:blip>
-            <a:stretch>
-              <a:fillRect/>
-            </a:stretch>
-          </p:blipFill>
-          <p:spPr>
-            <a:xfrm>
-              <a:off x="6118301" y="1433280"/>
-              <a:ext cx="835475" cy="835475"/>
-            </a:xfrm>
-            <a:prstGeom prst="rect">
-              <a:avLst/>
-            </a:prstGeom>
-          </p:spPr>
-        </p:pic>
-        <p:pic>
-          <p:nvPicPr>
-            <p:cNvPr id="35" name="圖片 34"/>
-            <p:cNvPicPr>
-              <a:picLocks noChangeAspect="1"/>
-            </p:cNvPicPr>
-            <p:nvPr/>
-          </p:nvPicPr>
-          <p:blipFill>
-            <a:blip r:embed="rId6">
-              <a:extLst>
-                <a:ext uri="{28A0092B-C50C-407E-A947-70E740481C1C}">
-                  <a14:useLocalDpi xmlns:a14="http://schemas.microsoft.com/office/drawing/2010/main" val="0"/>
-                </a:ext>
-              </a:extLst>
-            </a:blip>
-            <a:stretch>
-              <a:fillRect/>
-            </a:stretch>
-          </p:blipFill>
-          <p:spPr>
-            <a:xfrm rot="1562202" flipV="1">
-              <a:off x="6952886" y="1104690"/>
-              <a:ext cx="723363" cy="773214"/>
-            </a:xfrm>
-            <a:prstGeom prst="rect">
-              <a:avLst/>
-            </a:prstGeom>
-          </p:spPr>
-        </p:pic>
-        <p:pic>
-          <p:nvPicPr>
-            <p:cNvPr id="37" name="圖片 36"/>
-            <p:cNvPicPr>
-              <a:picLocks noChangeAspect="1"/>
-            </p:cNvPicPr>
-            <p:nvPr/>
-          </p:nvPicPr>
-          <p:blipFill>
-            <a:blip r:embed="rId6">
-              <a:extLst>
-                <a:ext uri="{28A0092B-C50C-407E-A947-70E740481C1C}">
-                  <a14:useLocalDpi xmlns:a14="http://schemas.microsoft.com/office/drawing/2010/main" val="0"/>
-                </a:ext>
-              </a:extLst>
-            </a:blip>
-            <a:stretch>
-              <a:fillRect/>
-            </a:stretch>
-          </p:blipFill>
-          <p:spPr>
-            <a:xfrm rot="4210709" flipV="1">
-              <a:off x="9055368" y="1104690"/>
-              <a:ext cx="723363" cy="773214"/>
-            </a:xfrm>
-            <a:prstGeom prst="rect">
-              <a:avLst/>
-            </a:prstGeom>
-          </p:spPr>
-        </p:pic>
-        <p:pic>
-          <p:nvPicPr>
-            <p:cNvPr id="38" name="圖片 37"/>
-            <p:cNvPicPr>
-              <a:picLocks noChangeAspect="1"/>
-            </p:cNvPicPr>
-            <p:nvPr/>
-          </p:nvPicPr>
-          <p:blipFill>
-            <a:blip r:embed="rId4">
-              <a:extLst>
-                <a:ext uri="{28A0092B-C50C-407E-A947-70E740481C1C}">
-                  <a14:useLocalDpi xmlns:a14="http://schemas.microsoft.com/office/drawing/2010/main" val="0"/>
-                </a:ext>
-              </a:extLst>
-            </a:blip>
-            <a:stretch>
-              <a:fillRect/>
-            </a:stretch>
-          </p:blipFill>
-          <p:spPr>
-            <a:xfrm>
-              <a:off x="7809243" y="956660"/>
-              <a:ext cx="1104800" cy="1104800"/>
-            </a:xfrm>
-            <a:prstGeom prst="rect">
-              <a:avLst/>
-            </a:prstGeom>
-          </p:spPr>
-        </p:pic>
-        <p:pic>
-          <p:nvPicPr>
-            <p:cNvPr id="10" name="圖片 9"/>
-            <p:cNvPicPr>
-              <a:picLocks noChangeAspect="1"/>
-            </p:cNvPicPr>
-            <p:nvPr/>
-          </p:nvPicPr>
-          <p:blipFill>
-            <a:blip r:embed="rId7">
-              <a:extLst>
-                <a:ext uri="{28A0092B-C50C-407E-A947-70E740481C1C}">
-                  <a14:useLocalDpi xmlns:a14="http://schemas.microsoft.com/office/drawing/2010/main" val="0"/>
-                </a:ext>
-              </a:extLst>
-            </a:blip>
-            <a:stretch>
-              <a:fillRect/>
-            </a:stretch>
-          </p:blipFill>
-          <p:spPr>
-            <a:xfrm>
-              <a:off x="9904780" y="1382875"/>
-              <a:ext cx="936284" cy="936284"/>
-            </a:xfrm>
-            <a:prstGeom prst="rect">
-              <a:avLst/>
-            </a:prstGeom>
-          </p:spPr>
-        </p:pic>
-        <p:sp>
-          <p:nvSpPr>
-            <p:cNvPr id="11" name="圓角矩形 10"/>
-            <p:cNvSpPr/>
-            <p:nvPr/>
-          </p:nvSpPr>
-          <p:spPr>
-            <a:xfrm>
-              <a:off x="5804537" y="2342305"/>
-              <a:ext cx="5320145" cy="3715595"/>
-            </a:xfrm>
-            <a:prstGeom prst="roundRect">
-              <a:avLst/>
-            </a:prstGeom>
-            <a:solidFill>
-              <a:schemeClr val="accent2">
-                <a:lumMod val="20000"/>
-                <a:lumOff val="80000"/>
-              </a:schemeClr>
-            </a:solidFill>
-            <a:ln>
-              <a:prstDash val="lgDashDot"/>
-            </a:ln>
-          </p:spPr>
-          <p:style>
-            <a:lnRef idx="2">
-              <a:schemeClr val="accent3"/>
-            </a:lnRef>
-            <a:fillRef idx="1">
-              <a:schemeClr val="lt1"/>
-            </a:fillRef>
-            <a:effectRef idx="0">
-              <a:schemeClr val="accent3"/>
-            </a:effectRef>
-            <a:fontRef idx="minor">
-              <a:schemeClr val="dk1"/>
-            </a:fontRef>
-          </p:style>
-          <p:txBody>
-            <a:bodyPr rtlCol="0" anchor="ctr"/>
-            <a:lstStyle/>
-            <a:p>
-              <a:pPr algn="ctr"/>
-              <a:endParaRPr lang="zh-TW" altLang="en-US"/>
-            </a:p>
-          </p:txBody>
-        </p:sp>
-        <p:sp>
-          <p:nvSpPr>
-            <p:cNvPr id="12" name="文字方塊 11"/>
-            <p:cNvSpPr txBox="1"/>
-            <p:nvPr/>
-          </p:nvSpPr>
-          <p:spPr>
-            <a:xfrm>
-              <a:off x="7127729" y="2450927"/>
-              <a:ext cx="2846005" cy="369332"/>
-            </a:xfrm>
-            <a:prstGeom prst="rect">
-              <a:avLst/>
-            </a:prstGeom>
-            <a:noFill/>
-          </p:spPr>
-          <p:txBody>
-            <a:bodyPr wrap="square" rtlCol="0">
-              <a:spAutoFit/>
-            </a:bodyPr>
-            <a:lstStyle/>
-            <a:p>
-              <a:r>
-                <a:rPr lang="en-US" altLang="zh-TW" dirty="0"/>
-                <a:t>Advertisement Classifier</a:t>
-              </a:r>
-              <a:endParaRPr lang="zh-TW" altLang="en-US" dirty="0"/>
-            </a:p>
-          </p:txBody>
-        </p:sp>
-        <p:sp>
-          <p:nvSpPr>
-            <p:cNvPr id="14" name="文字方塊 13"/>
-            <p:cNvSpPr txBox="1"/>
-            <p:nvPr/>
-          </p:nvSpPr>
-          <p:spPr>
-            <a:xfrm>
-              <a:off x="6550639" y="2922732"/>
-              <a:ext cx="4000184" cy="276999"/>
-            </a:xfrm>
-            <a:prstGeom prst="rect">
-              <a:avLst/>
-            </a:prstGeom>
-            <a:noFill/>
-          </p:spPr>
-          <p:txBody>
-            <a:bodyPr wrap="square" rtlCol="0">
-              <a:spAutoFit/>
-            </a:bodyPr>
-            <a:lstStyle/>
-            <a:p>
-              <a:r>
-                <a:rPr lang="en-US" altLang="zh-TW" sz="1200" dirty="0"/>
-                <a:t>Hint: Input string and return the result (label &amp; probability)</a:t>
-              </a:r>
-              <a:endParaRPr lang="zh-TW" altLang="en-US" sz="1200" dirty="0"/>
-            </a:p>
-          </p:txBody>
-        </p:sp>
-        <p:sp>
-          <p:nvSpPr>
-            <p:cNvPr id="16" name="矩形 15"/>
-            <p:cNvSpPr/>
-            <p:nvPr/>
-          </p:nvSpPr>
-          <p:spPr>
-            <a:xfrm>
-              <a:off x="6587875" y="3290953"/>
-              <a:ext cx="3957302" cy="1780780"/>
-            </a:xfrm>
-            <a:prstGeom prst="rect">
-              <a:avLst/>
-            </a:prstGeom>
-            <a:solidFill>
-              <a:schemeClr val="bg1"/>
-            </a:solidFill>
-            <a:ln>
-              <a:solidFill>
-                <a:schemeClr val="bg1">
-                  <a:lumMod val="50000"/>
-                </a:schemeClr>
-              </a:solidFill>
-            </a:ln>
-          </p:spPr>
-          <p:style>
-            <a:lnRef idx="2">
-              <a:schemeClr val="accent1">
-                <a:shade val="50000"/>
-              </a:schemeClr>
-            </a:lnRef>
-            <a:fillRef idx="1">
-              <a:schemeClr val="accent1"/>
-            </a:fillRef>
-            <a:effectRef idx="0">
-              <a:schemeClr val="accent1"/>
-            </a:effectRef>
-            <a:fontRef idx="minor">
-              <a:schemeClr val="lt1"/>
-            </a:fontRef>
-          </p:style>
-          <p:txBody>
-            <a:bodyPr rtlCol="0" anchor="ctr"/>
-            <a:lstStyle/>
-            <a:p>
-              <a:pPr algn="ctr"/>
-              <a:endParaRPr lang="zh-TW" altLang="en-US"/>
-            </a:p>
-          </p:txBody>
-        </p:sp>
-        <p:sp>
-          <p:nvSpPr>
-            <p:cNvPr id="17" name="文字方塊 16"/>
-            <p:cNvSpPr txBox="1"/>
-            <p:nvPr/>
-          </p:nvSpPr>
-          <p:spPr>
-            <a:xfrm>
-              <a:off x="6544993" y="3238958"/>
-              <a:ext cx="4076808" cy="461665"/>
-            </a:xfrm>
-            <a:prstGeom prst="rect">
-              <a:avLst/>
-            </a:prstGeom>
-            <a:noFill/>
-          </p:spPr>
-          <p:txBody>
-            <a:bodyPr wrap="square" rtlCol="0">
-              <a:spAutoFit/>
-            </a:bodyPr>
-            <a:lstStyle/>
-            <a:p>
-              <a:r>
-                <a:rPr lang="en-US" altLang="zh-TW" sz="1200" dirty="0">
-                  <a:solidFill>
-                    <a:schemeClr val="bg1">
-                      <a:lumMod val="65000"/>
-                    </a:schemeClr>
-                  </a:solidFill>
-                </a:rPr>
-                <a:t>Type here, change line (press ENTER) if you want to add new content</a:t>
-              </a:r>
-              <a:endParaRPr lang="zh-TW" altLang="en-US" sz="1200" dirty="0">
-                <a:solidFill>
-                  <a:schemeClr val="bg1">
-                    <a:lumMod val="65000"/>
-                  </a:schemeClr>
-                </a:solidFill>
-              </a:endParaRPr>
-            </a:p>
-          </p:txBody>
-        </p:sp>
-        <p:sp>
-          <p:nvSpPr>
-            <p:cNvPr id="45" name="矩形 44"/>
-            <p:cNvSpPr/>
-            <p:nvPr/>
-          </p:nvSpPr>
-          <p:spPr>
-            <a:xfrm>
-              <a:off x="7833364" y="5159895"/>
-              <a:ext cx="639480" cy="241069"/>
-            </a:xfrm>
-            <a:prstGeom prst="rect">
-              <a:avLst/>
-            </a:prstGeom>
-            <a:gradFill flip="none" rotWithShape="1">
-              <a:gsLst>
-                <a:gs pos="0">
-                  <a:schemeClr val="bg1">
-                    <a:lumMod val="85000"/>
-                    <a:shade val="30000"/>
-                    <a:satMod val="115000"/>
-                  </a:schemeClr>
-                </a:gs>
-                <a:gs pos="50000">
-                  <a:schemeClr val="bg1">
-                    <a:lumMod val="85000"/>
-                    <a:shade val="67500"/>
-                    <a:satMod val="115000"/>
-                  </a:schemeClr>
-                </a:gs>
-                <a:gs pos="100000">
-                  <a:schemeClr val="bg1">
-                    <a:lumMod val="85000"/>
-                    <a:shade val="100000"/>
-                    <a:satMod val="115000"/>
-                  </a:schemeClr>
-                </a:gs>
-              </a:gsLst>
-              <a:lin ang="5400000" scaled="1"/>
-              <a:tileRect/>
-            </a:gradFill>
-            <a:ln/>
-          </p:spPr>
-          <p:style>
-            <a:lnRef idx="1">
-              <a:schemeClr val="dk1"/>
-            </a:lnRef>
-            <a:fillRef idx="2">
-              <a:schemeClr val="dk1"/>
-            </a:fillRef>
-            <a:effectRef idx="1">
-              <a:schemeClr val="dk1"/>
-            </a:effectRef>
-            <a:fontRef idx="minor">
-              <a:schemeClr val="dk1"/>
-            </a:fontRef>
-          </p:style>
-          <p:txBody>
-            <a:bodyPr rtlCol="0" anchor="ctr"/>
-            <a:lstStyle/>
-            <a:p>
-              <a:pPr algn="ctr"/>
-              <a:endParaRPr lang="zh-TW" altLang="en-US"/>
-            </a:p>
-          </p:txBody>
-        </p:sp>
-        <p:sp>
-          <p:nvSpPr>
-            <p:cNvPr id="46" name="文字方塊 45"/>
-            <p:cNvSpPr txBox="1"/>
-            <p:nvPr/>
-          </p:nvSpPr>
-          <p:spPr>
-            <a:xfrm>
-              <a:off x="7845692" y="5139497"/>
-              <a:ext cx="627152" cy="276999"/>
-            </a:xfrm>
-            <a:prstGeom prst="rect">
-              <a:avLst/>
-            </a:prstGeom>
-            <a:noFill/>
-          </p:spPr>
-          <p:txBody>
-            <a:bodyPr wrap="square" rtlCol="0">
-              <a:spAutoFit/>
-            </a:bodyPr>
-            <a:lstStyle/>
-            <a:p>
-              <a:r>
-                <a:rPr lang="en-US" altLang="zh-TW" sz="1200" dirty="0"/>
-                <a:t>S</a:t>
-              </a:r>
-              <a:r>
-                <a:rPr lang="en-US" altLang="zh-TW" sz="1200" dirty="0" smtClean="0"/>
-                <a:t>ubmit</a:t>
-              </a:r>
-              <a:endParaRPr lang="zh-TW" altLang="en-US" sz="1200" dirty="0"/>
-            </a:p>
-          </p:txBody>
-        </p:sp>
-        <p:sp>
-          <p:nvSpPr>
-            <p:cNvPr id="50" name="矩形 49"/>
-            <p:cNvSpPr/>
-            <p:nvPr/>
-          </p:nvSpPr>
-          <p:spPr>
-            <a:xfrm>
-              <a:off x="8512203" y="5159895"/>
-              <a:ext cx="639480" cy="241069"/>
-            </a:xfrm>
-            <a:prstGeom prst="rect">
-              <a:avLst/>
-            </a:prstGeom>
-            <a:gradFill flip="none" rotWithShape="1">
-              <a:gsLst>
-                <a:gs pos="0">
-                  <a:schemeClr val="bg1">
-                    <a:lumMod val="85000"/>
-                    <a:shade val="30000"/>
-                    <a:satMod val="115000"/>
-                  </a:schemeClr>
-                </a:gs>
-                <a:gs pos="50000">
-                  <a:schemeClr val="bg1">
-                    <a:lumMod val="85000"/>
-                    <a:shade val="67500"/>
-                    <a:satMod val="115000"/>
-                  </a:schemeClr>
-                </a:gs>
-                <a:gs pos="100000">
-                  <a:schemeClr val="bg1">
-                    <a:lumMod val="85000"/>
-                    <a:shade val="100000"/>
-                    <a:satMod val="115000"/>
-                  </a:schemeClr>
-                </a:gs>
-              </a:gsLst>
-              <a:lin ang="5400000" scaled="1"/>
-              <a:tileRect/>
-            </a:gradFill>
-            <a:ln/>
-          </p:spPr>
-          <p:style>
-            <a:lnRef idx="1">
-              <a:schemeClr val="dk1"/>
-            </a:lnRef>
-            <a:fillRef idx="2">
-              <a:schemeClr val="dk1"/>
-            </a:fillRef>
-            <a:effectRef idx="1">
-              <a:schemeClr val="dk1"/>
-            </a:effectRef>
-            <a:fontRef idx="minor">
-              <a:schemeClr val="dk1"/>
-            </a:fontRef>
-          </p:style>
-          <p:txBody>
-            <a:bodyPr rtlCol="0" anchor="ctr"/>
-            <a:lstStyle/>
-            <a:p>
-              <a:pPr algn="ctr"/>
-              <a:endParaRPr lang="zh-TW" altLang="en-US"/>
-            </a:p>
-          </p:txBody>
-        </p:sp>
-        <p:sp>
-          <p:nvSpPr>
-            <p:cNvPr id="47" name="文字方塊 46"/>
-            <p:cNvSpPr txBox="1"/>
-            <p:nvPr/>
-          </p:nvSpPr>
-          <p:spPr>
-            <a:xfrm>
-              <a:off x="8550731" y="5135501"/>
-              <a:ext cx="562424" cy="276999"/>
-            </a:xfrm>
-            <a:prstGeom prst="rect">
-              <a:avLst/>
-            </a:prstGeom>
-            <a:noFill/>
-          </p:spPr>
-          <p:txBody>
-            <a:bodyPr wrap="square" rtlCol="0">
-              <a:spAutoFit/>
-            </a:bodyPr>
-            <a:lstStyle/>
-            <a:p>
-              <a:r>
-                <a:rPr lang="en-US" altLang="zh-TW" sz="1200" dirty="0" smtClean="0"/>
-                <a:t>Reset</a:t>
-              </a:r>
-              <a:endParaRPr lang="zh-TW" altLang="en-US" sz="1200" dirty="0"/>
-            </a:p>
-          </p:txBody>
-        </p:sp>
-        <p:sp>
-          <p:nvSpPr>
-            <p:cNvPr id="58" name="文字方塊 57"/>
-            <p:cNvSpPr txBox="1"/>
-            <p:nvPr/>
-          </p:nvSpPr>
-          <p:spPr>
-            <a:xfrm>
-              <a:off x="7747158" y="5558719"/>
-              <a:ext cx="1404525" cy="307777"/>
-            </a:xfrm>
-            <a:prstGeom prst="rect">
-              <a:avLst/>
-            </a:prstGeom>
-            <a:noFill/>
-          </p:spPr>
-          <p:txBody>
-            <a:bodyPr wrap="square" rtlCol="0">
-              <a:spAutoFit/>
-            </a:bodyPr>
-            <a:lstStyle/>
-            <a:p>
-              <a:r>
-                <a:rPr lang="en-US" altLang="zh-TW" sz="1400" dirty="0" smtClean="0"/>
-                <a:t>No result yet …</a:t>
-              </a:r>
-              <a:endParaRPr lang="zh-TW" altLang="en-US" sz="1400" dirty="0"/>
-            </a:p>
-          </p:txBody>
-        </p:sp>
-      </p:grpSp>
-    </p:spTree>
-    <p:extLst>
-      <p:ext uri="{BB962C8B-B14F-4D97-AF65-F5344CB8AC3E}">
-        <p14:creationId xmlns:p14="http://schemas.microsoft.com/office/powerpoint/2010/main" val="1624299322"/>
-      </p:ext>
-    </p:extLst>
-  </p:cSld>
-  <p:clrMapOvr>
-    <a:masterClrMapping/>
-  </p:clrMapOvr>
-  <p:timing>
-    <p:tnLst>
-      <p:par>
-        <p:cTn id="1" dur="indefinite" restart="never" nodeType="tmRoot"/>
-      </p:par>
-    </p:tnLst>
-  </p:timing>
-</p:sld>
-</file>
-
 <file path=ppt/theme/theme1.xml><?xml version="1.0" encoding="utf-8"?>
 <a:theme xmlns:a="http://schemas.openxmlformats.org/drawingml/2006/main" name="Parcel">
   <a:themeElements>

--- a/AD_classifier.pptx
+++ b/AD_classifier.pptx
@@ -5,7 +5,7 @@
     <p:sldMasterId id="2147483696" r:id="rId1"/>
   </p:sldMasterIdLst>
   <p:notesMasterIdLst>
-    <p:notesMasterId r:id="rId18"/>
+    <p:notesMasterId r:id="rId17"/>
   </p:notesMasterIdLst>
   <p:sldIdLst>
     <p:sldId id="263" r:id="rId2"/>
@@ -23,7 +23,6 @@
     <p:sldId id="267" r:id="rId14"/>
     <p:sldId id="275" r:id="rId15"/>
     <p:sldId id="276" r:id="rId16"/>
-    <p:sldId id="270" r:id="rId17"/>
   </p:sldIdLst>
   <p:sldSz cx="12192000" cy="6858000"/>
   <p:notesSz cx="6858000" cy="9144000"/>
@@ -3641,7 +3640,7 @@
           <a:p>
             <a:fld id="{EF77A7C5-4EBA-4C12-B7F4-11297EFA841D}" type="datetimeFigureOut">
               <a:rPr lang="zh-TW" altLang="en-US" smtClean="0"/>
-              <a:t>2021/8/4</a:t>
+              <a:t>2021/11/13</a:t>
             </a:fld>
             <a:endParaRPr lang="zh-TW" altLang="en-US"/>
           </a:p>
@@ -4358,7 +4357,7 @@
           <a:p>
             <a:fld id="{46ABAB56-8993-4C71-9B21-E94BC659A8BF}" type="datetime1">
               <a:rPr lang="en-US" altLang="zh-TW" smtClean="0"/>
-              <a:t>8/4/2021</a:t>
+              <a:t>11/13/2021</a:t>
             </a:fld>
             <a:endParaRPr lang="en-US" dirty="0"/>
           </a:p>
@@ -4374,7 +4373,15 @@
             <p:ph type="ftr" sz="quarter" idx="11"/>
           </p:nvPr>
         </p:nvSpPr>
-        <p:spPr/>
+        <p:spPr>
+          <a:xfrm>
+            <a:off x="2231136" y="6236208"/>
+            <a:ext cx="5270253" cy="320040"/>
+          </a:xfrm>
+          <a:prstGeom prst="rect">
+            <a:avLst/>
+          </a:prstGeom>
+        </p:spPr>
         <p:txBody>
           <a:bodyPr/>
           <a:lstStyle/>
@@ -4544,7 +4551,7 @@
           <a:p>
             <a:fld id="{455E3249-1290-41D2-B8CA-A6C4A4478C38}" type="datetime1">
               <a:rPr lang="en-US" altLang="zh-TW" smtClean="0"/>
-              <a:t>8/4/2021</a:t>
+              <a:t>11/13/2021</a:t>
             </a:fld>
             <a:endParaRPr lang="en-US" dirty="0"/>
           </a:p>
@@ -4560,7 +4567,15 @@
             <p:ph type="ftr" sz="quarter" idx="11"/>
           </p:nvPr>
         </p:nvSpPr>
-        <p:spPr/>
+        <p:spPr>
+          <a:xfrm>
+            <a:off x="2231136" y="6236208"/>
+            <a:ext cx="5270253" cy="320040"/>
+          </a:xfrm>
+          <a:prstGeom prst="rect">
+            <a:avLst/>
+          </a:prstGeom>
+        </p:spPr>
         <p:txBody>
           <a:bodyPr/>
           <a:lstStyle/>
@@ -4729,7 +4744,7 @@
           <a:p>
             <a:fld id="{66226718-3610-4633-B218-B59A67A91276}" type="datetime1">
               <a:rPr lang="en-US" altLang="zh-TW" smtClean="0"/>
-              <a:t>8/4/2021</a:t>
+              <a:t>11/13/2021</a:t>
             </a:fld>
             <a:endParaRPr lang="en-US" dirty="0"/>
           </a:p>
@@ -4745,7 +4760,15 @@
             <p:ph type="ftr" sz="quarter" idx="11"/>
           </p:nvPr>
         </p:nvSpPr>
-        <p:spPr/>
+        <p:spPr>
+          <a:xfrm>
+            <a:off x="2231136" y="6236208"/>
+            <a:ext cx="5270253" cy="320040"/>
+          </a:xfrm>
+          <a:prstGeom prst="rect">
+            <a:avLst/>
+          </a:prstGeom>
+        </p:spPr>
         <p:txBody>
           <a:bodyPr/>
           <a:lstStyle/>
@@ -4914,7 +4937,7 @@
           <a:p>
             <a:fld id="{717C4B98-A51E-4049-8774-1A461F0E67F1}" type="datetime1">
               <a:rPr lang="en-US" altLang="zh-TW" smtClean="0"/>
-              <a:t>8/4/2021</a:t>
+              <a:t>11/13/2021</a:t>
             </a:fld>
             <a:endParaRPr lang="en-US" dirty="0"/>
           </a:p>
@@ -4930,7 +4953,15 @@
             <p:ph type="ftr" sz="quarter" idx="11"/>
           </p:nvPr>
         </p:nvSpPr>
-        <p:spPr/>
+        <p:spPr>
+          <a:xfrm>
+            <a:off x="2231136" y="6236208"/>
+            <a:ext cx="5270253" cy="320040"/>
+          </a:xfrm>
+          <a:prstGeom prst="rect">
+            <a:avLst/>
+          </a:prstGeom>
+        </p:spPr>
         <p:txBody>
           <a:bodyPr/>
           <a:lstStyle/>
@@ -5188,7 +5219,7 @@
           <a:p>
             <a:fld id="{AA7D5A9B-2512-46C5-B573-9FDD786FF080}" type="datetime1">
               <a:rPr lang="en-US" altLang="zh-TW" smtClean="0"/>
-              <a:t>8/4/2021</a:t>
+              <a:t>11/13/2021</a:t>
             </a:fld>
             <a:endParaRPr lang="en-US" dirty="0"/>
           </a:p>
@@ -5204,7 +5235,15 @@
             <p:ph type="ftr" sz="quarter" idx="11"/>
           </p:nvPr>
         </p:nvSpPr>
-        <p:spPr/>
+        <p:spPr>
+          <a:xfrm>
+            <a:off x="2231136" y="6236208"/>
+            <a:ext cx="5270253" cy="320040"/>
+          </a:xfrm>
+          <a:prstGeom prst="rect">
+            <a:avLst/>
+          </a:prstGeom>
+        </p:spPr>
         <p:txBody>
           <a:bodyPr/>
           <a:lstStyle/>
@@ -5434,7 +5473,7 @@
           <a:p>
             <a:fld id="{B7AC2539-BAAC-4F7A-A8E9-1902906CA16F}" type="datetime1">
               <a:rPr lang="en-US" altLang="zh-TW" smtClean="0"/>
-              <a:t>8/4/2021</a:t>
+              <a:t>11/13/2021</a:t>
             </a:fld>
             <a:endParaRPr lang="en-US" dirty="0"/>
           </a:p>
@@ -5450,7 +5489,15 @@
             <p:ph type="ftr" sz="quarter" idx="11"/>
           </p:nvPr>
         </p:nvSpPr>
-        <p:spPr/>
+        <p:spPr>
+          <a:xfrm>
+            <a:off x="2231136" y="6236208"/>
+            <a:ext cx="5270253" cy="320040"/>
+          </a:xfrm>
+          <a:prstGeom prst="rect">
+            <a:avLst/>
+          </a:prstGeom>
+        </p:spPr>
         <p:txBody>
           <a:bodyPr/>
           <a:lstStyle/>
@@ -5804,7 +5851,7 @@
           <a:p>
             <a:fld id="{3C29FD5F-BB2B-4E40-8995-73C1271A9806}" type="datetime1">
               <a:rPr lang="en-US" altLang="zh-TW" smtClean="0"/>
-              <a:t>8/4/2021</a:t>
+              <a:t>11/13/2021</a:t>
             </a:fld>
             <a:endParaRPr lang="en-US" dirty="0"/>
           </a:p>
@@ -5820,7 +5867,15 @@
             <p:ph type="ftr" sz="quarter" idx="11"/>
           </p:nvPr>
         </p:nvSpPr>
-        <p:spPr/>
+        <p:spPr>
+          <a:xfrm>
+            <a:off x="2231136" y="6236208"/>
+            <a:ext cx="5270253" cy="320040"/>
+          </a:xfrm>
+          <a:prstGeom prst="rect">
+            <a:avLst/>
+          </a:prstGeom>
+        </p:spPr>
         <p:txBody>
           <a:bodyPr/>
           <a:lstStyle/>
@@ -5960,7 +6015,7 @@
           <a:p>
             <a:fld id="{092D9DCA-A190-40EE-B278-8194EF338D81}" type="datetime1">
               <a:rPr lang="en-US" altLang="zh-TW" smtClean="0"/>
-              <a:t>8/4/2021</a:t>
+              <a:t>11/13/2021</a:t>
             </a:fld>
             <a:endParaRPr lang="en-US" dirty="0"/>
           </a:p>
@@ -5976,7 +6031,15 @@
             <p:ph type="ftr" sz="quarter" idx="11"/>
           </p:nvPr>
         </p:nvSpPr>
-        <p:spPr/>
+        <p:spPr>
+          <a:xfrm>
+            <a:off x="2231136" y="6236208"/>
+            <a:ext cx="5270253" cy="320040"/>
+          </a:xfrm>
+          <a:prstGeom prst="rect">
+            <a:avLst/>
+          </a:prstGeom>
+        </p:spPr>
         <p:txBody>
           <a:bodyPr/>
           <a:lstStyle/>
@@ -6054,7 +6117,7 @@
           <a:p>
             <a:fld id="{42E31E4C-B228-4B33-BB4B-CDABCE927468}" type="datetime1">
               <a:rPr lang="en-US" altLang="zh-TW" smtClean="0"/>
-              <a:t>8/4/2021</a:t>
+              <a:t>11/13/2021</a:t>
             </a:fld>
             <a:endParaRPr lang="en-US" dirty="0"/>
           </a:p>
@@ -6070,7 +6133,15 @@
             <p:ph type="ftr" sz="quarter" idx="11"/>
           </p:nvPr>
         </p:nvSpPr>
-        <p:spPr/>
+        <p:spPr>
+          <a:xfrm>
+            <a:off x="2231136" y="6236208"/>
+            <a:ext cx="5270253" cy="320040"/>
+          </a:xfrm>
+          <a:prstGeom prst="rect">
+            <a:avLst/>
+          </a:prstGeom>
+        </p:spPr>
         <p:txBody>
           <a:bodyPr/>
           <a:lstStyle/>
@@ -6419,7 +6490,7 @@
           <a:p>
             <a:fld id="{84FB5FB4-A569-4217-AA11-E5EF0EDF1430}" type="datetime1">
               <a:rPr lang="en-US" altLang="zh-TW" smtClean="0"/>
-              <a:t>8/4/2021</a:t>
+              <a:t>11/13/2021</a:t>
             </a:fld>
             <a:endParaRPr lang="en-US" dirty="0"/>
           </a:p>
@@ -6440,6 +6511,9 @@
             <a:off x="804672" y="6236208"/>
             <a:ext cx="5124797" cy="320040"/>
           </a:xfrm>
+          <a:prstGeom prst="rect">
+            <a:avLst/>
+          </a:prstGeom>
         </p:spPr>
         <p:txBody>
           <a:bodyPr/>
@@ -6784,7 +6858,7 @@
           <a:p>
             <a:fld id="{687C5ACB-4B80-4F3F-939E-B37A6752D868}" type="datetime1">
               <a:rPr lang="en-US" altLang="zh-TW" smtClean="0"/>
-              <a:t>8/4/2021</a:t>
+              <a:t>11/13/2021</a:t>
             </a:fld>
             <a:endParaRPr lang="en-US" dirty="0"/>
           </a:p>
@@ -6805,6 +6879,9 @@
             <a:off x="804672" y="6236208"/>
             <a:ext cx="5124797" cy="320040"/>
           </a:xfrm>
+          <a:prstGeom prst="rect">
+            <a:avLst/>
+          </a:prstGeom>
         </p:spPr>
         <p:txBody>
           <a:bodyPr/>
@@ -6921,49 +6998,8 @@
           <a:p>
             <a:fld id="{A12C5390-3C2A-443A-BAE2-D0C677986658}" type="datetime1">
               <a:rPr lang="en-US" altLang="zh-TW" smtClean="0"/>
-              <a:t>8/4/2021</a:t>
+              <a:t>11/13/2021</a:t>
             </a:fld>
-            <a:endParaRPr lang="en-US" dirty="0"/>
-          </a:p>
-        </p:txBody>
-      </p:sp>
-      <p:sp>
-        <p:nvSpPr>
-          <p:cNvPr id="5" name="Footer Placeholder 4"/>
-          <p:cNvSpPr>
-            <a:spLocks noGrp="1"/>
-          </p:cNvSpPr>
-          <p:nvPr>
-            <p:ph type="ftr" sz="quarter" idx="3"/>
-          </p:nvPr>
-        </p:nvSpPr>
-        <p:spPr>
-          <a:xfrm>
-            <a:off x="2231136" y="6236208"/>
-            <a:ext cx="5270253" cy="320040"/>
-          </a:xfrm>
-          <a:prstGeom prst="rect">
-            <a:avLst/>
-          </a:prstGeom>
-        </p:spPr>
-        <p:txBody>
-          <a:bodyPr vert="horz" lIns="91440" tIns="45720" rIns="91440" bIns="45720" rtlCol="0" anchor="ctr"/>
-          <a:lstStyle>
-            <a:lvl1pPr algn="l">
-              <a:defRPr sz="1050">
-                <a:solidFill>
-                  <a:schemeClr val="tx1">
-                    <a:alpha val="70000"/>
-                  </a:schemeClr>
-                </a:solidFill>
-              </a:defRPr>
-            </a:lvl1pPr>
-          </a:lstStyle>
-          <a:p>
-            <a:r>
-              <a:rPr lang="en-US" dirty="0" smtClean="0"/>
-              <a:t>eLand</a:t>
-            </a:r>
             <a:endParaRPr lang="en-US" dirty="0"/>
           </a:p>
         </p:txBody>
@@ -7015,30 +7051,6 @@
           </a:p>
         </p:txBody>
       </p:sp>
-      <p:pic>
-        <p:nvPicPr>
-          <p:cNvPr id="8" name="圖片 7"/>
-          <p:cNvPicPr>
-            <a:picLocks noChangeAspect="1"/>
-          </p:cNvPicPr>
-          <p:nvPr userDrawn="1"/>
-        </p:nvPicPr>
-        <p:blipFill>
-          <a:blip r:embed="rId13"/>
-          <a:stretch>
-            <a:fillRect/>
-          </a:stretch>
-        </p:blipFill>
-        <p:spPr>
-          <a:xfrm>
-            <a:off x="444845" y="6217920"/>
-            <a:ext cx="1147956" cy="451187"/>
-          </a:xfrm>
-          <a:prstGeom prst="rect">
-            <a:avLst/>
-          </a:prstGeom>
-        </p:spPr>
-      </p:pic>
     </p:spTree>
   </p:cSld>
   <p:clrMap bg1="lt1" tx1="dk1" bg2="lt2" tx2="dk2" accent1="accent1" accent2="accent2" accent3="accent3" accent4="accent4" accent5="accent5" accent6="accent6" hlink="hlink" folHlink="folHlink"/>
@@ -7415,7 +7427,7 @@
           <a:p>
             <a:fld id="{C8BBB021-CE46-41BF-9A57-B8041456FF72}" type="datetime1">
               <a:rPr lang="en-US" altLang="zh-TW" smtClean="0"/>
-              <a:t>8/4/2021</a:t>
+              <a:t>11/13/2021</a:t>
             </a:fld>
             <a:endParaRPr lang="en-US" dirty="0"/>
           </a:p>
@@ -7511,40 +7523,6 @@
       </p:sp>
       <p:sp>
         <p:nvSpPr>
-          <p:cNvPr id="66" name="文字方塊 65"/>
-          <p:cNvSpPr txBox="1"/>
-          <p:nvPr/>
-        </p:nvSpPr>
-        <p:spPr>
-          <a:xfrm>
-            <a:off x="3841286" y="2142125"/>
-            <a:ext cx="5153889" cy="369332"/>
-          </a:xfrm>
-          <a:prstGeom prst="rect">
-            <a:avLst/>
-          </a:prstGeom>
-          <a:noFill/>
-        </p:spPr>
-        <p:txBody>
-          <a:bodyPr wrap="square" rtlCol="0">
-            <a:spAutoFit/>
-          </a:bodyPr>
-          <a:lstStyle/>
-          <a:p>
-            <a:r>
-              <a:rPr lang="en-US" altLang="zh-TW" dirty="0" smtClean="0">
-                <a:latin typeface="Arial Black" panose="020B0A04020102020204" pitchFamily="34" charset="0"/>
-              </a:rPr>
-              <a:t>RD2 Engineer Training Second Review</a:t>
-            </a:r>
-            <a:endParaRPr lang="zh-TW" altLang="en-US" dirty="0">
-              <a:latin typeface="Arial Black" panose="020B0A04020102020204" pitchFamily="34" charset="0"/>
-            </a:endParaRPr>
-          </a:p>
-        </p:txBody>
-      </p:sp>
-      <p:sp>
-        <p:nvSpPr>
           <p:cNvPr id="67" name="文字方塊 66"/>
           <p:cNvSpPr txBox="1"/>
           <p:nvPr/>
@@ -7552,7 +7530,7 @@
         <p:spPr>
           <a:xfrm>
             <a:off x="5081258" y="3517871"/>
-            <a:ext cx="2673943" cy="1200329"/>
+            <a:ext cx="2673943" cy="830997"/>
           </a:xfrm>
           <a:prstGeom prst="rect">
             <a:avLst/>
@@ -7588,30 +7566,16 @@
               <a:rPr lang="en-US" altLang="zh-TW" sz="1600" b="1" dirty="0" smtClean="0">
                 <a:latin typeface="微軟正黑體" panose="020B0604030504040204" pitchFamily="34" charset="-120"/>
                 <a:ea typeface="微軟正黑體" panose="020B0604030504040204" pitchFamily="34" charset="-120"/>
-              </a:rPr>
-              <a:t>RD2 ML Engineer</a:t>
-            </a:r>
-          </a:p>
-          <a:p>
-            <a:pPr algn="ctr">
-              <a:lnSpc>
-                <a:spcPct val="150000"/>
-              </a:lnSpc>
-            </a:pPr>
-            <a:r>
-              <a:rPr lang="en-US" altLang="zh-TW" sz="1600" b="1" dirty="0" smtClean="0">
-                <a:latin typeface="微軟正黑體" panose="020B0604030504040204" pitchFamily="34" charset="-120"/>
-                <a:ea typeface="微軟正黑體" panose="020B0604030504040204" pitchFamily="34" charset="-120"/>
                 <a:hlinkClick r:id="rId2"/>
               </a:rPr>
-              <a:t>ychuang@eland.com.tw</a:t>
+              <a:t>doudi853@gmail.com</a:t>
             </a:r>
             <a:r>
               <a:rPr lang="en-US" altLang="zh-TW" sz="1600" b="1" dirty="0" smtClean="0">
                 <a:latin typeface="微軟正黑體" panose="020B0604030504040204" pitchFamily="34" charset="-120"/>
                 <a:ea typeface="微軟正黑體" panose="020B0604030504040204" pitchFamily="34" charset="-120"/>
               </a:rPr>
-              <a:t> </a:t>
+              <a:t>  </a:t>
             </a:r>
             <a:endParaRPr lang="zh-TW" altLang="en-US" sz="1600" b="1" dirty="0">
               <a:latin typeface="微軟正黑體" panose="020B0604030504040204" pitchFamily="34" charset="-120"/>
@@ -7674,7 +7638,7 @@
           <a:p>
             <a:fld id="{43D715BD-506A-483A-A331-D39440A5394A}" type="datetime1">
               <a:rPr lang="en-US" altLang="zh-TW" smtClean="0"/>
-              <a:t>8/4/2021</a:t>
+              <a:t>11/13/2021</a:t>
             </a:fld>
             <a:endParaRPr lang="en-US" dirty="0"/>
           </a:p>
@@ -8653,7 +8617,7 @@
           <a:p>
             <a:fld id="{C1B04989-C204-4BB3-A496-31B7A8842197}" type="datetime1">
               <a:rPr lang="en-US" altLang="zh-TW" smtClean="0"/>
-              <a:t>8/4/2021</a:t>
+              <a:t>11/13/2021</a:t>
             </a:fld>
             <a:endParaRPr lang="en-US" dirty="0"/>
           </a:p>
@@ -9640,7 +9604,7 @@
           <a:p>
             <a:fld id="{43023D66-1F54-4A2C-B8B3-E783838D9F71}" type="datetime1">
               <a:rPr lang="en-US" altLang="zh-TW" smtClean="0"/>
-              <a:t>8/4/2021</a:t>
+              <a:t>11/13/2021</a:t>
             </a:fld>
             <a:endParaRPr lang="en-US" dirty="0"/>
           </a:p>
@@ -9882,7 +9846,7 @@
           <a:p>
             <a:fld id="{AB466D01-7706-436F-9F52-242116AE38B2}" type="datetime1">
               <a:rPr lang="en-US" altLang="zh-TW" smtClean="0"/>
-              <a:t>8/4/2021</a:t>
+              <a:t>11/13/2021</a:t>
             </a:fld>
             <a:endParaRPr lang="en-US" dirty="0"/>
           </a:p>
@@ -10280,7 +10244,7 @@
           <a:p>
             <a:fld id="{717C4B98-A51E-4049-8774-1A461F0E67F1}" type="datetime1">
               <a:rPr lang="en-US" altLang="zh-TW" smtClean="0"/>
-              <a:t>8/4/2021</a:t>
+              <a:t>11/13/2021</a:t>
             </a:fld>
             <a:endParaRPr lang="en-US" dirty="0"/>
           </a:p>
@@ -10879,7 +10843,7 @@
           <a:p>
             <a:fld id="{717C4B98-A51E-4049-8774-1A461F0E67F1}" type="datetime1">
               <a:rPr lang="en-US" altLang="zh-TW" smtClean="0"/>
-              <a:t>8/4/2021</a:t>
+              <a:t>11/13/2021</a:t>
             </a:fld>
             <a:endParaRPr lang="en-US" dirty="0"/>
           </a:p>
@@ -11910,199 +11874,6 @@
 </p:sld>
 </file>
 
-<file path=ppt/slides/slide16.xml><?xml version="1.0" encoding="utf-8"?>
-<p:sld xmlns:a="http://schemas.openxmlformats.org/drawingml/2006/main" xmlns:r="http://schemas.openxmlformats.org/officeDocument/2006/relationships" xmlns:p="http://schemas.openxmlformats.org/presentationml/2006/main">
-  <p:cSld>
-    <p:spTree>
-      <p:nvGrpSpPr>
-        <p:cNvPr id="1" name=""/>
-        <p:cNvGrpSpPr/>
-        <p:nvPr/>
-      </p:nvGrpSpPr>
-      <p:grpSpPr>
-        <a:xfrm>
-          <a:off x="0" y="0"/>
-          <a:ext cx="0" cy="0"/>
-          <a:chOff x="0" y="0"/>
-          <a:chExt cx="0" cy="0"/>
-        </a:xfrm>
-      </p:grpSpPr>
-      <p:sp>
-        <p:nvSpPr>
-          <p:cNvPr id="4" name="日期版面配置區 3"/>
-          <p:cNvSpPr>
-            <a:spLocks noGrp="1"/>
-          </p:cNvSpPr>
-          <p:nvPr>
-            <p:ph type="dt" sz="half" idx="10"/>
-          </p:nvPr>
-        </p:nvSpPr>
-        <p:spPr/>
-        <p:txBody>
-          <a:bodyPr/>
-          <a:lstStyle/>
-          <a:p>
-            <a:fld id="{E87FB235-A134-4E58-BB66-40A6F5BBA222}" type="datetime1">
-              <a:rPr lang="en-US" altLang="zh-TW" smtClean="0"/>
-              <a:t>8/4/2021</a:t>
-            </a:fld>
-            <a:endParaRPr lang="en-US" dirty="0"/>
-          </a:p>
-        </p:txBody>
-      </p:sp>
-      <p:sp>
-        <p:nvSpPr>
-          <p:cNvPr id="6" name="投影片編號版面配置區 5"/>
-          <p:cNvSpPr>
-            <a:spLocks noGrp="1"/>
-          </p:cNvSpPr>
-          <p:nvPr>
-            <p:ph type="sldNum" sz="quarter" idx="12"/>
-          </p:nvPr>
-        </p:nvSpPr>
-        <p:spPr/>
-        <p:txBody>
-          <a:bodyPr/>
-          <a:lstStyle/>
-          <a:p>
-            <a:fld id="{8A7A6979-0714-4377-B894-6BE4C2D6E202}" type="slidenum">
-              <a:rPr lang="en-US" smtClean="0"/>
-              <a:pPr/>
-              <a:t>16</a:t>
-            </a:fld>
-            <a:endParaRPr lang="en-US" dirty="0"/>
-          </a:p>
-        </p:txBody>
-      </p:sp>
-      <p:sp>
-        <p:nvSpPr>
-          <p:cNvPr id="7" name="文字方塊 6"/>
-          <p:cNvSpPr txBox="1"/>
-          <p:nvPr/>
-        </p:nvSpPr>
-        <p:spPr>
-          <a:xfrm>
-            <a:off x="4042759" y="2777945"/>
-            <a:ext cx="5166472" cy="584775"/>
-          </a:xfrm>
-          <a:prstGeom prst="rect">
-            <a:avLst/>
-          </a:prstGeom>
-          <a:noFill/>
-        </p:spPr>
-        <p:txBody>
-          <a:bodyPr wrap="square" rtlCol="0">
-            <a:spAutoFit/>
-          </a:bodyPr>
-          <a:lstStyle/>
-          <a:p>
-            <a:r>
-              <a:rPr lang="en-US" altLang="zh-TW" sz="3200" dirty="0" smtClean="0">
-                <a:latin typeface="Arial Black" panose="020B0A04020102020204" pitchFamily="34" charset="0"/>
-              </a:rPr>
-              <a:t>Thanks for listening !!</a:t>
-            </a:r>
-            <a:endParaRPr lang="zh-TW" altLang="en-US" sz="3200" dirty="0">
-              <a:latin typeface="Arial Black" panose="020B0A04020102020204" pitchFamily="34" charset="0"/>
-            </a:endParaRPr>
-          </a:p>
-        </p:txBody>
-      </p:sp>
-      <p:grpSp>
-        <p:nvGrpSpPr>
-          <p:cNvPr id="15" name="群組 14"/>
-          <p:cNvGrpSpPr/>
-          <p:nvPr/>
-        </p:nvGrpSpPr>
-        <p:grpSpPr>
-          <a:xfrm>
-            <a:off x="2231136" y="2449302"/>
-            <a:ext cx="1855470" cy="1242060"/>
-            <a:chOff x="2099659" y="2456922"/>
-            <a:chExt cx="1855470" cy="1242060"/>
-          </a:xfrm>
-        </p:grpSpPr>
-        <p:pic>
-          <p:nvPicPr>
-            <p:cNvPr id="12" name="圖片 11"/>
-            <p:cNvPicPr>
-              <a:picLocks noChangeAspect="1"/>
-            </p:cNvPicPr>
-            <p:nvPr/>
-          </p:nvPicPr>
-          <p:blipFill>
-            <a:blip r:embed="rId2">
-              <a:extLst>
-                <a:ext uri="{28A0092B-C50C-407E-A947-70E740481C1C}">
-                  <a14:useLocalDpi xmlns:a14="http://schemas.microsoft.com/office/drawing/2010/main" val="0"/>
-                </a:ext>
-              </a:extLst>
-            </a:blip>
-            <a:stretch>
-              <a:fillRect/>
-            </a:stretch>
-          </p:blipFill>
-          <p:spPr>
-            <a:xfrm>
-              <a:off x="2099659" y="2456922"/>
-              <a:ext cx="1226820" cy="1226820"/>
-            </a:xfrm>
-            <a:prstGeom prst="rect">
-              <a:avLst/>
-            </a:prstGeom>
-          </p:spPr>
-        </p:pic>
-        <p:pic>
-          <p:nvPicPr>
-            <p:cNvPr id="14" name="圖片 13"/>
-            <p:cNvPicPr>
-              <a:picLocks noChangeAspect="1"/>
-            </p:cNvPicPr>
-            <p:nvPr/>
-          </p:nvPicPr>
-          <p:blipFill>
-            <a:blip r:embed="rId3">
-              <a:extLst>
-                <a:ext uri="{28A0092B-C50C-407E-A947-70E740481C1C}">
-                  <a14:useLocalDpi xmlns:a14="http://schemas.microsoft.com/office/drawing/2010/main" val="0"/>
-                </a:ext>
-              </a:extLst>
-            </a:blip>
-            <a:stretch>
-              <a:fillRect/>
-            </a:stretch>
-          </p:blipFill>
-          <p:spPr>
-            <a:xfrm>
-              <a:off x="2713069" y="2456922"/>
-              <a:ext cx="1242060" cy="1242060"/>
-            </a:xfrm>
-            <a:prstGeom prst="rect">
-              <a:avLst/>
-            </a:prstGeom>
-          </p:spPr>
-        </p:pic>
-      </p:grpSp>
-    </p:spTree>
-    <p:extLst>
-      <p:ext uri="{BB962C8B-B14F-4D97-AF65-F5344CB8AC3E}">
-        <p14:creationId xmlns:p14="http://schemas.microsoft.com/office/powerpoint/2010/main" val="3610454023"/>
-      </p:ext>
-    </p:extLst>
-  </p:cSld>
-  <p:clrMapOvr>
-    <a:masterClrMapping/>
-  </p:clrMapOvr>
-  <p:timing>
-    <p:tnLst>
-      <p:par>
-        <p:cTn id="1" dur="indefinite" restart="never" nodeType="tmRoot"/>
-      </p:par>
-    </p:tnLst>
-  </p:timing>
-</p:sld>
-</file>
-
 <file path=ppt/slides/slide2.xml><?xml version="1.0" encoding="utf-8"?>
 <p:sld xmlns:a="http://schemas.openxmlformats.org/drawingml/2006/main" xmlns:r="http://schemas.openxmlformats.org/officeDocument/2006/relationships" xmlns:p="http://schemas.openxmlformats.org/presentationml/2006/main">
   <p:cSld>
@@ -12137,7 +11908,7 @@
           <a:p>
             <a:fld id="{0D41987E-CA76-4125-B5BC-83512E99FEBC}" type="datetime1">
               <a:rPr lang="en-US" altLang="zh-TW" smtClean="0"/>
-              <a:t>8/4/2021</a:t>
+              <a:t>11/13/2021</a:t>
             </a:fld>
             <a:endParaRPr lang="en-US" dirty="0"/>
           </a:p>
@@ -13380,7 +13151,7 @@
           <a:p>
             <a:fld id="{717C4B98-A51E-4049-8774-1A461F0E67F1}" type="datetime1">
               <a:rPr lang="en-US" altLang="zh-TW" smtClean="0"/>
-              <a:t>8/4/2021</a:t>
+              <a:t>11/13/2021</a:t>
             </a:fld>
             <a:endParaRPr lang="en-US" dirty="0"/>
           </a:p>
@@ -13577,7 +13348,7 @@
           <a:p>
             <a:fld id="{BB275D85-33FB-4715-9761-D44AB70EE7F4}" type="datetime1">
               <a:rPr lang="en-US" altLang="zh-TW" smtClean="0"/>
-              <a:t>8/4/2021</a:t>
+              <a:t>11/13/2021</a:t>
             </a:fld>
             <a:endParaRPr lang="en-US" dirty="0"/>
           </a:p>
@@ -13996,7 +13767,7 @@
           <a:p>
             <a:fld id="{9989D1A6-EF40-4281-A5D3-9EC87A83506D}" type="datetime1">
               <a:rPr lang="en-US" altLang="zh-TW" smtClean="0"/>
-              <a:t>8/4/2021</a:t>
+              <a:t>11/13/2021</a:t>
             </a:fld>
             <a:endParaRPr lang="en-US" dirty="0"/>
           </a:p>
@@ -14473,7 +14244,7 @@
           <a:p>
             <a:fld id="{9989D1A6-EF40-4281-A5D3-9EC87A83506D}" type="datetime1">
               <a:rPr lang="en-US" altLang="zh-TW" smtClean="0"/>
-              <a:t>8/4/2021</a:t>
+              <a:t>11/13/2021</a:t>
             </a:fld>
             <a:endParaRPr lang="en-US" dirty="0"/>
           </a:p>
@@ -17125,7 +16896,7 @@
           <a:p>
             <a:fld id="{49A3A9AE-E23A-43EE-928C-853A418FAF0F}" type="datetime1">
               <a:rPr lang="en-US" altLang="zh-TW" smtClean="0"/>
-              <a:t>8/4/2021</a:t>
+              <a:t>11/13/2021</a:t>
             </a:fld>
             <a:endParaRPr lang="en-US" dirty="0"/>
           </a:p>
@@ -18492,7 +18263,7 @@
           <a:p>
             <a:fld id="{65EC49B6-912D-422E-9B13-57875C19BCB6}" type="datetime1">
               <a:rPr lang="en-US" altLang="zh-TW" smtClean="0"/>
-              <a:t>8/4/2021</a:t>
+              <a:t>11/13/2021</a:t>
             </a:fld>
             <a:endParaRPr lang="en-US" dirty="0"/>
           </a:p>
@@ -21141,7 +20912,7 @@
           <a:p>
             <a:fld id="{65EC49B6-912D-422E-9B13-57875C19BCB6}" type="datetime1">
               <a:rPr lang="en-US" altLang="zh-TW" smtClean="0"/>
-              <a:t>8/4/2021</a:t>
+              <a:t>11/13/2021</a:t>
             </a:fld>
             <a:endParaRPr lang="en-US" dirty="0"/>
           </a:p>

--- a/AD_classifier.pptx
+++ b/AD_classifier.pptx
@@ -3644,7 +3644,7 @@
           <a:p>
             <a:fld id="{EF77A7C5-4EBA-4C12-B7F4-11297EFA841D}" type="datetimeFigureOut">
               <a:rPr lang="zh-TW" altLang="en-US" smtClean="0"/>
-              <a:t>2021/8/5</a:t>
+              <a:t>2022/6/16</a:t>
             </a:fld>
             <a:endParaRPr lang="zh-TW" altLang="en-US"/>
           </a:p>
@@ -4219,9 +4219,9 @@
           <a:bodyPr/>
           <a:lstStyle/>
           <a:p>
-            <a:fld id="{46ABAB56-8993-4C71-9B21-E94BC659A8BF}" type="datetime1">
+            <a:fld id="{F9586E9A-5369-49E0-9CD1-C62B51EC340C}" type="datetime1">
               <a:rPr lang="en-US" altLang="zh-TW" smtClean="0"/>
-              <a:t>8/5/2021</a:t>
+              <a:t>6/16/2022</a:t>
             </a:fld>
             <a:endParaRPr lang="en-US" dirty="0"/>
           </a:p>
@@ -4405,9 +4405,9 @@
           <a:bodyPr/>
           <a:lstStyle/>
           <a:p>
-            <a:fld id="{455E3249-1290-41D2-B8CA-A6C4A4478C38}" type="datetime1">
+            <a:fld id="{A95C88A6-5BEE-4026-A010-1050F4E01B1C}" type="datetime1">
               <a:rPr lang="en-US" altLang="zh-TW" smtClean="0"/>
-              <a:t>8/5/2021</a:t>
+              <a:t>6/16/2022</a:t>
             </a:fld>
             <a:endParaRPr lang="en-US" dirty="0"/>
           </a:p>
@@ -4590,9 +4590,9 @@
           <a:bodyPr/>
           <a:lstStyle/>
           <a:p>
-            <a:fld id="{66226718-3610-4633-B218-B59A67A91276}" type="datetime1">
+            <a:fld id="{D37B8A0D-BF2F-4343-AFCF-70BC03A29A99}" type="datetime1">
               <a:rPr lang="en-US" altLang="zh-TW" smtClean="0"/>
-              <a:t>8/5/2021</a:t>
+              <a:t>6/16/2022</a:t>
             </a:fld>
             <a:endParaRPr lang="en-US" dirty="0"/>
           </a:p>
@@ -4775,9 +4775,9 @@
           <a:bodyPr/>
           <a:lstStyle/>
           <a:p>
-            <a:fld id="{717C4B98-A51E-4049-8774-1A461F0E67F1}" type="datetime1">
+            <a:fld id="{633B89BB-3E93-4508-8E5F-FC7E1F2E0467}" type="datetime1">
               <a:rPr lang="en-US" altLang="zh-TW" smtClean="0"/>
-              <a:t>8/5/2021</a:t>
+              <a:t>6/16/2022</a:t>
             </a:fld>
             <a:endParaRPr lang="en-US" dirty="0"/>
           </a:p>
@@ -5049,9 +5049,9 @@
           <a:bodyPr/>
           <a:lstStyle/>
           <a:p>
-            <a:fld id="{AA7D5A9B-2512-46C5-B573-9FDD786FF080}" type="datetime1">
+            <a:fld id="{3F563A03-1465-46B4-8307-BF071EE7916C}" type="datetime1">
               <a:rPr lang="en-US" altLang="zh-TW" smtClean="0"/>
-              <a:t>8/5/2021</a:t>
+              <a:t>6/16/2022</a:t>
             </a:fld>
             <a:endParaRPr lang="en-US" dirty="0"/>
           </a:p>
@@ -5295,9 +5295,9 @@
           <a:bodyPr/>
           <a:lstStyle/>
           <a:p>
-            <a:fld id="{B7AC2539-BAAC-4F7A-A8E9-1902906CA16F}" type="datetime1">
+            <a:fld id="{6583C8D8-6F7F-48EF-A09C-BDB738F4E069}" type="datetime1">
               <a:rPr lang="en-US" altLang="zh-TW" smtClean="0"/>
-              <a:t>8/5/2021</a:t>
+              <a:t>6/16/2022</a:t>
             </a:fld>
             <a:endParaRPr lang="en-US" dirty="0"/>
           </a:p>
@@ -5665,9 +5665,9 @@
           <a:bodyPr/>
           <a:lstStyle/>
           <a:p>
-            <a:fld id="{3C29FD5F-BB2B-4E40-8995-73C1271A9806}" type="datetime1">
+            <a:fld id="{E0A1D853-D48B-4FF5-BF00-BEC4CAA84D60}" type="datetime1">
               <a:rPr lang="en-US" altLang="zh-TW" smtClean="0"/>
-              <a:t>8/5/2021</a:t>
+              <a:t>6/16/2022</a:t>
             </a:fld>
             <a:endParaRPr lang="en-US" dirty="0"/>
           </a:p>
@@ -5821,9 +5821,9 @@
           <a:bodyPr/>
           <a:lstStyle/>
           <a:p>
-            <a:fld id="{092D9DCA-A190-40EE-B278-8194EF338D81}" type="datetime1">
+            <a:fld id="{7448C2C8-6A5B-4707-83BB-0EEA77D7574C}" type="datetime1">
               <a:rPr lang="en-US" altLang="zh-TW" smtClean="0"/>
-              <a:t>8/5/2021</a:t>
+              <a:t>6/16/2022</a:t>
             </a:fld>
             <a:endParaRPr lang="en-US" dirty="0"/>
           </a:p>
@@ -5915,9 +5915,9 @@
           <a:bodyPr/>
           <a:lstStyle/>
           <a:p>
-            <a:fld id="{42E31E4C-B228-4B33-BB4B-CDABCE927468}" type="datetime1">
+            <a:fld id="{01677429-7961-4D26-9CB1-D328F8699324}" type="datetime1">
               <a:rPr lang="en-US" altLang="zh-TW" smtClean="0"/>
-              <a:t>8/5/2021</a:t>
+              <a:t>6/16/2022</a:t>
             </a:fld>
             <a:endParaRPr lang="en-US" dirty="0"/>
           </a:p>
@@ -6280,9 +6280,9 @@
           <a:bodyPr/>
           <a:lstStyle/>
           <a:p>
-            <a:fld id="{84FB5FB4-A569-4217-AA11-E5EF0EDF1430}" type="datetime1">
+            <a:fld id="{DE6FD4EB-846F-4AF4-AA4B-6FEF652673E5}" type="datetime1">
               <a:rPr lang="en-US" altLang="zh-TW" smtClean="0"/>
-              <a:t>8/5/2021</a:t>
+              <a:t>6/16/2022</a:t>
             </a:fld>
             <a:endParaRPr lang="en-US" dirty="0"/>
           </a:p>
@@ -6645,9 +6645,9 @@
             </a:lvl1pPr>
           </a:lstStyle>
           <a:p>
-            <a:fld id="{687C5ACB-4B80-4F3F-939E-B37A6752D868}" type="datetime1">
+            <a:fld id="{F8E9CDB0-1BCE-4C74-82F9-A64752926645}" type="datetime1">
               <a:rPr lang="en-US" altLang="zh-TW" smtClean="0"/>
-              <a:t>8/5/2021</a:t>
+              <a:t>6/16/2022</a:t>
             </a:fld>
             <a:endParaRPr lang="en-US" dirty="0"/>
           </a:p>
@@ -6782,9 +6782,9 @@
             </a:lvl1pPr>
           </a:lstStyle>
           <a:p>
-            <a:fld id="{A12C5390-3C2A-443A-BAE2-D0C677986658}" type="datetime1">
+            <a:fld id="{F00D83A3-10D3-43BD-87FB-ECD13DD04F65}" type="datetime1">
               <a:rPr lang="en-US" altLang="zh-TW" smtClean="0"/>
-              <a:t>8/5/2021</a:t>
+              <a:t>6/16/2022</a:t>
             </a:fld>
             <a:endParaRPr lang="en-US" dirty="0"/>
           </a:p>
@@ -6878,30 +6878,6 @@
           </a:p>
         </p:txBody>
       </p:sp>
-      <p:pic>
-        <p:nvPicPr>
-          <p:cNvPr id="8" name="圖片 7"/>
-          <p:cNvPicPr>
-            <a:picLocks noChangeAspect="1"/>
-          </p:cNvPicPr>
-          <p:nvPr userDrawn="1"/>
-        </p:nvPicPr>
-        <p:blipFill>
-          <a:blip r:embed="rId13"/>
-          <a:stretch>
-            <a:fillRect/>
-          </a:stretch>
-        </p:blipFill>
-        <p:spPr>
-          <a:xfrm>
-            <a:off x="444845" y="6217920"/>
-            <a:ext cx="1147956" cy="451187"/>
-          </a:xfrm>
-          <a:prstGeom prst="rect">
-            <a:avLst/>
-          </a:prstGeom>
-        </p:spPr>
-      </p:pic>
     </p:spTree>
   </p:cSld>
   <p:clrMap bg1="lt1" tx1="dk1" bg2="lt2" tx2="dk2" accent1="accent1" accent2="accent2" accent3="accent3" accent4="accent4" accent5="accent5" accent6="accent6" hlink="hlink" folHlink="folHlink"/>
@@ -7276,9 +7252,9 @@
           <a:bodyPr/>
           <a:lstStyle/>
           <a:p>
-            <a:fld id="{C8BBB021-CE46-41BF-9A57-B8041456FF72}" type="datetime1">
+            <a:fld id="{6A55FCA1-3468-499D-A34F-03EE3D1794A6}" type="datetime1">
               <a:rPr lang="en-US" altLang="zh-TW" smtClean="0"/>
-              <a:t>8/5/2021</a:t>
+              <a:t>6/16/2022</a:t>
             </a:fld>
             <a:endParaRPr lang="en-US" dirty="0"/>
           </a:p>
@@ -7374,40 +7350,6 @@
       </p:sp>
       <p:sp>
         <p:nvSpPr>
-          <p:cNvPr id="66" name="文字方塊 65"/>
-          <p:cNvSpPr txBox="1"/>
-          <p:nvPr/>
-        </p:nvSpPr>
-        <p:spPr>
-          <a:xfrm>
-            <a:off x="3841286" y="2142125"/>
-            <a:ext cx="5153889" cy="369332"/>
-          </a:xfrm>
-          <a:prstGeom prst="rect">
-            <a:avLst/>
-          </a:prstGeom>
-          <a:noFill/>
-        </p:spPr>
-        <p:txBody>
-          <a:bodyPr wrap="square" rtlCol="0">
-            <a:spAutoFit/>
-          </a:bodyPr>
-          <a:lstStyle/>
-          <a:p>
-            <a:r>
-              <a:rPr lang="en-US" altLang="zh-TW" dirty="0" smtClean="0">
-                <a:latin typeface="Arial Black" panose="020B0A04020102020204" pitchFamily="34" charset="0"/>
-              </a:rPr>
-              <a:t>RD2 Engineer Training Second Review</a:t>
-            </a:r>
-            <a:endParaRPr lang="zh-TW" altLang="en-US" dirty="0">
-              <a:latin typeface="Arial Black" panose="020B0A04020102020204" pitchFamily="34" charset="0"/>
-            </a:endParaRPr>
-          </a:p>
-        </p:txBody>
-      </p:sp>
-      <p:sp>
-        <p:nvSpPr>
           <p:cNvPr id="67" name="文字方塊 66"/>
           <p:cNvSpPr txBox="1"/>
           <p:nvPr/>
@@ -7440,20 +7382,17 @@
               </a:rPr>
               <a:t>Yen-Chun, Huang    </a:t>
             </a:r>
-          </a:p>
-          <a:p>
-            <a:pPr algn="ctr">
-              <a:lnSpc>
-                <a:spcPct val="150000"/>
-              </a:lnSpc>
-            </a:pPr>
             <a:r>
               <a:rPr lang="en-US" altLang="zh-TW" sz="1600" b="1" dirty="0" smtClean="0">
                 <a:latin typeface="微軟正黑體" panose="020B0604030504040204" pitchFamily="34" charset="-120"/>
                 <a:ea typeface="微軟正黑體" panose="020B0604030504040204" pitchFamily="34" charset="-120"/>
               </a:rPr>
-              <a:t>RD2 ML Engineer</a:t>
+              <a:t>Engineer</a:t>
             </a:r>
+            <a:endParaRPr lang="en-US" altLang="zh-TW" sz="1600" b="1" dirty="0" smtClean="0">
+              <a:latin typeface="微軟正黑體" panose="020B0604030504040204" pitchFamily="34" charset="-120"/>
+              <a:ea typeface="微軟正黑體" panose="020B0604030504040204" pitchFamily="34" charset="-120"/>
+            </a:endParaRPr>
           </a:p>
           <a:p>
             <a:pPr algn="ctr">
@@ -7467,7 +7406,7 @@
                 <a:ea typeface="微軟正黑體" panose="020B0604030504040204" pitchFamily="34" charset="-120"/>
                 <a:hlinkClick r:id="rId2"/>
               </a:rPr>
-              <a:t>ychuang@eland.com.tw</a:t>
+              <a:t>doudi853@gmail.com</a:t>
             </a:r>
             <a:r>
               <a:rPr lang="en-US" altLang="zh-TW" sz="1600" b="1" dirty="0" smtClean="0">
@@ -7535,9 +7474,9 @@
           <a:bodyPr/>
           <a:lstStyle/>
           <a:p>
-            <a:fld id="{C1B04989-C204-4BB3-A496-31B7A8842197}" type="datetime1">
+            <a:fld id="{A23FF5D4-8CAF-47E7-8FE3-5D7582A868E0}" type="datetime1">
               <a:rPr lang="en-US" altLang="zh-TW" smtClean="0"/>
-              <a:t>8/5/2021</a:t>
+              <a:t>6/16/2022</a:t>
             </a:fld>
             <a:endParaRPr lang="en-US" dirty="0"/>
           </a:p>
@@ -8522,9 +8461,9 @@
           <a:bodyPr/>
           <a:lstStyle/>
           <a:p>
-            <a:fld id="{43023D66-1F54-4A2C-B8B3-E783838D9F71}" type="datetime1">
+            <a:fld id="{D3AFA6D1-881B-4C3C-9C3B-4E30F5B02D62}" type="datetime1">
               <a:rPr lang="en-US" altLang="zh-TW" smtClean="0"/>
-              <a:t>8/5/2021</a:t>
+              <a:t>6/16/2022</a:t>
             </a:fld>
             <a:endParaRPr lang="en-US" dirty="0"/>
           </a:p>
@@ -8764,9 +8703,9 @@
           <a:bodyPr/>
           <a:lstStyle/>
           <a:p>
-            <a:fld id="{65EC49B6-912D-422E-9B13-57875C19BCB6}" type="datetime1">
+            <a:fld id="{520F1816-BFA0-4864-BFC0-5D40630FD158}" type="datetime1">
               <a:rPr lang="en-US" altLang="zh-TW" smtClean="0"/>
-              <a:t>8/5/2021</a:t>
+              <a:t>6/16/2022</a:t>
             </a:fld>
             <a:endParaRPr lang="en-US" dirty="0"/>
           </a:p>
@@ -11420,9 +11359,9 @@
           <a:bodyPr/>
           <a:lstStyle/>
           <a:p>
-            <a:fld id="{AB466D01-7706-436F-9F52-242116AE38B2}" type="datetime1">
+            <a:fld id="{CDDAA370-3821-4B14-A6AA-2E800C18D1A4}" type="datetime1">
               <a:rPr lang="en-US" altLang="zh-TW" smtClean="0"/>
-              <a:t>8/5/2021</a:t>
+              <a:t>6/16/2022</a:t>
             </a:fld>
             <a:endParaRPr lang="en-US" dirty="0"/>
           </a:p>
@@ -11813,9 +11752,9 @@
           <a:bodyPr/>
           <a:lstStyle/>
           <a:p>
-            <a:fld id="{AB466D01-7706-436F-9F52-242116AE38B2}" type="datetime1">
+            <a:fld id="{0CB5B92E-E86C-4292-82F2-F7C8872B45F7}" type="datetime1">
               <a:rPr lang="en-US" altLang="zh-TW" smtClean="0"/>
-              <a:t>8/5/2021</a:t>
+              <a:t>6/16/2022</a:t>
             </a:fld>
             <a:endParaRPr lang="en-US" dirty="0"/>
           </a:p>
@@ -12226,9 +12165,9 @@
           <a:bodyPr/>
           <a:lstStyle/>
           <a:p>
-            <a:fld id="{717C4B98-A51E-4049-8774-1A461F0E67F1}" type="datetime1">
+            <a:fld id="{F3F9E186-E08F-41E9-8A07-BD0825A66BB9}" type="datetime1">
               <a:rPr lang="en-US" altLang="zh-TW" smtClean="0"/>
-              <a:t>8/5/2021</a:t>
+              <a:t>6/16/2022</a:t>
             </a:fld>
             <a:endParaRPr lang="en-US" dirty="0"/>
           </a:p>
@@ -12825,9 +12764,9 @@
           <a:bodyPr/>
           <a:lstStyle/>
           <a:p>
-            <a:fld id="{717C4B98-A51E-4049-8774-1A461F0E67F1}" type="datetime1">
+            <a:fld id="{6759223F-43F4-4BB2-8236-4DB4808190FC}" type="datetime1">
               <a:rPr lang="en-US" altLang="zh-TW" smtClean="0"/>
-              <a:t>8/5/2021</a:t>
+              <a:t>6/16/2022</a:t>
             </a:fld>
             <a:endParaRPr lang="en-US" dirty="0"/>
           </a:p>
@@ -13924,9 +13863,9 @@
           <a:bodyPr/>
           <a:lstStyle/>
           <a:p>
-            <a:fld id="{717C4B98-A51E-4049-8774-1A461F0E67F1}" type="datetime1">
+            <a:fld id="{5DB9167C-68C4-42A4-8041-8392B367D39A}" type="datetime1">
               <a:rPr lang="en-US" altLang="zh-TW" smtClean="0"/>
-              <a:t>8/5/2021</a:t>
+              <a:t>6/16/2022</a:t>
             </a:fld>
             <a:endParaRPr lang="en-US" dirty="0"/>
           </a:p>
@@ -14769,13 +14708,7 @@
               <a:rPr lang="en-US" altLang="zh-TW" sz="3200" dirty="0" smtClean="0">
                 <a:latin typeface="Arial Black" panose="020B0A04020102020204" pitchFamily="34" charset="0"/>
               </a:rPr>
-              <a:t>Git </a:t>
-            </a:r>
-            <a:r>
-              <a:rPr lang="en-US" altLang="zh-TW" sz="3200" dirty="0" smtClean="0">
-                <a:latin typeface="Arial Black" panose="020B0A04020102020204" pitchFamily="34" charset="0"/>
-              </a:rPr>
-              <a:t>Roadmap</a:t>
+              <a:t>Git Roadmap</a:t>
             </a:r>
             <a:endParaRPr lang="zh-TW" altLang="en-US" sz="3200" dirty="0">
               <a:latin typeface="Arial Black" panose="020B0A04020102020204" pitchFamily="34" charset="0"/>
@@ -14828,9 +14761,9 @@
           <a:bodyPr/>
           <a:lstStyle/>
           <a:p>
-            <a:fld id="{AB466D01-7706-436F-9F52-242116AE38B2}" type="datetime1">
+            <a:fld id="{B355A281-2477-4FFB-95BE-8F51BC4E5E13}" type="datetime1">
               <a:rPr lang="en-US" altLang="zh-TW" smtClean="0"/>
-              <a:t>8/5/2021</a:t>
+              <a:t>6/16/2022</a:t>
             </a:fld>
             <a:endParaRPr lang="en-US" dirty="0"/>
           </a:p>
@@ -14894,8 +14827,8 @@
           </a:p>
         </p:txBody>
       </p:sp>
-      <mc:AlternateContent xmlns:mc="http://schemas.openxmlformats.org/markup-compatibility/2006">
-        <mc:Choice xmlns:a14="http://schemas.microsoft.com/office/drawing/2010/main" Requires="a14">
+      <mc:AlternateContent xmlns:mc="http://schemas.openxmlformats.org/markup-compatibility/2006" xmlns:a14="http://schemas.microsoft.com/office/drawing/2010/main">
+        <mc:Choice Requires="a14">
           <p:sp>
             <p:nvSpPr>
               <p:cNvPr id="9" name="文字方塊 8"/>
@@ -15190,7 +15123,7 @@
             </p:txBody>
           </p:sp>
         </mc:Choice>
-        <mc:Fallback>
+        <mc:Fallback xmlns="">
           <p:sp>
             <p:nvSpPr>
               <p:cNvPr id="9" name="文字方塊 8"/>
@@ -15386,9 +15319,9 @@
           <a:bodyPr/>
           <a:lstStyle/>
           <a:p>
-            <a:fld id="{E87FB235-A134-4E58-BB66-40A6F5BBA222}" type="datetime1">
+            <a:fld id="{B771F9CC-DEA0-457B-B802-4CF5C613B03D}" type="datetime1">
               <a:rPr lang="en-US" altLang="zh-TW" smtClean="0"/>
-              <a:t>8/5/2021</a:t>
+              <a:t>6/16/2022</a:t>
             </a:fld>
             <a:endParaRPr lang="en-US" dirty="0"/>
           </a:p>
@@ -15527,6 +15460,50 @@
           </p:spPr>
         </p:pic>
       </p:grpSp>
+      <p:sp>
+        <p:nvSpPr>
+          <p:cNvPr id="2" name="文字方塊 1"/>
+          <p:cNvSpPr txBox="1"/>
+          <p:nvPr/>
+        </p:nvSpPr>
+        <p:spPr>
+          <a:xfrm>
+            <a:off x="5669949" y="4070838"/>
+            <a:ext cx="1912092" cy="369332"/>
+          </a:xfrm>
+          <a:prstGeom prst="rect">
+            <a:avLst/>
+          </a:prstGeom>
+          <a:noFill/>
+        </p:spPr>
+        <p:txBody>
+          <a:bodyPr wrap="square" rtlCol="0">
+            <a:spAutoFit/>
+          </a:bodyPr>
+          <a:lstStyle/>
+          <a:p>
+            <a:r>
+              <a:rPr lang="en-US" altLang="zh-TW" dirty="0" smtClean="0">
+                <a:hlinkClick r:id="rId4"/>
+              </a:rPr>
+              <a:t>Project </a:t>
+            </a:r>
+            <a:r>
+              <a:rPr lang="en-US" altLang="zh-TW" dirty="0" err="1" smtClean="0">
+                <a:hlinkClick r:id="rId4"/>
+              </a:rPr>
+              <a:t>github</a:t>
+            </a:r>
+            <a:r>
+              <a:rPr lang="en-US" altLang="zh-TW" dirty="0" smtClean="0">
+                <a:hlinkClick r:id="rId4"/>
+              </a:rPr>
+              <a:t> link</a:t>
+            </a:r>
+            <a:endParaRPr lang="zh-TW" altLang="en-US" dirty="0"/>
+          </a:p>
+        </p:txBody>
+      </p:sp>
     </p:spTree>
     <p:extLst>
       <p:ext uri="{BB962C8B-B14F-4D97-AF65-F5344CB8AC3E}">
@@ -15579,9 +15556,9 @@
           <a:bodyPr/>
           <a:lstStyle/>
           <a:p>
-            <a:fld id="{AB466D01-7706-436F-9F52-242116AE38B2}" type="datetime1">
+            <a:fld id="{914DCCFB-03C5-4EF8-B62D-0A9A10F0E080}" type="datetime1">
               <a:rPr lang="en-US" altLang="zh-TW" smtClean="0"/>
-              <a:t>8/5/2021</a:t>
+              <a:t>6/16/2022</a:t>
             </a:fld>
             <a:endParaRPr lang="en-US" dirty="0"/>
           </a:p>
@@ -15645,8 +15622,8 @@
           </a:p>
         </p:txBody>
       </p:sp>
-      <mc:AlternateContent xmlns:mc="http://schemas.openxmlformats.org/markup-compatibility/2006">
-        <mc:Choice xmlns:a14="http://schemas.microsoft.com/office/drawing/2010/main" Requires="a14">
+      <mc:AlternateContent xmlns:mc="http://schemas.openxmlformats.org/markup-compatibility/2006" xmlns:a14="http://schemas.microsoft.com/office/drawing/2010/main">
+        <mc:Choice Requires="a14">
           <p:sp>
             <p:nvSpPr>
               <p:cNvPr id="9" name="文字方塊 8"/>
@@ -15923,10 +15900,6 @@
                   </a:rPr>
                   <a:t> </a:t>
                 </a:r>
-                <a:endParaRPr lang="en-US" altLang="zh-TW" sz="1600" dirty="0" smtClean="0">
-                  <a:latin typeface="微軟正黑體" panose="020B0604030504040204" pitchFamily="34" charset="-120"/>
-                  <a:ea typeface="微軟正黑體" panose="020B0604030504040204" pitchFamily="34" charset="-120"/>
-                </a:endParaRPr>
               </a:p>
               <a:p>
                 <a:pPr marL="342900" indent="-342900">
@@ -15951,7 +15924,7 @@
             </p:txBody>
           </p:sp>
         </mc:Choice>
-        <mc:Fallback>
+        <mc:Fallback xmlns="">
           <p:sp>
             <p:nvSpPr>
               <p:cNvPr id="9" name="文字方塊 8"/>
@@ -16147,9 +16120,9 @@
           <a:bodyPr/>
           <a:lstStyle/>
           <a:p>
-            <a:fld id="{0D41987E-CA76-4125-B5BC-83512E99FEBC}" type="datetime1">
+            <a:fld id="{684F352D-E968-45AF-BF61-45885B2702DF}" type="datetime1">
               <a:rPr lang="en-US" altLang="zh-TW" smtClean="0"/>
-              <a:t>8/5/2021</a:t>
+              <a:t>6/16/2022</a:t>
             </a:fld>
             <a:endParaRPr lang="en-US" dirty="0"/>
           </a:p>
@@ -17390,9 +17363,9 @@
           <a:bodyPr/>
           <a:lstStyle/>
           <a:p>
-            <a:fld id="{717C4B98-A51E-4049-8774-1A461F0E67F1}" type="datetime1">
+            <a:fld id="{41D8C416-E45B-4BDC-8195-74747D3C9A1B}" type="datetime1">
               <a:rPr lang="en-US" altLang="zh-TW" smtClean="0"/>
-              <a:t>8/5/2021</a:t>
+              <a:t>6/16/2022</a:t>
             </a:fld>
             <a:endParaRPr lang="en-US" dirty="0"/>
           </a:p>
@@ -17587,9 +17560,9 @@
           <a:bodyPr/>
           <a:lstStyle/>
           <a:p>
-            <a:fld id="{BB275D85-33FB-4715-9761-D44AB70EE7F4}" type="datetime1">
+            <a:fld id="{5C510128-0C93-4F61-B87A-2411A95CD0FA}" type="datetime1">
               <a:rPr lang="en-US" altLang="zh-TW" smtClean="0"/>
-              <a:t>8/5/2021</a:t>
+              <a:t>6/16/2022</a:t>
             </a:fld>
             <a:endParaRPr lang="en-US" dirty="0"/>
           </a:p>
@@ -17701,14 +17674,7 @@
                 <a:latin typeface="微軟正黑體" panose="020B0604030504040204" pitchFamily="34" charset="-120"/>
                 <a:ea typeface="微軟正黑體" panose="020B0604030504040204" pitchFamily="34" charset="-120"/>
               </a:rPr>
-              <a:t> to access the </a:t>
-            </a:r>
-            <a:r>
-              <a:rPr lang="en-US" altLang="zh-TW" sz="1600" dirty="0" smtClean="0">
-                <a:latin typeface="微軟正黑體" panose="020B0604030504040204" pitchFamily="34" charset="-120"/>
-                <a:ea typeface="微軟正黑體" panose="020B0604030504040204" pitchFamily="34" charset="-120"/>
-              </a:rPr>
-              <a:t>database</a:t>
+              <a:t> to access the database</a:t>
             </a:r>
           </a:p>
           <a:p>
@@ -17740,10 +17706,6 @@
               </a:rPr>
               <a:t> to set host, user and password</a:t>
             </a:r>
-            <a:endParaRPr lang="en-US" altLang="zh-TW" sz="1600" dirty="0" smtClean="0">
-              <a:latin typeface="微軟正黑體" panose="020B0604030504040204" pitchFamily="34" charset="-120"/>
-              <a:ea typeface="微軟正黑體" panose="020B0604030504040204" pitchFamily="34" charset="-120"/>
-            </a:endParaRPr>
           </a:p>
           <a:p>
             <a:pPr marL="342900" indent="-342900">
@@ -18047,9 +18009,9 @@
           <a:bodyPr/>
           <a:lstStyle/>
           <a:p>
-            <a:fld id="{9989D1A6-EF40-4281-A5D3-9EC87A83506D}" type="datetime1">
+            <a:fld id="{6C67B685-85C8-4469-92D7-DF852CB0CBAD}" type="datetime1">
               <a:rPr lang="en-US" altLang="zh-TW" smtClean="0"/>
-              <a:t>8/5/2021</a:t>
+              <a:t>6/16/2022</a:t>
             </a:fld>
             <a:endParaRPr lang="en-US" dirty="0"/>
           </a:p>
@@ -18524,9 +18486,9 @@
           <a:bodyPr/>
           <a:lstStyle/>
           <a:p>
-            <a:fld id="{9989D1A6-EF40-4281-A5D3-9EC87A83506D}" type="datetime1">
+            <a:fld id="{BD0CBEBD-BF9E-4C18-BBF9-4004FA1BAB73}" type="datetime1">
               <a:rPr lang="en-US" altLang="zh-TW" smtClean="0"/>
-              <a:t>8/5/2021</a:t>
+              <a:t>6/16/2022</a:t>
             </a:fld>
             <a:endParaRPr lang="en-US" dirty="0"/>
           </a:p>
@@ -21176,9 +21138,9 @@
           <a:bodyPr/>
           <a:lstStyle/>
           <a:p>
-            <a:fld id="{49A3A9AE-E23A-43EE-928C-853A418FAF0F}" type="datetime1">
+            <a:fld id="{F3E43E0D-76A7-43AD-B808-E14871135ED6}" type="datetime1">
               <a:rPr lang="en-US" altLang="zh-TW" smtClean="0"/>
-              <a:t>8/5/2021</a:t>
+              <a:t>6/16/2022</a:t>
             </a:fld>
             <a:endParaRPr lang="en-US" dirty="0"/>
           </a:p>
@@ -22543,9 +22505,9 @@
           <a:bodyPr/>
           <a:lstStyle/>
           <a:p>
-            <a:fld id="{43D715BD-506A-483A-A331-D39440A5394A}" type="datetime1">
+            <a:fld id="{2D0D8279-0D65-4E4B-A4CC-8BBA2FFFA43E}" type="datetime1">
               <a:rPr lang="en-US" altLang="zh-TW" smtClean="0"/>
-              <a:t>8/5/2021</a:t>
+              <a:t>6/16/2022</a:t>
             </a:fld>
             <a:endParaRPr lang="en-US" dirty="0"/>
           </a:p>
